--- a/figures/fig-1/fig-1.pptx
+++ b/figures/fig-1/fig-1.pptx
@@ -3723,11 +3723,18 @@
           <a:p>
             <a:pPr algn="ctr"/>
             <a:r>
+              <a:rPr lang="en-US" sz="500" i="1" dirty="0">
+                <a:latin typeface="Arial" panose="020B0604020202020204" pitchFamily="34" charset="0"/>
+                <a:cs typeface="Arial" panose="020B0604020202020204" pitchFamily="34" charset="0"/>
+              </a:rPr>
+              <a:t>EGFR</a:t>
+            </a:r>
+            <a:r>
               <a:rPr lang="en-US" sz="500" dirty="0">
                 <a:latin typeface="Arial" panose="020B0604020202020204" pitchFamily="34" charset="0"/>
                 <a:cs typeface="Arial" panose="020B0604020202020204" pitchFamily="34" charset="0"/>
               </a:rPr>
-              <a:t>EGFR exon 19 deletion</a:t>
+              <a:t> exon 19 deletion</a:t>
             </a:r>
           </a:p>
         </p:txBody>

--- a/figures/fig-1/fig-1.pptx
+++ b/figures/fig-1/fig-1.pptx
@@ -2,7 +2,7 @@
 <file path=ppt/presentation.xml><?xml version="1.0" encoding="utf-8"?>
 <p:presentation xmlns:a="http://schemas.openxmlformats.org/drawingml/2006/main" xmlns:r="http://schemas.openxmlformats.org/officeDocument/2006/relationships" xmlns:p="http://schemas.openxmlformats.org/presentationml/2006/main" saveSubsetFonts="1" autoCompressPictures="0">
   <p:sldMasterIdLst>
-    <p:sldMasterId id="2147483732" r:id="rId1"/>
+    <p:sldMasterId id="2147483756" r:id="rId1"/>
   </p:sldMasterIdLst>
   <p:notesMasterIdLst>
     <p:notesMasterId r:id="rId3"/>
@@ -10,7 +10,7 @@
   <p:sldIdLst>
     <p:sldId id="258" r:id="rId2"/>
   </p:sldIdLst>
-  <p:sldSz cx="6588125" cy="3060700"/>
+  <p:sldSz cx="6588125" cy="2339975"/>
   <p:notesSz cx="6858000" cy="9144000"/>
   <p:defaultTextStyle>
     <a:defPPr>
@@ -197,7 +197,7 @@
           <a:p>
             <a:fld id="{D56CEF8C-C275-5B4D-A6F9-44239AED55DF}" type="datetimeFigureOut">
               <a:rPr lang="en-US" smtClean="0"/>
-              <a:t>9/22/25</a:t>
+              <a:t>9/23/25</a:t>
             </a:fld>
             <a:endParaRPr lang="en-US"/>
           </a:p>
@@ -215,8 +215,8 @@
         </p:nvSpPr>
         <p:spPr>
           <a:xfrm>
-            <a:off x="107950" y="1143000"/>
-            <a:ext cx="6642100" cy="3086100"/>
+            <a:off x="-915988" y="1143000"/>
+            <a:ext cx="8689976" cy="3086100"/>
           </a:xfrm>
           <a:prstGeom prst="rect">
             <a:avLst/>
@@ -491,7 +491,12 @@
             <p:ph type="sldImg"/>
           </p:nvPr>
         </p:nvSpPr>
-        <p:spPr/>
+        <p:spPr>
+          <a:xfrm>
+            <a:off x="-915988" y="1143000"/>
+            <a:ext cx="8689976" cy="3086100"/>
+          </a:xfrm>
+        </p:spPr>
       </p:sp>
       <p:sp>
         <p:nvSpPr>
@@ -577,15 +582,15 @@
         </p:nvSpPr>
         <p:spPr>
           <a:xfrm>
-            <a:off x="823516" y="500906"/>
-            <a:ext cx="4941094" cy="1065577"/>
+            <a:off x="823516" y="382954"/>
+            <a:ext cx="4941094" cy="814658"/>
           </a:xfrm>
         </p:spPr>
         <p:txBody>
           <a:bodyPr anchor="b"/>
           <a:lstStyle>
             <a:lvl1pPr algn="ctr">
-              <a:defRPr sz="2678"/>
+              <a:defRPr sz="2047"/>
             </a:lvl1pPr>
           </a:lstStyle>
           <a:p>
@@ -609,8 +614,8 @@
         </p:nvSpPr>
         <p:spPr>
           <a:xfrm>
-            <a:off x="823516" y="1607576"/>
-            <a:ext cx="4941094" cy="738960"/>
+            <a:off x="823516" y="1229029"/>
+            <a:ext cx="4941094" cy="564952"/>
           </a:xfrm>
         </p:spPr>
         <p:txBody>
@@ -618,39 +623,39 @@
           <a:lstStyle>
             <a:lvl1pPr marL="0" indent="0" algn="ctr">
               <a:buNone/>
-              <a:defRPr sz="1071"/>
+              <a:defRPr sz="819"/>
             </a:lvl1pPr>
-            <a:lvl2pPr marL="204048" indent="0" algn="ctr">
-              <a:buNone/>
-              <a:defRPr sz="893"/>
+            <a:lvl2pPr marL="155997" indent="0" algn="ctr">
+              <a:buNone/>
+              <a:defRPr sz="682"/>
             </a:lvl2pPr>
-            <a:lvl3pPr marL="408097" indent="0" algn="ctr">
-              <a:buNone/>
-              <a:defRPr sz="803"/>
+            <a:lvl3pPr marL="311993" indent="0" algn="ctr">
+              <a:buNone/>
+              <a:defRPr sz="614"/>
             </a:lvl3pPr>
-            <a:lvl4pPr marL="612145" indent="0" algn="ctr">
-              <a:buNone/>
-              <a:defRPr sz="714"/>
+            <a:lvl4pPr marL="467990" indent="0" algn="ctr">
+              <a:buNone/>
+              <a:defRPr sz="546"/>
             </a:lvl4pPr>
-            <a:lvl5pPr marL="816193" indent="0" algn="ctr">
-              <a:buNone/>
-              <a:defRPr sz="714"/>
+            <a:lvl5pPr marL="623987" indent="0" algn="ctr">
+              <a:buNone/>
+              <a:defRPr sz="546"/>
             </a:lvl5pPr>
-            <a:lvl6pPr marL="1020242" indent="0" algn="ctr">
-              <a:buNone/>
-              <a:defRPr sz="714"/>
+            <a:lvl6pPr marL="779983" indent="0" algn="ctr">
+              <a:buNone/>
+              <a:defRPr sz="546"/>
             </a:lvl6pPr>
-            <a:lvl7pPr marL="1224290" indent="0" algn="ctr">
-              <a:buNone/>
-              <a:defRPr sz="714"/>
+            <a:lvl7pPr marL="935980" indent="0" algn="ctr">
+              <a:buNone/>
+              <a:defRPr sz="546"/>
             </a:lvl7pPr>
-            <a:lvl8pPr marL="1428339" indent="0" algn="ctr">
-              <a:buNone/>
-              <a:defRPr sz="714"/>
+            <a:lvl8pPr marL="1091976" indent="0" algn="ctr">
+              <a:buNone/>
+              <a:defRPr sz="546"/>
             </a:lvl8pPr>
-            <a:lvl9pPr marL="1632387" indent="0" algn="ctr">
-              <a:buNone/>
-              <a:defRPr sz="714"/>
+            <a:lvl9pPr marL="1247973" indent="0" algn="ctr">
+              <a:buNone/>
+              <a:defRPr sz="546"/>
             </a:lvl9pPr>
           </a:lstStyle>
           <a:p>
@@ -679,7 +684,7 @@
           <a:p>
             <a:fld id="{FE14D9E9-5EC3-D444-8E38-E43C59FC4D54}" type="datetimeFigureOut">
               <a:rPr lang="en-US" smtClean="0"/>
-              <a:t>9/22/25</a:t>
+              <a:t>9/23/25</a:t>
             </a:fld>
             <a:endParaRPr lang="en-US"/>
           </a:p>
@@ -730,7 +735,7 @@
     </p:spTree>
     <p:extLst>
       <p:ext uri="{BB962C8B-B14F-4D97-AF65-F5344CB8AC3E}">
-        <p14:creationId xmlns:p14="http://schemas.microsoft.com/office/powerpoint/2010/main" val="1085091585"/>
+        <p14:creationId xmlns:p14="http://schemas.microsoft.com/office/powerpoint/2010/main" val="1250795652"/>
       </p:ext>
     </p:extLst>
   </p:cSld>
@@ -849,7 +854,7 @@
           <a:p>
             <a:fld id="{FE14D9E9-5EC3-D444-8E38-E43C59FC4D54}" type="datetimeFigureOut">
               <a:rPr lang="en-US" smtClean="0"/>
-              <a:t>9/22/25</a:t>
+              <a:t>9/23/25</a:t>
             </a:fld>
             <a:endParaRPr lang="en-US"/>
           </a:p>
@@ -900,7 +905,7 @@
     </p:spTree>
     <p:extLst>
       <p:ext uri="{BB962C8B-B14F-4D97-AF65-F5344CB8AC3E}">
-        <p14:creationId xmlns:p14="http://schemas.microsoft.com/office/powerpoint/2010/main" val="482977959"/>
+        <p14:creationId xmlns:p14="http://schemas.microsoft.com/office/powerpoint/2010/main" val="1274682214"/>
       </p:ext>
     </p:extLst>
   </p:cSld>
@@ -939,8 +944,8 @@
         </p:nvSpPr>
         <p:spPr>
           <a:xfrm>
-            <a:off x="4714627" y="162954"/>
-            <a:ext cx="1420564" cy="2593802"/>
+            <a:off x="4714627" y="124582"/>
+            <a:ext cx="1420564" cy="1983021"/>
           </a:xfrm>
         </p:spPr>
         <p:txBody>
@@ -967,8 +972,8 @@
         </p:nvSpPr>
         <p:spPr>
           <a:xfrm>
-            <a:off x="452933" y="162954"/>
-            <a:ext cx="4179342" cy="2593802"/>
+            <a:off x="452933" y="124582"/>
+            <a:ext cx="4179342" cy="1983021"/>
           </a:xfrm>
         </p:spPr>
         <p:txBody>
@@ -1029,7 +1034,7 @@
           <a:p>
             <a:fld id="{FE14D9E9-5EC3-D444-8E38-E43C59FC4D54}" type="datetimeFigureOut">
               <a:rPr lang="en-US" smtClean="0"/>
-              <a:t>9/22/25</a:t>
+              <a:t>9/23/25</a:t>
             </a:fld>
             <a:endParaRPr lang="en-US"/>
           </a:p>
@@ -1080,7 +1085,7 @@
     </p:spTree>
     <p:extLst>
       <p:ext uri="{BB962C8B-B14F-4D97-AF65-F5344CB8AC3E}">
-        <p14:creationId xmlns:p14="http://schemas.microsoft.com/office/powerpoint/2010/main" val="2705233456"/>
+        <p14:creationId xmlns:p14="http://schemas.microsoft.com/office/powerpoint/2010/main" val="880930057"/>
       </p:ext>
     </p:extLst>
   </p:cSld>
@@ -1199,7 +1204,7 @@
           <a:p>
             <a:fld id="{FE14D9E9-5EC3-D444-8E38-E43C59FC4D54}" type="datetimeFigureOut">
               <a:rPr lang="en-US" smtClean="0"/>
-              <a:t>9/22/25</a:t>
+              <a:t>9/23/25</a:t>
             </a:fld>
             <a:endParaRPr lang="en-US"/>
           </a:p>
@@ -1250,7 +1255,7 @@
     </p:spTree>
     <p:extLst>
       <p:ext uri="{BB962C8B-B14F-4D97-AF65-F5344CB8AC3E}">
-        <p14:creationId xmlns:p14="http://schemas.microsoft.com/office/powerpoint/2010/main" val="211638952"/>
+        <p14:creationId xmlns:p14="http://schemas.microsoft.com/office/powerpoint/2010/main" val="3053676024"/>
       </p:ext>
     </p:extLst>
   </p:cSld>
@@ -1289,15 +1294,15 @@
         </p:nvSpPr>
         <p:spPr>
           <a:xfrm>
-            <a:off x="449502" y="763050"/>
-            <a:ext cx="5682258" cy="1273166"/>
+            <a:off x="449502" y="583369"/>
+            <a:ext cx="5682258" cy="973364"/>
           </a:xfrm>
         </p:spPr>
         <p:txBody>
           <a:bodyPr anchor="b"/>
           <a:lstStyle>
             <a:lvl1pPr>
-              <a:defRPr sz="2678"/>
+              <a:defRPr sz="2047"/>
             </a:lvl1pPr>
           </a:lstStyle>
           <a:p>
@@ -1321,8 +1326,8 @@
         </p:nvSpPr>
         <p:spPr>
           <a:xfrm>
-            <a:off x="449502" y="2048261"/>
-            <a:ext cx="5682258" cy="669528"/>
+            <a:off x="449502" y="1565942"/>
+            <a:ext cx="5682258" cy="511869"/>
           </a:xfrm>
         </p:spPr>
         <p:txBody>
@@ -1330,7 +1335,7 @@
           <a:lstStyle>
             <a:lvl1pPr marL="0" indent="0">
               <a:buNone/>
-              <a:defRPr sz="1071">
+              <a:defRPr sz="819">
                 <a:solidFill>
                   <a:schemeClr val="tx1">
                     <a:tint val="75000"/>
@@ -1338,9 +1343,9 @@
                 </a:solidFill>
               </a:defRPr>
             </a:lvl1pPr>
-            <a:lvl2pPr marL="204048" indent="0">
-              <a:buNone/>
-              <a:defRPr sz="893">
+            <a:lvl2pPr marL="155997" indent="0">
+              <a:buNone/>
+              <a:defRPr sz="682">
                 <a:solidFill>
                   <a:schemeClr val="tx1">
                     <a:tint val="75000"/>
@@ -1348,9 +1353,9 @@
                 </a:solidFill>
               </a:defRPr>
             </a:lvl2pPr>
-            <a:lvl3pPr marL="408097" indent="0">
-              <a:buNone/>
-              <a:defRPr sz="803">
+            <a:lvl3pPr marL="311993" indent="0">
+              <a:buNone/>
+              <a:defRPr sz="614">
                 <a:solidFill>
                   <a:schemeClr val="tx1">
                     <a:tint val="75000"/>
@@ -1358,9 +1363,9 @@
                 </a:solidFill>
               </a:defRPr>
             </a:lvl3pPr>
-            <a:lvl4pPr marL="612145" indent="0">
-              <a:buNone/>
-              <a:defRPr sz="714">
+            <a:lvl4pPr marL="467990" indent="0">
+              <a:buNone/>
+              <a:defRPr sz="546">
                 <a:solidFill>
                   <a:schemeClr val="tx1">
                     <a:tint val="75000"/>
@@ -1368,9 +1373,9 @@
                 </a:solidFill>
               </a:defRPr>
             </a:lvl4pPr>
-            <a:lvl5pPr marL="816193" indent="0">
-              <a:buNone/>
-              <a:defRPr sz="714">
+            <a:lvl5pPr marL="623987" indent="0">
+              <a:buNone/>
+              <a:defRPr sz="546">
                 <a:solidFill>
                   <a:schemeClr val="tx1">
                     <a:tint val="75000"/>
@@ -1378,9 +1383,9 @@
                 </a:solidFill>
               </a:defRPr>
             </a:lvl5pPr>
-            <a:lvl6pPr marL="1020242" indent="0">
-              <a:buNone/>
-              <a:defRPr sz="714">
+            <a:lvl6pPr marL="779983" indent="0">
+              <a:buNone/>
+              <a:defRPr sz="546">
                 <a:solidFill>
                   <a:schemeClr val="tx1">
                     <a:tint val="75000"/>
@@ -1388,9 +1393,9 @@
                 </a:solidFill>
               </a:defRPr>
             </a:lvl6pPr>
-            <a:lvl7pPr marL="1224290" indent="0">
-              <a:buNone/>
-              <a:defRPr sz="714">
+            <a:lvl7pPr marL="935980" indent="0">
+              <a:buNone/>
+              <a:defRPr sz="546">
                 <a:solidFill>
                   <a:schemeClr val="tx1">
                     <a:tint val="75000"/>
@@ -1398,9 +1403,9 @@
                 </a:solidFill>
               </a:defRPr>
             </a:lvl7pPr>
-            <a:lvl8pPr marL="1428339" indent="0">
-              <a:buNone/>
-              <a:defRPr sz="714">
+            <a:lvl8pPr marL="1091976" indent="0">
+              <a:buNone/>
+              <a:defRPr sz="546">
                 <a:solidFill>
                   <a:schemeClr val="tx1">
                     <a:tint val="75000"/>
@@ -1408,9 +1413,9 @@
                 </a:solidFill>
               </a:defRPr>
             </a:lvl8pPr>
-            <a:lvl9pPr marL="1632387" indent="0">
-              <a:buNone/>
-              <a:defRPr sz="714">
+            <a:lvl9pPr marL="1247973" indent="0">
+              <a:buNone/>
+              <a:defRPr sz="546">
                 <a:solidFill>
                   <a:schemeClr val="tx1">
                     <a:tint val="75000"/>
@@ -1445,7 +1450,7 @@
           <a:p>
             <a:fld id="{FE14D9E9-5EC3-D444-8E38-E43C59FC4D54}" type="datetimeFigureOut">
               <a:rPr lang="en-US" smtClean="0"/>
-              <a:t>9/22/25</a:t>
+              <a:t>9/23/25</a:t>
             </a:fld>
             <a:endParaRPr lang="en-US"/>
           </a:p>
@@ -1496,7 +1501,7 @@
     </p:spTree>
     <p:extLst>
       <p:ext uri="{BB962C8B-B14F-4D97-AF65-F5344CB8AC3E}">
-        <p14:creationId xmlns:p14="http://schemas.microsoft.com/office/powerpoint/2010/main" val="3401623829"/>
+        <p14:creationId xmlns:p14="http://schemas.microsoft.com/office/powerpoint/2010/main" val="847479121"/>
       </p:ext>
     </p:extLst>
   </p:cSld>
@@ -1558,8 +1563,8 @@
         </p:nvSpPr>
         <p:spPr>
           <a:xfrm>
-            <a:off x="452934" y="814770"/>
-            <a:ext cx="2799953" cy="1941986"/>
+            <a:off x="452934" y="622910"/>
+            <a:ext cx="2799953" cy="1484693"/>
           </a:xfrm>
         </p:spPr>
         <p:txBody>
@@ -1615,8 +1620,8 @@
         </p:nvSpPr>
         <p:spPr>
           <a:xfrm>
-            <a:off x="3335238" y="814770"/>
-            <a:ext cx="2799953" cy="1941986"/>
+            <a:off x="3335238" y="622910"/>
+            <a:ext cx="2799953" cy="1484693"/>
           </a:xfrm>
         </p:spPr>
         <p:txBody>
@@ -1677,7 +1682,7 @@
           <a:p>
             <a:fld id="{FE14D9E9-5EC3-D444-8E38-E43C59FC4D54}" type="datetimeFigureOut">
               <a:rPr lang="en-US" smtClean="0"/>
-              <a:t>9/22/25</a:t>
+              <a:t>9/23/25</a:t>
             </a:fld>
             <a:endParaRPr lang="en-US"/>
           </a:p>
@@ -1728,7 +1733,7 @@
     </p:spTree>
     <p:extLst>
       <p:ext uri="{BB962C8B-B14F-4D97-AF65-F5344CB8AC3E}">
-        <p14:creationId xmlns:p14="http://schemas.microsoft.com/office/powerpoint/2010/main" val="506090818"/>
+        <p14:creationId xmlns:p14="http://schemas.microsoft.com/office/powerpoint/2010/main" val="781213950"/>
       </p:ext>
     </p:extLst>
   </p:cSld>
@@ -1767,8 +1772,8 @@
         </p:nvSpPr>
         <p:spPr>
           <a:xfrm>
-            <a:off x="453792" y="162954"/>
-            <a:ext cx="5682258" cy="591594"/>
+            <a:off x="453792" y="124582"/>
+            <a:ext cx="5682258" cy="452287"/>
           </a:xfrm>
         </p:spPr>
         <p:txBody>
@@ -1795,8 +1800,8 @@
         </p:nvSpPr>
         <p:spPr>
           <a:xfrm>
-            <a:off x="453792" y="750297"/>
-            <a:ext cx="2787085" cy="367709"/>
+            <a:off x="453792" y="573619"/>
+            <a:ext cx="2787085" cy="281122"/>
           </a:xfrm>
         </p:spPr>
         <p:txBody>
@@ -1804,39 +1809,39 @@
           <a:lstStyle>
             <a:lvl1pPr marL="0" indent="0">
               <a:buNone/>
-              <a:defRPr sz="1071" b="1"/>
+              <a:defRPr sz="819" b="1"/>
             </a:lvl1pPr>
-            <a:lvl2pPr marL="204048" indent="0">
-              <a:buNone/>
-              <a:defRPr sz="893" b="1"/>
+            <a:lvl2pPr marL="155997" indent="0">
+              <a:buNone/>
+              <a:defRPr sz="682" b="1"/>
             </a:lvl2pPr>
-            <a:lvl3pPr marL="408097" indent="0">
-              <a:buNone/>
-              <a:defRPr sz="803" b="1"/>
+            <a:lvl3pPr marL="311993" indent="0">
+              <a:buNone/>
+              <a:defRPr sz="614" b="1"/>
             </a:lvl3pPr>
-            <a:lvl4pPr marL="612145" indent="0">
-              <a:buNone/>
-              <a:defRPr sz="714" b="1"/>
+            <a:lvl4pPr marL="467990" indent="0">
+              <a:buNone/>
+              <a:defRPr sz="546" b="1"/>
             </a:lvl4pPr>
-            <a:lvl5pPr marL="816193" indent="0">
-              <a:buNone/>
-              <a:defRPr sz="714" b="1"/>
+            <a:lvl5pPr marL="623987" indent="0">
+              <a:buNone/>
+              <a:defRPr sz="546" b="1"/>
             </a:lvl5pPr>
-            <a:lvl6pPr marL="1020242" indent="0">
-              <a:buNone/>
-              <a:defRPr sz="714" b="1"/>
+            <a:lvl6pPr marL="779983" indent="0">
+              <a:buNone/>
+              <a:defRPr sz="546" b="1"/>
             </a:lvl6pPr>
-            <a:lvl7pPr marL="1224290" indent="0">
-              <a:buNone/>
-              <a:defRPr sz="714" b="1"/>
+            <a:lvl7pPr marL="935980" indent="0">
+              <a:buNone/>
+              <a:defRPr sz="546" b="1"/>
             </a:lvl7pPr>
-            <a:lvl8pPr marL="1428339" indent="0">
-              <a:buNone/>
-              <a:defRPr sz="714" b="1"/>
+            <a:lvl8pPr marL="1091976" indent="0">
+              <a:buNone/>
+              <a:defRPr sz="546" b="1"/>
             </a:lvl8pPr>
-            <a:lvl9pPr marL="1632387" indent="0">
-              <a:buNone/>
-              <a:defRPr sz="714" b="1"/>
+            <a:lvl9pPr marL="1247973" indent="0">
+              <a:buNone/>
+              <a:defRPr sz="546" b="1"/>
             </a:lvl9pPr>
           </a:lstStyle>
           <a:p>
@@ -1860,8 +1865,8 @@
         </p:nvSpPr>
         <p:spPr>
           <a:xfrm>
-            <a:off x="453792" y="1118006"/>
-            <a:ext cx="2787085" cy="1644418"/>
+            <a:off x="453792" y="854741"/>
+            <a:ext cx="2787085" cy="1257195"/>
           </a:xfrm>
         </p:spPr>
         <p:txBody>
@@ -1917,8 +1922,8 @@
         </p:nvSpPr>
         <p:spPr>
           <a:xfrm>
-            <a:off x="3335238" y="750297"/>
-            <a:ext cx="2800811" cy="367709"/>
+            <a:off x="3335238" y="573619"/>
+            <a:ext cx="2800811" cy="281122"/>
           </a:xfrm>
         </p:spPr>
         <p:txBody>
@@ -1926,39 +1931,39 @@
           <a:lstStyle>
             <a:lvl1pPr marL="0" indent="0">
               <a:buNone/>
-              <a:defRPr sz="1071" b="1"/>
+              <a:defRPr sz="819" b="1"/>
             </a:lvl1pPr>
-            <a:lvl2pPr marL="204048" indent="0">
-              <a:buNone/>
-              <a:defRPr sz="893" b="1"/>
+            <a:lvl2pPr marL="155997" indent="0">
+              <a:buNone/>
+              <a:defRPr sz="682" b="1"/>
             </a:lvl2pPr>
-            <a:lvl3pPr marL="408097" indent="0">
-              <a:buNone/>
-              <a:defRPr sz="803" b="1"/>
+            <a:lvl3pPr marL="311993" indent="0">
+              <a:buNone/>
+              <a:defRPr sz="614" b="1"/>
             </a:lvl3pPr>
-            <a:lvl4pPr marL="612145" indent="0">
-              <a:buNone/>
-              <a:defRPr sz="714" b="1"/>
+            <a:lvl4pPr marL="467990" indent="0">
+              <a:buNone/>
+              <a:defRPr sz="546" b="1"/>
             </a:lvl4pPr>
-            <a:lvl5pPr marL="816193" indent="0">
-              <a:buNone/>
-              <a:defRPr sz="714" b="1"/>
+            <a:lvl5pPr marL="623987" indent="0">
+              <a:buNone/>
+              <a:defRPr sz="546" b="1"/>
             </a:lvl5pPr>
-            <a:lvl6pPr marL="1020242" indent="0">
-              <a:buNone/>
-              <a:defRPr sz="714" b="1"/>
+            <a:lvl6pPr marL="779983" indent="0">
+              <a:buNone/>
+              <a:defRPr sz="546" b="1"/>
             </a:lvl6pPr>
-            <a:lvl7pPr marL="1224290" indent="0">
-              <a:buNone/>
-              <a:defRPr sz="714" b="1"/>
+            <a:lvl7pPr marL="935980" indent="0">
+              <a:buNone/>
+              <a:defRPr sz="546" b="1"/>
             </a:lvl7pPr>
-            <a:lvl8pPr marL="1428339" indent="0">
-              <a:buNone/>
-              <a:defRPr sz="714" b="1"/>
+            <a:lvl8pPr marL="1091976" indent="0">
+              <a:buNone/>
+              <a:defRPr sz="546" b="1"/>
             </a:lvl8pPr>
-            <a:lvl9pPr marL="1632387" indent="0">
-              <a:buNone/>
-              <a:defRPr sz="714" b="1"/>
+            <a:lvl9pPr marL="1247973" indent="0">
+              <a:buNone/>
+              <a:defRPr sz="546" b="1"/>
             </a:lvl9pPr>
           </a:lstStyle>
           <a:p>
@@ -1982,8 +1987,8 @@
         </p:nvSpPr>
         <p:spPr>
           <a:xfrm>
-            <a:off x="3335238" y="1118006"/>
-            <a:ext cx="2800811" cy="1644418"/>
+            <a:off x="3335238" y="854741"/>
+            <a:ext cx="2800811" cy="1257195"/>
           </a:xfrm>
         </p:spPr>
         <p:txBody>
@@ -2044,7 +2049,7 @@
           <a:p>
             <a:fld id="{FE14D9E9-5EC3-D444-8E38-E43C59FC4D54}" type="datetimeFigureOut">
               <a:rPr lang="en-US" smtClean="0"/>
-              <a:t>9/22/25</a:t>
+              <a:t>9/23/25</a:t>
             </a:fld>
             <a:endParaRPr lang="en-US"/>
           </a:p>
@@ -2095,7 +2100,7 @@
     </p:spTree>
     <p:extLst>
       <p:ext uri="{BB962C8B-B14F-4D97-AF65-F5344CB8AC3E}">
-        <p14:creationId xmlns:p14="http://schemas.microsoft.com/office/powerpoint/2010/main" val="1239350584"/>
+        <p14:creationId xmlns:p14="http://schemas.microsoft.com/office/powerpoint/2010/main" val="3103461767"/>
       </p:ext>
     </p:extLst>
   </p:cSld>
@@ -2162,7 +2167,7 @@
           <a:p>
             <a:fld id="{FE14D9E9-5EC3-D444-8E38-E43C59FC4D54}" type="datetimeFigureOut">
               <a:rPr lang="en-US" smtClean="0"/>
-              <a:t>9/22/25</a:t>
+              <a:t>9/23/25</a:t>
             </a:fld>
             <a:endParaRPr lang="en-US"/>
           </a:p>
@@ -2213,7 +2218,7 @@
     </p:spTree>
     <p:extLst>
       <p:ext uri="{BB962C8B-B14F-4D97-AF65-F5344CB8AC3E}">
-        <p14:creationId xmlns:p14="http://schemas.microsoft.com/office/powerpoint/2010/main" val="3524090776"/>
+        <p14:creationId xmlns:p14="http://schemas.microsoft.com/office/powerpoint/2010/main" val="4189877218"/>
       </p:ext>
     </p:extLst>
   </p:cSld>
@@ -2257,7 +2262,7 @@
           <a:p>
             <a:fld id="{FE14D9E9-5EC3-D444-8E38-E43C59FC4D54}" type="datetimeFigureOut">
               <a:rPr lang="en-US" smtClean="0"/>
-              <a:t>9/22/25</a:t>
+              <a:t>9/23/25</a:t>
             </a:fld>
             <a:endParaRPr lang="en-US"/>
           </a:p>
@@ -2308,7 +2313,7 @@
     </p:spTree>
     <p:extLst>
       <p:ext uri="{BB962C8B-B14F-4D97-AF65-F5344CB8AC3E}">
-        <p14:creationId xmlns:p14="http://schemas.microsoft.com/office/powerpoint/2010/main" val="93839003"/>
+        <p14:creationId xmlns:p14="http://schemas.microsoft.com/office/powerpoint/2010/main" val="841148355"/>
       </p:ext>
     </p:extLst>
   </p:cSld>
@@ -2347,15 +2352,15 @@
         </p:nvSpPr>
         <p:spPr>
           <a:xfrm>
-            <a:off x="453792" y="204047"/>
-            <a:ext cx="2124842" cy="714163"/>
+            <a:off x="453792" y="155998"/>
+            <a:ext cx="2124842" cy="545994"/>
           </a:xfrm>
         </p:spPr>
         <p:txBody>
           <a:bodyPr anchor="b"/>
           <a:lstStyle>
             <a:lvl1pPr>
-              <a:defRPr sz="1428"/>
+              <a:defRPr sz="1092"/>
             </a:lvl1pPr>
           </a:lstStyle>
           <a:p>
@@ -2379,39 +2384,39 @@
         </p:nvSpPr>
         <p:spPr>
           <a:xfrm>
-            <a:off x="2800811" y="440684"/>
-            <a:ext cx="3335238" cy="2175081"/>
+            <a:off x="2800811" y="336913"/>
+            <a:ext cx="3335238" cy="1662899"/>
           </a:xfrm>
         </p:spPr>
         <p:txBody>
           <a:bodyPr/>
           <a:lstStyle>
             <a:lvl1pPr>
-              <a:defRPr sz="1428"/>
+              <a:defRPr sz="1092"/>
             </a:lvl1pPr>
             <a:lvl2pPr>
-              <a:defRPr sz="1250"/>
+              <a:defRPr sz="955"/>
             </a:lvl2pPr>
             <a:lvl3pPr>
-              <a:defRPr sz="1071"/>
+              <a:defRPr sz="819"/>
             </a:lvl3pPr>
             <a:lvl4pPr>
-              <a:defRPr sz="893"/>
+              <a:defRPr sz="682"/>
             </a:lvl4pPr>
             <a:lvl5pPr>
-              <a:defRPr sz="893"/>
+              <a:defRPr sz="682"/>
             </a:lvl5pPr>
             <a:lvl6pPr>
-              <a:defRPr sz="893"/>
+              <a:defRPr sz="682"/>
             </a:lvl6pPr>
             <a:lvl7pPr>
-              <a:defRPr sz="893"/>
+              <a:defRPr sz="682"/>
             </a:lvl7pPr>
             <a:lvl8pPr>
-              <a:defRPr sz="893"/>
+              <a:defRPr sz="682"/>
             </a:lvl8pPr>
             <a:lvl9pPr>
-              <a:defRPr sz="893"/>
+              <a:defRPr sz="682"/>
             </a:lvl9pPr>
           </a:lstStyle>
           <a:p>
@@ -2464,8 +2469,8 @@
         </p:nvSpPr>
         <p:spPr>
           <a:xfrm>
-            <a:off x="453792" y="918210"/>
-            <a:ext cx="2124842" cy="1701098"/>
+            <a:off x="453792" y="701992"/>
+            <a:ext cx="2124842" cy="1300528"/>
           </a:xfrm>
         </p:spPr>
         <p:txBody>
@@ -2473,39 +2478,39 @@
           <a:lstStyle>
             <a:lvl1pPr marL="0" indent="0">
               <a:buNone/>
-              <a:defRPr sz="714"/>
+              <a:defRPr sz="546"/>
             </a:lvl1pPr>
-            <a:lvl2pPr marL="204048" indent="0">
-              <a:buNone/>
-              <a:defRPr sz="625"/>
+            <a:lvl2pPr marL="155997" indent="0">
+              <a:buNone/>
+              <a:defRPr sz="478"/>
             </a:lvl2pPr>
-            <a:lvl3pPr marL="408097" indent="0">
-              <a:buNone/>
-              <a:defRPr sz="536"/>
+            <a:lvl3pPr marL="311993" indent="0">
+              <a:buNone/>
+              <a:defRPr sz="409"/>
             </a:lvl3pPr>
-            <a:lvl4pPr marL="612145" indent="0">
-              <a:buNone/>
-              <a:defRPr sz="446"/>
+            <a:lvl4pPr marL="467990" indent="0">
+              <a:buNone/>
+              <a:defRPr sz="341"/>
             </a:lvl4pPr>
-            <a:lvl5pPr marL="816193" indent="0">
-              <a:buNone/>
-              <a:defRPr sz="446"/>
+            <a:lvl5pPr marL="623987" indent="0">
+              <a:buNone/>
+              <a:defRPr sz="341"/>
             </a:lvl5pPr>
-            <a:lvl6pPr marL="1020242" indent="0">
-              <a:buNone/>
-              <a:defRPr sz="446"/>
+            <a:lvl6pPr marL="779983" indent="0">
+              <a:buNone/>
+              <a:defRPr sz="341"/>
             </a:lvl6pPr>
-            <a:lvl7pPr marL="1224290" indent="0">
-              <a:buNone/>
-              <a:defRPr sz="446"/>
+            <a:lvl7pPr marL="935980" indent="0">
+              <a:buNone/>
+              <a:defRPr sz="341"/>
             </a:lvl7pPr>
-            <a:lvl8pPr marL="1428339" indent="0">
-              <a:buNone/>
-              <a:defRPr sz="446"/>
+            <a:lvl8pPr marL="1091976" indent="0">
+              <a:buNone/>
+              <a:defRPr sz="341"/>
             </a:lvl8pPr>
-            <a:lvl9pPr marL="1632387" indent="0">
-              <a:buNone/>
-              <a:defRPr sz="446"/>
+            <a:lvl9pPr marL="1247973" indent="0">
+              <a:buNone/>
+              <a:defRPr sz="341"/>
             </a:lvl9pPr>
           </a:lstStyle>
           <a:p>
@@ -2534,7 +2539,7 @@
           <a:p>
             <a:fld id="{FE14D9E9-5EC3-D444-8E38-E43C59FC4D54}" type="datetimeFigureOut">
               <a:rPr lang="en-US" smtClean="0"/>
-              <a:t>9/22/25</a:t>
+              <a:t>9/23/25</a:t>
             </a:fld>
             <a:endParaRPr lang="en-US"/>
           </a:p>
@@ -2585,7 +2590,7 @@
     </p:spTree>
     <p:extLst>
       <p:ext uri="{BB962C8B-B14F-4D97-AF65-F5344CB8AC3E}">
-        <p14:creationId xmlns:p14="http://schemas.microsoft.com/office/powerpoint/2010/main" val="3907883435"/>
+        <p14:creationId xmlns:p14="http://schemas.microsoft.com/office/powerpoint/2010/main" val="2502704112"/>
       </p:ext>
     </p:extLst>
   </p:cSld>
@@ -2624,15 +2629,15 @@
         </p:nvSpPr>
         <p:spPr>
           <a:xfrm>
-            <a:off x="453792" y="204047"/>
-            <a:ext cx="2124842" cy="714163"/>
+            <a:off x="453792" y="155998"/>
+            <a:ext cx="2124842" cy="545994"/>
           </a:xfrm>
         </p:spPr>
         <p:txBody>
           <a:bodyPr anchor="b"/>
           <a:lstStyle>
             <a:lvl1pPr>
-              <a:defRPr sz="1428"/>
+              <a:defRPr sz="1092"/>
             </a:lvl1pPr>
           </a:lstStyle>
           <a:p>
@@ -2656,8 +2661,8 @@
         </p:nvSpPr>
         <p:spPr>
           <a:xfrm>
-            <a:off x="2800811" y="440684"/>
-            <a:ext cx="3335238" cy="2175081"/>
+            <a:off x="2800811" y="336913"/>
+            <a:ext cx="3335238" cy="1662899"/>
           </a:xfrm>
         </p:spPr>
         <p:txBody>
@@ -2665,39 +2670,39 @@
           <a:lstStyle>
             <a:lvl1pPr marL="0" indent="0">
               <a:buNone/>
-              <a:defRPr sz="1428"/>
+              <a:defRPr sz="1092"/>
             </a:lvl1pPr>
-            <a:lvl2pPr marL="204048" indent="0">
-              <a:buNone/>
-              <a:defRPr sz="1250"/>
+            <a:lvl2pPr marL="155997" indent="0">
+              <a:buNone/>
+              <a:defRPr sz="955"/>
             </a:lvl2pPr>
-            <a:lvl3pPr marL="408097" indent="0">
-              <a:buNone/>
-              <a:defRPr sz="1071"/>
+            <a:lvl3pPr marL="311993" indent="0">
+              <a:buNone/>
+              <a:defRPr sz="819"/>
             </a:lvl3pPr>
-            <a:lvl4pPr marL="612145" indent="0">
-              <a:buNone/>
-              <a:defRPr sz="893"/>
+            <a:lvl4pPr marL="467990" indent="0">
+              <a:buNone/>
+              <a:defRPr sz="682"/>
             </a:lvl4pPr>
-            <a:lvl5pPr marL="816193" indent="0">
-              <a:buNone/>
-              <a:defRPr sz="893"/>
+            <a:lvl5pPr marL="623987" indent="0">
+              <a:buNone/>
+              <a:defRPr sz="682"/>
             </a:lvl5pPr>
-            <a:lvl6pPr marL="1020242" indent="0">
-              <a:buNone/>
-              <a:defRPr sz="893"/>
+            <a:lvl6pPr marL="779983" indent="0">
+              <a:buNone/>
+              <a:defRPr sz="682"/>
             </a:lvl6pPr>
-            <a:lvl7pPr marL="1224290" indent="0">
-              <a:buNone/>
-              <a:defRPr sz="893"/>
+            <a:lvl7pPr marL="935980" indent="0">
+              <a:buNone/>
+              <a:defRPr sz="682"/>
             </a:lvl7pPr>
-            <a:lvl8pPr marL="1428339" indent="0">
-              <a:buNone/>
-              <a:defRPr sz="893"/>
+            <a:lvl8pPr marL="1091976" indent="0">
+              <a:buNone/>
+              <a:defRPr sz="682"/>
             </a:lvl8pPr>
-            <a:lvl9pPr marL="1632387" indent="0">
-              <a:buNone/>
-              <a:defRPr sz="893"/>
+            <a:lvl9pPr marL="1247973" indent="0">
+              <a:buNone/>
+              <a:defRPr sz="682"/>
             </a:lvl9pPr>
           </a:lstStyle>
           <a:p>
@@ -2721,8 +2726,8 @@
         </p:nvSpPr>
         <p:spPr>
           <a:xfrm>
-            <a:off x="453792" y="918210"/>
-            <a:ext cx="2124842" cy="1701098"/>
+            <a:off x="453792" y="701992"/>
+            <a:ext cx="2124842" cy="1300528"/>
           </a:xfrm>
         </p:spPr>
         <p:txBody>
@@ -2730,39 +2735,39 @@
           <a:lstStyle>
             <a:lvl1pPr marL="0" indent="0">
               <a:buNone/>
-              <a:defRPr sz="714"/>
+              <a:defRPr sz="546"/>
             </a:lvl1pPr>
-            <a:lvl2pPr marL="204048" indent="0">
-              <a:buNone/>
-              <a:defRPr sz="625"/>
+            <a:lvl2pPr marL="155997" indent="0">
+              <a:buNone/>
+              <a:defRPr sz="478"/>
             </a:lvl2pPr>
-            <a:lvl3pPr marL="408097" indent="0">
-              <a:buNone/>
-              <a:defRPr sz="536"/>
+            <a:lvl3pPr marL="311993" indent="0">
+              <a:buNone/>
+              <a:defRPr sz="409"/>
             </a:lvl3pPr>
-            <a:lvl4pPr marL="612145" indent="0">
-              <a:buNone/>
-              <a:defRPr sz="446"/>
+            <a:lvl4pPr marL="467990" indent="0">
+              <a:buNone/>
+              <a:defRPr sz="341"/>
             </a:lvl4pPr>
-            <a:lvl5pPr marL="816193" indent="0">
-              <a:buNone/>
-              <a:defRPr sz="446"/>
+            <a:lvl5pPr marL="623987" indent="0">
+              <a:buNone/>
+              <a:defRPr sz="341"/>
             </a:lvl5pPr>
-            <a:lvl6pPr marL="1020242" indent="0">
-              <a:buNone/>
-              <a:defRPr sz="446"/>
+            <a:lvl6pPr marL="779983" indent="0">
+              <a:buNone/>
+              <a:defRPr sz="341"/>
             </a:lvl6pPr>
-            <a:lvl7pPr marL="1224290" indent="0">
-              <a:buNone/>
-              <a:defRPr sz="446"/>
+            <a:lvl7pPr marL="935980" indent="0">
+              <a:buNone/>
+              <a:defRPr sz="341"/>
             </a:lvl7pPr>
-            <a:lvl8pPr marL="1428339" indent="0">
-              <a:buNone/>
-              <a:defRPr sz="446"/>
+            <a:lvl8pPr marL="1091976" indent="0">
+              <a:buNone/>
+              <a:defRPr sz="341"/>
             </a:lvl8pPr>
-            <a:lvl9pPr marL="1632387" indent="0">
-              <a:buNone/>
-              <a:defRPr sz="446"/>
+            <a:lvl9pPr marL="1247973" indent="0">
+              <a:buNone/>
+              <a:defRPr sz="341"/>
             </a:lvl9pPr>
           </a:lstStyle>
           <a:p>
@@ -2791,7 +2796,7 @@
           <a:p>
             <a:fld id="{FE14D9E9-5EC3-D444-8E38-E43C59FC4D54}" type="datetimeFigureOut">
               <a:rPr lang="en-US" smtClean="0"/>
-              <a:t>9/22/25</a:t>
+              <a:t>9/23/25</a:t>
             </a:fld>
             <a:endParaRPr lang="en-US"/>
           </a:p>
@@ -2842,7 +2847,7 @@
     </p:spTree>
     <p:extLst>
       <p:ext uri="{BB962C8B-B14F-4D97-AF65-F5344CB8AC3E}">
-        <p14:creationId xmlns:p14="http://schemas.microsoft.com/office/powerpoint/2010/main" val="1755823202"/>
+        <p14:creationId xmlns:p14="http://schemas.microsoft.com/office/powerpoint/2010/main" val="3173032986"/>
       </p:ext>
     </p:extLst>
   </p:cSld>
@@ -2886,8 +2891,8 @@
         </p:nvSpPr>
         <p:spPr>
           <a:xfrm>
-            <a:off x="452934" y="162954"/>
-            <a:ext cx="5682258" cy="591594"/>
+            <a:off x="452934" y="124582"/>
+            <a:ext cx="5682258" cy="452287"/>
           </a:xfrm>
           <a:prstGeom prst="rect">
             <a:avLst/>
@@ -2919,8 +2924,8 @@
         </p:nvSpPr>
         <p:spPr>
           <a:xfrm>
-            <a:off x="452934" y="814770"/>
-            <a:ext cx="5682258" cy="1941986"/>
+            <a:off x="452934" y="622910"/>
+            <a:ext cx="5682258" cy="1484693"/>
           </a:xfrm>
           <a:prstGeom prst="rect">
             <a:avLst/>
@@ -2981,8 +2986,8 @@
         </p:nvSpPr>
         <p:spPr>
           <a:xfrm>
-            <a:off x="452934" y="2836816"/>
-            <a:ext cx="1482328" cy="162954"/>
+            <a:off x="452934" y="2168810"/>
+            <a:ext cx="1482328" cy="124582"/>
           </a:xfrm>
           <a:prstGeom prst="rect">
             <a:avLst/>
@@ -2992,7 +2997,7 @@
           <a:bodyPr vert="horz" lIns="91440" tIns="45720" rIns="91440" bIns="45720" rtlCol="0" anchor="ctr"/>
           <a:lstStyle>
             <a:lvl1pPr algn="l">
-              <a:defRPr sz="536">
+              <a:defRPr sz="409">
                 <a:solidFill>
                   <a:schemeClr val="tx1">
                     <a:tint val="75000"/>
@@ -3004,7 +3009,7 @@
           <a:p>
             <a:fld id="{FE14D9E9-5EC3-D444-8E38-E43C59FC4D54}" type="datetimeFigureOut">
               <a:rPr lang="en-US" smtClean="0"/>
-              <a:t>9/22/25</a:t>
+              <a:t>9/23/25</a:t>
             </a:fld>
             <a:endParaRPr lang="en-US"/>
           </a:p>
@@ -3022,8 +3027,8 @@
         </p:nvSpPr>
         <p:spPr>
           <a:xfrm>
-            <a:off x="2182317" y="2836816"/>
-            <a:ext cx="2223492" cy="162954"/>
+            <a:off x="2182317" y="2168810"/>
+            <a:ext cx="2223492" cy="124582"/>
           </a:xfrm>
           <a:prstGeom prst="rect">
             <a:avLst/>
@@ -3033,7 +3038,7 @@
           <a:bodyPr vert="horz" lIns="91440" tIns="45720" rIns="91440" bIns="45720" rtlCol="0" anchor="ctr"/>
           <a:lstStyle>
             <a:lvl1pPr algn="ctr">
-              <a:defRPr sz="536">
+              <a:defRPr sz="409">
                 <a:solidFill>
                   <a:schemeClr val="tx1">
                     <a:tint val="75000"/>
@@ -3059,8 +3064,8 @@
         </p:nvSpPr>
         <p:spPr>
           <a:xfrm>
-            <a:off x="4652863" y="2836816"/>
-            <a:ext cx="1482328" cy="162954"/>
+            <a:off x="4652863" y="2168810"/>
+            <a:ext cx="1482328" cy="124582"/>
           </a:xfrm>
           <a:prstGeom prst="rect">
             <a:avLst/>
@@ -3070,7 +3075,7 @@
           <a:bodyPr vert="horz" lIns="91440" tIns="45720" rIns="91440" bIns="45720" rtlCol="0" anchor="ctr"/>
           <a:lstStyle>
             <a:lvl1pPr algn="r">
-              <a:defRPr sz="536">
+              <a:defRPr sz="409">
                 <a:solidFill>
                   <a:schemeClr val="tx1">
                     <a:tint val="75000"/>
@@ -3091,27 +3096,27 @@
     </p:spTree>
     <p:extLst>
       <p:ext uri="{BB962C8B-B14F-4D97-AF65-F5344CB8AC3E}">
-        <p14:creationId xmlns:p14="http://schemas.microsoft.com/office/powerpoint/2010/main" val="4274204387"/>
+        <p14:creationId xmlns:p14="http://schemas.microsoft.com/office/powerpoint/2010/main" val="1057878171"/>
       </p:ext>
     </p:extLst>
   </p:cSld>
   <p:clrMap bg1="lt1" tx1="dk1" bg2="lt2" tx2="dk2" accent1="accent1" accent2="accent2" accent3="accent3" accent4="accent4" accent5="accent5" accent6="accent6" hlink="hlink" folHlink="folHlink"/>
   <p:sldLayoutIdLst>
-    <p:sldLayoutId id="2147483733" r:id="rId1"/>
-    <p:sldLayoutId id="2147483734" r:id="rId2"/>
-    <p:sldLayoutId id="2147483735" r:id="rId3"/>
-    <p:sldLayoutId id="2147483736" r:id="rId4"/>
-    <p:sldLayoutId id="2147483737" r:id="rId5"/>
-    <p:sldLayoutId id="2147483738" r:id="rId6"/>
-    <p:sldLayoutId id="2147483739" r:id="rId7"/>
-    <p:sldLayoutId id="2147483740" r:id="rId8"/>
-    <p:sldLayoutId id="2147483741" r:id="rId9"/>
-    <p:sldLayoutId id="2147483742" r:id="rId10"/>
-    <p:sldLayoutId id="2147483743" r:id="rId11"/>
+    <p:sldLayoutId id="2147483757" r:id="rId1"/>
+    <p:sldLayoutId id="2147483758" r:id="rId2"/>
+    <p:sldLayoutId id="2147483759" r:id="rId3"/>
+    <p:sldLayoutId id="2147483760" r:id="rId4"/>
+    <p:sldLayoutId id="2147483761" r:id="rId5"/>
+    <p:sldLayoutId id="2147483762" r:id="rId6"/>
+    <p:sldLayoutId id="2147483763" r:id="rId7"/>
+    <p:sldLayoutId id="2147483764" r:id="rId8"/>
+    <p:sldLayoutId id="2147483765" r:id="rId9"/>
+    <p:sldLayoutId id="2147483766" r:id="rId10"/>
+    <p:sldLayoutId id="2147483767" r:id="rId11"/>
   </p:sldLayoutIdLst>
   <p:txStyles>
     <p:titleStyle>
-      <a:lvl1pPr algn="l" defTabSz="408097" rtl="0" eaLnBrk="1" latinLnBrk="0" hangingPunct="1">
+      <a:lvl1pPr algn="l" defTabSz="311993" rtl="0" eaLnBrk="1" latinLnBrk="0" hangingPunct="1">
         <a:lnSpc>
           <a:spcPct val="90000"/>
         </a:lnSpc>
@@ -3119,7 +3124,7 @@
           <a:spcPct val="0"/>
         </a:spcBef>
         <a:buNone/>
-        <a:defRPr sz="1964" kern="1200">
+        <a:defRPr sz="1501" kern="1200">
           <a:solidFill>
             <a:schemeClr val="tx1"/>
           </a:solidFill>
@@ -3130,16 +3135,16 @@
       </a:lvl1pPr>
     </p:titleStyle>
     <p:bodyStyle>
-      <a:lvl1pPr marL="102024" indent="-102024" algn="l" defTabSz="408097" rtl="0" eaLnBrk="1" latinLnBrk="0" hangingPunct="1">
+      <a:lvl1pPr marL="77998" indent="-77998" algn="l" defTabSz="311993" rtl="0" eaLnBrk="1" latinLnBrk="0" hangingPunct="1">
         <a:lnSpc>
           <a:spcPct val="90000"/>
         </a:lnSpc>
         <a:spcBef>
-          <a:spcPts val="446"/>
+          <a:spcPts val="341"/>
         </a:spcBef>
         <a:buFont typeface="Arial" panose="020B0604020202020204" pitchFamily="34" charset="0"/>
         <a:buChar char="•"/>
-        <a:defRPr sz="1250" kern="1200">
+        <a:defRPr sz="955" kern="1200">
           <a:solidFill>
             <a:schemeClr val="tx1"/>
           </a:solidFill>
@@ -3148,16 +3153,16 @@
           <a:cs typeface="+mn-cs"/>
         </a:defRPr>
       </a:lvl1pPr>
-      <a:lvl2pPr marL="306073" indent="-102024" algn="l" defTabSz="408097" rtl="0" eaLnBrk="1" latinLnBrk="0" hangingPunct="1">
+      <a:lvl2pPr marL="233995" indent="-77998" algn="l" defTabSz="311993" rtl="0" eaLnBrk="1" latinLnBrk="0" hangingPunct="1">
         <a:lnSpc>
           <a:spcPct val="90000"/>
         </a:lnSpc>
         <a:spcBef>
-          <a:spcPts val="223"/>
+          <a:spcPts val="171"/>
         </a:spcBef>
         <a:buFont typeface="Arial" panose="020B0604020202020204" pitchFamily="34" charset="0"/>
         <a:buChar char="•"/>
-        <a:defRPr sz="1071" kern="1200">
+        <a:defRPr sz="819" kern="1200">
           <a:solidFill>
             <a:schemeClr val="tx1"/>
           </a:solidFill>
@@ -3166,16 +3171,16 @@
           <a:cs typeface="+mn-cs"/>
         </a:defRPr>
       </a:lvl2pPr>
-      <a:lvl3pPr marL="510121" indent="-102024" algn="l" defTabSz="408097" rtl="0" eaLnBrk="1" latinLnBrk="0" hangingPunct="1">
+      <a:lvl3pPr marL="389992" indent="-77998" algn="l" defTabSz="311993" rtl="0" eaLnBrk="1" latinLnBrk="0" hangingPunct="1">
         <a:lnSpc>
           <a:spcPct val="90000"/>
         </a:lnSpc>
         <a:spcBef>
-          <a:spcPts val="223"/>
+          <a:spcPts val="171"/>
         </a:spcBef>
         <a:buFont typeface="Arial" panose="020B0604020202020204" pitchFamily="34" charset="0"/>
         <a:buChar char="•"/>
-        <a:defRPr sz="893" kern="1200">
+        <a:defRPr sz="682" kern="1200">
           <a:solidFill>
             <a:schemeClr val="tx1"/>
           </a:solidFill>
@@ -3184,16 +3189,16 @@
           <a:cs typeface="+mn-cs"/>
         </a:defRPr>
       </a:lvl3pPr>
-      <a:lvl4pPr marL="714169" indent="-102024" algn="l" defTabSz="408097" rtl="0" eaLnBrk="1" latinLnBrk="0" hangingPunct="1">
+      <a:lvl4pPr marL="545988" indent="-77998" algn="l" defTabSz="311993" rtl="0" eaLnBrk="1" latinLnBrk="0" hangingPunct="1">
         <a:lnSpc>
           <a:spcPct val="90000"/>
         </a:lnSpc>
         <a:spcBef>
-          <a:spcPts val="223"/>
+          <a:spcPts val="171"/>
         </a:spcBef>
         <a:buFont typeface="Arial" panose="020B0604020202020204" pitchFamily="34" charset="0"/>
         <a:buChar char="•"/>
-        <a:defRPr sz="803" kern="1200">
+        <a:defRPr sz="614" kern="1200">
           <a:solidFill>
             <a:schemeClr val="tx1"/>
           </a:solidFill>
@@ -3202,16 +3207,16 @@
           <a:cs typeface="+mn-cs"/>
         </a:defRPr>
       </a:lvl4pPr>
-      <a:lvl5pPr marL="918218" indent="-102024" algn="l" defTabSz="408097" rtl="0" eaLnBrk="1" latinLnBrk="0" hangingPunct="1">
+      <a:lvl5pPr marL="701985" indent="-77998" algn="l" defTabSz="311993" rtl="0" eaLnBrk="1" latinLnBrk="0" hangingPunct="1">
         <a:lnSpc>
           <a:spcPct val="90000"/>
         </a:lnSpc>
         <a:spcBef>
-          <a:spcPts val="223"/>
+          <a:spcPts val="171"/>
         </a:spcBef>
         <a:buFont typeface="Arial" panose="020B0604020202020204" pitchFamily="34" charset="0"/>
         <a:buChar char="•"/>
-        <a:defRPr sz="803" kern="1200">
+        <a:defRPr sz="614" kern="1200">
           <a:solidFill>
             <a:schemeClr val="tx1"/>
           </a:solidFill>
@@ -3220,16 +3225,16 @@
           <a:cs typeface="+mn-cs"/>
         </a:defRPr>
       </a:lvl5pPr>
-      <a:lvl6pPr marL="1122266" indent="-102024" algn="l" defTabSz="408097" rtl="0" eaLnBrk="1" latinLnBrk="0" hangingPunct="1">
+      <a:lvl6pPr marL="857982" indent="-77998" algn="l" defTabSz="311993" rtl="0" eaLnBrk="1" latinLnBrk="0" hangingPunct="1">
         <a:lnSpc>
           <a:spcPct val="90000"/>
         </a:lnSpc>
         <a:spcBef>
-          <a:spcPts val="223"/>
+          <a:spcPts val="171"/>
         </a:spcBef>
         <a:buFont typeface="Arial" panose="020B0604020202020204" pitchFamily="34" charset="0"/>
         <a:buChar char="•"/>
-        <a:defRPr sz="803" kern="1200">
+        <a:defRPr sz="614" kern="1200">
           <a:solidFill>
             <a:schemeClr val="tx1"/>
           </a:solidFill>
@@ -3238,16 +3243,16 @@
           <a:cs typeface="+mn-cs"/>
         </a:defRPr>
       </a:lvl6pPr>
-      <a:lvl7pPr marL="1326314" indent="-102024" algn="l" defTabSz="408097" rtl="0" eaLnBrk="1" latinLnBrk="0" hangingPunct="1">
+      <a:lvl7pPr marL="1013978" indent="-77998" algn="l" defTabSz="311993" rtl="0" eaLnBrk="1" latinLnBrk="0" hangingPunct="1">
         <a:lnSpc>
           <a:spcPct val="90000"/>
         </a:lnSpc>
         <a:spcBef>
-          <a:spcPts val="223"/>
+          <a:spcPts val="171"/>
         </a:spcBef>
         <a:buFont typeface="Arial" panose="020B0604020202020204" pitchFamily="34" charset="0"/>
         <a:buChar char="•"/>
-        <a:defRPr sz="803" kern="1200">
+        <a:defRPr sz="614" kern="1200">
           <a:solidFill>
             <a:schemeClr val="tx1"/>
           </a:solidFill>
@@ -3256,16 +3261,16 @@
           <a:cs typeface="+mn-cs"/>
         </a:defRPr>
       </a:lvl7pPr>
-      <a:lvl8pPr marL="1530363" indent="-102024" algn="l" defTabSz="408097" rtl="0" eaLnBrk="1" latinLnBrk="0" hangingPunct="1">
+      <a:lvl8pPr marL="1169975" indent="-77998" algn="l" defTabSz="311993" rtl="0" eaLnBrk="1" latinLnBrk="0" hangingPunct="1">
         <a:lnSpc>
           <a:spcPct val="90000"/>
         </a:lnSpc>
         <a:spcBef>
-          <a:spcPts val="223"/>
+          <a:spcPts val="171"/>
         </a:spcBef>
         <a:buFont typeface="Arial" panose="020B0604020202020204" pitchFamily="34" charset="0"/>
         <a:buChar char="•"/>
-        <a:defRPr sz="803" kern="1200">
+        <a:defRPr sz="614" kern="1200">
           <a:solidFill>
             <a:schemeClr val="tx1"/>
           </a:solidFill>
@@ -3274,16 +3279,16 @@
           <a:cs typeface="+mn-cs"/>
         </a:defRPr>
       </a:lvl8pPr>
-      <a:lvl9pPr marL="1734411" indent="-102024" algn="l" defTabSz="408097" rtl="0" eaLnBrk="1" latinLnBrk="0" hangingPunct="1">
+      <a:lvl9pPr marL="1325971" indent="-77998" algn="l" defTabSz="311993" rtl="0" eaLnBrk="1" latinLnBrk="0" hangingPunct="1">
         <a:lnSpc>
           <a:spcPct val="90000"/>
         </a:lnSpc>
         <a:spcBef>
-          <a:spcPts val="223"/>
+          <a:spcPts val="171"/>
         </a:spcBef>
         <a:buFont typeface="Arial" panose="020B0604020202020204" pitchFamily="34" charset="0"/>
         <a:buChar char="•"/>
-        <a:defRPr sz="803" kern="1200">
+        <a:defRPr sz="614" kern="1200">
           <a:solidFill>
             <a:schemeClr val="tx1"/>
           </a:solidFill>
@@ -3297,8 +3302,8 @@
       <a:defPPr>
         <a:defRPr lang="en-US"/>
       </a:defPPr>
-      <a:lvl1pPr marL="0" algn="l" defTabSz="408097" rtl="0" eaLnBrk="1" latinLnBrk="0" hangingPunct="1">
-        <a:defRPr sz="803" kern="1200">
+      <a:lvl1pPr marL="0" algn="l" defTabSz="311993" rtl="0" eaLnBrk="1" latinLnBrk="0" hangingPunct="1">
+        <a:defRPr sz="614" kern="1200">
           <a:solidFill>
             <a:schemeClr val="tx1"/>
           </a:solidFill>
@@ -3307,8 +3312,8 @@
           <a:cs typeface="+mn-cs"/>
         </a:defRPr>
       </a:lvl1pPr>
-      <a:lvl2pPr marL="204048" algn="l" defTabSz="408097" rtl="0" eaLnBrk="1" latinLnBrk="0" hangingPunct="1">
-        <a:defRPr sz="803" kern="1200">
+      <a:lvl2pPr marL="155997" algn="l" defTabSz="311993" rtl="0" eaLnBrk="1" latinLnBrk="0" hangingPunct="1">
+        <a:defRPr sz="614" kern="1200">
           <a:solidFill>
             <a:schemeClr val="tx1"/>
           </a:solidFill>
@@ -3317,8 +3322,8 @@
           <a:cs typeface="+mn-cs"/>
         </a:defRPr>
       </a:lvl2pPr>
-      <a:lvl3pPr marL="408097" algn="l" defTabSz="408097" rtl="0" eaLnBrk="1" latinLnBrk="0" hangingPunct="1">
-        <a:defRPr sz="803" kern="1200">
+      <a:lvl3pPr marL="311993" algn="l" defTabSz="311993" rtl="0" eaLnBrk="1" latinLnBrk="0" hangingPunct="1">
+        <a:defRPr sz="614" kern="1200">
           <a:solidFill>
             <a:schemeClr val="tx1"/>
           </a:solidFill>
@@ -3327,8 +3332,8 @@
           <a:cs typeface="+mn-cs"/>
         </a:defRPr>
       </a:lvl3pPr>
-      <a:lvl4pPr marL="612145" algn="l" defTabSz="408097" rtl="0" eaLnBrk="1" latinLnBrk="0" hangingPunct="1">
-        <a:defRPr sz="803" kern="1200">
+      <a:lvl4pPr marL="467990" algn="l" defTabSz="311993" rtl="0" eaLnBrk="1" latinLnBrk="0" hangingPunct="1">
+        <a:defRPr sz="614" kern="1200">
           <a:solidFill>
             <a:schemeClr val="tx1"/>
           </a:solidFill>
@@ -3337,8 +3342,8 @@
           <a:cs typeface="+mn-cs"/>
         </a:defRPr>
       </a:lvl4pPr>
-      <a:lvl5pPr marL="816193" algn="l" defTabSz="408097" rtl="0" eaLnBrk="1" latinLnBrk="0" hangingPunct="1">
-        <a:defRPr sz="803" kern="1200">
+      <a:lvl5pPr marL="623987" algn="l" defTabSz="311993" rtl="0" eaLnBrk="1" latinLnBrk="0" hangingPunct="1">
+        <a:defRPr sz="614" kern="1200">
           <a:solidFill>
             <a:schemeClr val="tx1"/>
           </a:solidFill>
@@ -3347,8 +3352,8 @@
           <a:cs typeface="+mn-cs"/>
         </a:defRPr>
       </a:lvl5pPr>
-      <a:lvl6pPr marL="1020242" algn="l" defTabSz="408097" rtl="0" eaLnBrk="1" latinLnBrk="0" hangingPunct="1">
-        <a:defRPr sz="803" kern="1200">
+      <a:lvl6pPr marL="779983" algn="l" defTabSz="311993" rtl="0" eaLnBrk="1" latinLnBrk="0" hangingPunct="1">
+        <a:defRPr sz="614" kern="1200">
           <a:solidFill>
             <a:schemeClr val="tx1"/>
           </a:solidFill>
@@ -3357,8 +3362,8 @@
           <a:cs typeface="+mn-cs"/>
         </a:defRPr>
       </a:lvl6pPr>
-      <a:lvl7pPr marL="1224290" algn="l" defTabSz="408097" rtl="0" eaLnBrk="1" latinLnBrk="0" hangingPunct="1">
-        <a:defRPr sz="803" kern="1200">
+      <a:lvl7pPr marL="935980" algn="l" defTabSz="311993" rtl="0" eaLnBrk="1" latinLnBrk="0" hangingPunct="1">
+        <a:defRPr sz="614" kern="1200">
           <a:solidFill>
             <a:schemeClr val="tx1"/>
           </a:solidFill>
@@ -3367,8 +3372,8 @@
           <a:cs typeface="+mn-cs"/>
         </a:defRPr>
       </a:lvl7pPr>
-      <a:lvl8pPr marL="1428339" algn="l" defTabSz="408097" rtl="0" eaLnBrk="1" latinLnBrk="0" hangingPunct="1">
-        <a:defRPr sz="803" kern="1200">
+      <a:lvl8pPr marL="1091976" algn="l" defTabSz="311993" rtl="0" eaLnBrk="1" latinLnBrk="0" hangingPunct="1">
+        <a:defRPr sz="614" kern="1200">
           <a:solidFill>
             <a:schemeClr val="tx1"/>
           </a:solidFill>
@@ -3377,8 +3382,8 @@
           <a:cs typeface="+mn-cs"/>
         </a:defRPr>
       </a:lvl8pPr>
-      <a:lvl9pPr marL="1632387" algn="l" defTabSz="408097" rtl="0" eaLnBrk="1" latinLnBrk="0" hangingPunct="1">
-        <a:defRPr sz="803" kern="1200">
+      <a:lvl9pPr marL="1247973" algn="l" defTabSz="311993" rtl="0" eaLnBrk="1" latinLnBrk="0" hangingPunct="1">
+        <a:defRPr sz="614" kern="1200">
           <a:solidFill>
             <a:schemeClr val="tx1"/>
           </a:solidFill>
@@ -3409,2220 +3414,1960 @@
           <a:chExt cx="0" cy="0"/>
         </a:xfrm>
       </p:grpSpPr>
-      <p:sp>
-        <p:nvSpPr>
-          <p:cNvPr id="2" name="TextBox 1">
+      <p:grpSp>
+        <p:nvGrpSpPr>
+          <p:cNvPr id="28" name="Group 27">
             <a:extLst>
               <a:ext uri="{FF2B5EF4-FFF2-40B4-BE49-F238E27FC236}">
-                <a16:creationId xmlns:a16="http://schemas.microsoft.com/office/drawing/2014/main" id="{9EE20482-83F3-E704-19BC-C7CA6E0219D4}"/>
+                <a16:creationId xmlns:a16="http://schemas.microsoft.com/office/drawing/2014/main" id="{56607096-CFC2-85B5-90FE-2AAB7EA0A106}"/>
               </a:ext>
             </a:extLst>
           </p:cNvPr>
-          <p:cNvSpPr txBox="1"/>
+          <p:cNvGrpSpPr/>
           <p:nvPr/>
-        </p:nvSpPr>
-        <p:spPr>
+        </p:nvGrpSpPr>
+        <p:grpSpPr>
           <a:xfrm>
-            <a:off x="124933" y="637163"/>
-            <a:ext cx="1007999" cy="169277"/>
+            <a:off x="124929" y="80313"/>
+            <a:ext cx="6338266" cy="2216711"/>
+            <a:chOff x="62464" y="828129"/>
+            <a:chExt cx="6338266" cy="2216711"/>
           </a:xfrm>
-          <a:prstGeom prst="rect">
-            <a:avLst/>
-          </a:prstGeom>
-          <a:solidFill>
-            <a:srgbClr val="F4B9BE">
-              <a:alpha val="49804"/>
-            </a:srgbClr>
-          </a:solidFill>
-          <a:ln>
-            <a:noFill/>
-          </a:ln>
-        </p:spPr>
-        <p:txBody>
-          <a:bodyPr wrap="square" lIns="36000" rIns="36000" rtlCol="0">
-            <a:spAutoFit/>
-          </a:bodyPr>
-          <a:lstStyle/>
-          <a:p>
-            <a:pPr algn="ctr"/>
-            <a:r>
-              <a:rPr lang="en-US" sz="500" dirty="0">
-                <a:latin typeface="Arial" panose="020B0604020202020204" pitchFamily="34" charset="0"/>
-                <a:cs typeface="Arial" panose="020B0604020202020204" pitchFamily="34" charset="0"/>
-              </a:rPr>
-              <a:t>chr7:g.55174772_55174786del </a:t>
-            </a:r>
-          </a:p>
-        </p:txBody>
-      </p:sp>
-      <p:sp>
-        <p:nvSpPr>
-          <p:cNvPr id="5" name="TextBox 4">
-            <a:extLst>
-              <a:ext uri="{FF2B5EF4-FFF2-40B4-BE49-F238E27FC236}">
-                <a16:creationId xmlns:a16="http://schemas.microsoft.com/office/drawing/2014/main" id="{D24020EF-DAE7-7580-1A27-3A677A2952E8}"/>
-              </a:ext>
-            </a:extLst>
-          </p:cNvPr>
-          <p:cNvSpPr txBox="1"/>
-          <p:nvPr/>
-        </p:nvSpPr>
-        <p:spPr>
-          <a:xfrm>
-            <a:off x="124933" y="974629"/>
-            <a:ext cx="1007999" cy="169277"/>
-          </a:xfrm>
-          <a:prstGeom prst="rect">
-            <a:avLst/>
-          </a:prstGeom>
-          <a:solidFill>
-            <a:srgbClr val="F4B9BE">
-              <a:alpha val="49804"/>
-            </a:srgbClr>
-          </a:solidFill>
-          <a:ln>
-            <a:noFill/>
-          </a:ln>
-        </p:spPr>
-        <p:txBody>
-          <a:bodyPr wrap="square" lIns="36000" rIns="36000" rtlCol="0">
-            <a:spAutoFit/>
-          </a:bodyPr>
-          <a:lstStyle/>
-          <a:p>
-            <a:pPr algn="ctr"/>
-            <a:r>
-              <a:rPr lang="en-US" sz="500" dirty="0">
-                <a:latin typeface="Arial" panose="020B0604020202020204" pitchFamily="34" charset="0"/>
-                <a:cs typeface="Arial" panose="020B0604020202020204" pitchFamily="34" charset="0"/>
-              </a:rPr>
-              <a:t>chr7:g.55174773_55174787del </a:t>
-            </a:r>
-          </a:p>
-        </p:txBody>
-      </p:sp>
-      <p:sp>
-        <p:nvSpPr>
-          <p:cNvPr id="6" name="TextBox 5">
-            <a:extLst>
-              <a:ext uri="{FF2B5EF4-FFF2-40B4-BE49-F238E27FC236}">
-                <a16:creationId xmlns:a16="http://schemas.microsoft.com/office/drawing/2014/main" id="{84C94FAF-6BF8-88A2-F9EC-DBC082CAEDFC}"/>
-              </a:ext>
-            </a:extLst>
-          </p:cNvPr>
-          <p:cNvSpPr txBox="1"/>
-          <p:nvPr/>
-        </p:nvSpPr>
-        <p:spPr>
-          <a:xfrm>
-            <a:off x="1457498" y="637163"/>
-            <a:ext cx="1007999" cy="169277"/>
-          </a:xfrm>
-          <a:prstGeom prst="rect">
-            <a:avLst/>
-          </a:prstGeom>
-          <a:solidFill>
-            <a:srgbClr val="F4B9BE">
-              <a:alpha val="49804"/>
-            </a:srgbClr>
-          </a:solidFill>
-          <a:ln>
-            <a:noFill/>
-          </a:ln>
-        </p:spPr>
-        <p:txBody>
-          <a:bodyPr wrap="square" lIns="36000" rIns="36000" rtlCol="0">
-            <a:spAutoFit/>
-          </a:bodyPr>
-          <a:lstStyle/>
-          <a:p>
-            <a:pPr algn="ctr"/>
-            <a:r>
-              <a:rPr lang="en-US" sz="500" dirty="0">
-                <a:latin typeface="Arial" panose="020B0604020202020204" pitchFamily="34" charset="0"/>
-                <a:cs typeface="Arial" panose="020B0604020202020204" pitchFamily="34" charset="0"/>
-              </a:rPr>
-              <a:t>NM_005228.5:c.2235_2249del</a:t>
-            </a:r>
-          </a:p>
-        </p:txBody>
-      </p:sp>
-      <p:sp>
-        <p:nvSpPr>
-          <p:cNvPr id="7" name="TextBox 6">
-            <a:extLst>
-              <a:ext uri="{FF2B5EF4-FFF2-40B4-BE49-F238E27FC236}">
-                <a16:creationId xmlns:a16="http://schemas.microsoft.com/office/drawing/2014/main" id="{50705F86-3F87-DDA7-EA53-07B81A7B400C}"/>
-              </a:ext>
-            </a:extLst>
-          </p:cNvPr>
-          <p:cNvSpPr txBox="1"/>
-          <p:nvPr/>
-        </p:nvSpPr>
-        <p:spPr>
-          <a:xfrm>
-            <a:off x="1457499" y="974629"/>
-            <a:ext cx="1007999" cy="169277"/>
-          </a:xfrm>
-          <a:prstGeom prst="rect">
-            <a:avLst/>
-          </a:prstGeom>
-          <a:solidFill>
-            <a:srgbClr val="F4B9BE">
-              <a:alpha val="49804"/>
-            </a:srgbClr>
-          </a:solidFill>
-          <a:ln>
-            <a:noFill/>
-          </a:ln>
-        </p:spPr>
-        <p:txBody>
-          <a:bodyPr wrap="square" lIns="36000" rIns="36000" rtlCol="0">
-            <a:spAutoFit/>
-          </a:bodyPr>
-          <a:lstStyle/>
-          <a:p>
-            <a:pPr algn="ctr"/>
-            <a:r>
-              <a:rPr lang="en-US" sz="500" dirty="0">
-                <a:latin typeface="Arial" panose="020B0604020202020204" pitchFamily="34" charset="0"/>
-                <a:cs typeface="Arial" panose="020B0604020202020204" pitchFamily="34" charset="0"/>
-              </a:rPr>
-              <a:t>NM_005228.5:c.2236_2250del</a:t>
-            </a:r>
-          </a:p>
-        </p:txBody>
-      </p:sp>
-      <p:sp>
-        <p:nvSpPr>
-          <p:cNvPr id="8" name="TextBox 7">
-            <a:extLst>
-              <a:ext uri="{FF2B5EF4-FFF2-40B4-BE49-F238E27FC236}">
-                <a16:creationId xmlns:a16="http://schemas.microsoft.com/office/drawing/2014/main" id="{48668156-FF50-48D8-827E-D270CE87599C}"/>
-              </a:ext>
-            </a:extLst>
-          </p:cNvPr>
-          <p:cNvSpPr txBox="1"/>
-          <p:nvPr/>
-        </p:nvSpPr>
-        <p:spPr>
-          <a:xfrm>
-            <a:off x="2790063" y="637163"/>
-            <a:ext cx="1007999" cy="169277"/>
-          </a:xfrm>
-          <a:prstGeom prst="rect">
-            <a:avLst/>
-          </a:prstGeom>
-          <a:solidFill>
-            <a:srgbClr val="F4B9BE">
-              <a:alpha val="49804"/>
-            </a:srgbClr>
-          </a:solidFill>
-          <a:ln>
-            <a:noFill/>
-          </a:ln>
-        </p:spPr>
-        <p:txBody>
-          <a:bodyPr wrap="square" lIns="36000" rIns="36000" rtlCol="0">
-            <a:spAutoFit/>
-          </a:bodyPr>
-          <a:lstStyle/>
-          <a:p>
-            <a:pPr algn="ctr"/>
-            <a:r>
-              <a:rPr lang="en-US" sz="500" dirty="0">
-                <a:latin typeface="Arial" panose="020B0604020202020204" pitchFamily="34" charset="0"/>
-                <a:cs typeface="Arial" panose="020B0604020202020204" pitchFamily="34" charset="0"/>
-              </a:rPr>
-              <a:t>NP_005219.2:p.E746_A750del</a:t>
-            </a:r>
-          </a:p>
-        </p:txBody>
-      </p:sp>
-      <p:sp>
-        <p:nvSpPr>
-          <p:cNvPr id="9" name="TextBox 8">
-            <a:extLst>
-              <a:ext uri="{FF2B5EF4-FFF2-40B4-BE49-F238E27FC236}">
-                <a16:creationId xmlns:a16="http://schemas.microsoft.com/office/drawing/2014/main" id="{77075C77-B677-3A1B-3EDE-A1AE597830BD}"/>
-              </a:ext>
-            </a:extLst>
-          </p:cNvPr>
-          <p:cNvSpPr txBox="1"/>
-          <p:nvPr/>
-        </p:nvSpPr>
-        <p:spPr>
-          <a:xfrm>
-            <a:off x="2790061" y="974629"/>
-            <a:ext cx="1007999" cy="169277"/>
-          </a:xfrm>
-          <a:prstGeom prst="rect">
-            <a:avLst/>
-          </a:prstGeom>
-          <a:solidFill>
-            <a:srgbClr val="F4B9BE">
-              <a:alpha val="50000"/>
-            </a:srgbClr>
-          </a:solidFill>
-          <a:ln w="6350">
-            <a:noFill/>
-            <a:prstDash val="dash"/>
-          </a:ln>
-        </p:spPr>
-        <p:txBody>
-          <a:bodyPr wrap="square" lIns="36000" rIns="36000" rtlCol="0">
-            <a:spAutoFit/>
-          </a:bodyPr>
-          <a:lstStyle/>
-          <a:p>
-            <a:pPr algn="ctr"/>
-            <a:r>
-              <a:rPr lang="en-US" sz="500" dirty="0">
-                <a:latin typeface="Arial" panose="020B0604020202020204" pitchFamily="34" charset="0"/>
-                <a:cs typeface="Arial" panose="020B0604020202020204" pitchFamily="34" charset="0"/>
-              </a:rPr>
-              <a:t>NP_005219.2:p.L747_T751del</a:t>
-            </a:r>
-          </a:p>
-        </p:txBody>
-      </p:sp>
-      <p:sp>
-        <p:nvSpPr>
-          <p:cNvPr id="10" name="TextBox 9">
-            <a:extLst>
-              <a:ext uri="{FF2B5EF4-FFF2-40B4-BE49-F238E27FC236}">
-                <a16:creationId xmlns:a16="http://schemas.microsoft.com/office/drawing/2014/main" id="{0A958154-89D9-64ED-1D25-FDD01538E651}"/>
-              </a:ext>
-            </a:extLst>
-          </p:cNvPr>
-          <p:cNvSpPr txBox="1"/>
-          <p:nvPr/>
-        </p:nvSpPr>
-        <p:spPr>
-          <a:xfrm>
-            <a:off x="4122628" y="637163"/>
-            <a:ext cx="1007999" cy="169277"/>
-          </a:xfrm>
-          <a:prstGeom prst="rect">
-            <a:avLst/>
-          </a:prstGeom>
-          <a:solidFill>
-            <a:srgbClr val="CF5C86">
-              <a:alpha val="49804"/>
-            </a:srgbClr>
-          </a:solidFill>
-          <a:ln>
-            <a:noFill/>
-          </a:ln>
-        </p:spPr>
-        <p:txBody>
-          <a:bodyPr wrap="square" lIns="36000" rIns="36000" rtlCol="0">
-            <a:spAutoFit/>
-          </a:bodyPr>
-          <a:lstStyle/>
-          <a:p>
-            <a:pPr algn="ctr"/>
-            <a:r>
-              <a:rPr lang="en-US" sz="500" i="1" dirty="0">
-                <a:latin typeface="Arial" panose="020B0604020202020204" pitchFamily="34" charset="0"/>
-                <a:cs typeface="Arial" panose="020B0604020202020204" pitchFamily="34" charset="0"/>
-              </a:rPr>
-              <a:t>EGFR</a:t>
-            </a:r>
-            <a:r>
-              <a:rPr lang="en-US" sz="500" dirty="0">
-                <a:latin typeface="Arial" panose="020B0604020202020204" pitchFamily="34" charset="0"/>
-                <a:cs typeface="Arial" panose="020B0604020202020204" pitchFamily="34" charset="0"/>
-              </a:rPr>
-              <a:t> exon 19 deletion</a:t>
-            </a:r>
-          </a:p>
-        </p:txBody>
-      </p:sp>
-      <p:sp>
-        <p:nvSpPr>
-          <p:cNvPr id="11" name="TextBox 10">
-            <a:extLst>
-              <a:ext uri="{FF2B5EF4-FFF2-40B4-BE49-F238E27FC236}">
-                <a16:creationId xmlns:a16="http://schemas.microsoft.com/office/drawing/2014/main" id="{CB4250BE-9C57-45BE-1786-D1FE5FF820F9}"/>
-              </a:ext>
-            </a:extLst>
-          </p:cNvPr>
-          <p:cNvSpPr txBox="1"/>
-          <p:nvPr/>
-        </p:nvSpPr>
-        <p:spPr>
-          <a:xfrm>
-            <a:off x="5455193" y="637163"/>
-            <a:ext cx="1007999" cy="169277"/>
-          </a:xfrm>
-          <a:prstGeom prst="rect">
-            <a:avLst/>
-          </a:prstGeom>
-          <a:solidFill>
-            <a:srgbClr val="867DCE">
-              <a:alpha val="50196"/>
-            </a:srgbClr>
-          </a:solidFill>
-        </p:spPr>
-        <p:txBody>
-          <a:bodyPr wrap="square" lIns="36000" rIns="36000" rtlCol="0">
-            <a:spAutoFit/>
-          </a:bodyPr>
-          <a:lstStyle/>
-          <a:p>
-            <a:pPr algn="ctr"/>
-            <a:r>
-              <a:rPr lang="en-US" sz="500" dirty="0">
-                <a:latin typeface="Arial" panose="020B0604020202020204" pitchFamily="34" charset="0"/>
-                <a:cs typeface="Arial" panose="020B0604020202020204" pitchFamily="34" charset="0"/>
-              </a:rPr>
-              <a:t>Response to Dacomitinib*</a:t>
-            </a:r>
-          </a:p>
-        </p:txBody>
-      </p:sp>
-      <p:sp>
-        <p:nvSpPr>
-          <p:cNvPr id="12" name="TextBox 11">
-            <a:extLst>
-              <a:ext uri="{FF2B5EF4-FFF2-40B4-BE49-F238E27FC236}">
-                <a16:creationId xmlns:a16="http://schemas.microsoft.com/office/drawing/2014/main" id="{D0416FCA-63E8-0776-1540-D8DD552AA940}"/>
-              </a:ext>
-            </a:extLst>
-          </p:cNvPr>
-          <p:cNvSpPr txBox="1"/>
-          <p:nvPr/>
-        </p:nvSpPr>
-        <p:spPr>
-          <a:xfrm>
-            <a:off x="5455192" y="974629"/>
-            <a:ext cx="1007999" cy="169277"/>
-          </a:xfrm>
-          <a:prstGeom prst="rect">
-            <a:avLst/>
-          </a:prstGeom>
-          <a:solidFill>
-            <a:srgbClr val="867DCE">
-              <a:alpha val="50196"/>
-            </a:srgbClr>
-          </a:solidFill>
-        </p:spPr>
-        <p:txBody>
-          <a:bodyPr wrap="square" lIns="36000" rIns="36000" rtlCol="0">
-            <a:spAutoFit/>
-          </a:bodyPr>
-          <a:lstStyle/>
-          <a:p>
-            <a:pPr algn="ctr"/>
-            <a:r>
-              <a:rPr lang="en-US" sz="500" dirty="0">
-                <a:latin typeface="Arial" panose="020B0604020202020204" pitchFamily="34" charset="0"/>
-                <a:cs typeface="Arial" panose="020B0604020202020204" pitchFamily="34" charset="0"/>
-              </a:rPr>
-              <a:t>Response to Erlotinib*</a:t>
-            </a:r>
-          </a:p>
-        </p:txBody>
-      </p:sp>
-      <p:sp>
-        <p:nvSpPr>
-          <p:cNvPr id="13" name="TextBox 12">
-            <a:extLst>
-              <a:ext uri="{FF2B5EF4-FFF2-40B4-BE49-F238E27FC236}">
-                <a16:creationId xmlns:a16="http://schemas.microsoft.com/office/drawing/2014/main" id="{DAAF8117-CD47-8768-DC7C-A7CDFB7B4C28}"/>
-              </a:ext>
-            </a:extLst>
-          </p:cNvPr>
-          <p:cNvSpPr txBox="1"/>
-          <p:nvPr/>
-        </p:nvSpPr>
-        <p:spPr>
-          <a:xfrm>
-            <a:off x="5455192" y="1312095"/>
-            <a:ext cx="1007999" cy="169277"/>
-          </a:xfrm>
-          <a:prstGeom prst="rect">
-            <a:avLst/>
-          </a:prstGeom>
-          <a:solidFill>
-            <a:srgbClr val="867DCE">
-              <a:alpha val="50196"/>
-            </a:srgbClr>
-          </a:solidFill>
-        </p:spPr>
-        <p:txBody>
-          <a:bodyPr wrap="square" rtlCol="0">
-            <a:spAutoFit/>
-          </a:bodyPr>
-          <a:lstStyle/>
-          <a:p>
-            <a:pPr algn="ctr"/>
-            <a:r>
-              <a:rPr lang="en-US" sz="500" dirty="0">
-                <a:latin typeface="Arial" panose="020B0604020202020204" pitchFamily="34" charset="0"/>
-                <a:cs typeface="Arial" panose="020B0604020202020204" pitchFamily="34" charset="0"/>
-              </a:rPr>
-              <a:t>Response to Osimertinib*</a:t>
-            </a:r>
-          </a:p>
-        </p:txBody>
-      </p:sp>
-      <p:sp>
-        <p:nvSpPr>
-          <p:cNvPr id="14" name="TextBox 13">
-            <a:extLst>
-              <a:ext uri="{FF2B5EF4-FFF2-40B4-BE49-F238E27FC236}">
-                <a16:creationId xmlns:a16="http://schemas.microsoft.com/office/drawing/2014/main" id="{BB9B28AA-0297-BEF1-74E5-5E89CDAFBAF2}"/>
-              </a:ext>
-            </a:extLst>
-          </p:cNvPr>
-          <p:cNvSpPr txBox="1"/>
-          <p:nvPr/>
-        </p:nvSpPr>
-        <p:spPr>
-          <a:xfrm>
-            <a:off x="124932" y="1312095"/>
-            <a:ext cx="1007999" cy="169277"/>
-          </a:xfrm>
-          <a:prstGeom prst="rect">
-            <a:avLst/>
-          </a:prstGeom>
-          <a:solidFill>
-            <a:srgbClr val="F4B9BE">
-              <a:alpha val="50000"/>
-            </a:srgbClr>
-          </a:solidFill>
-          <a:ln w="6350">
-            <a:noFill/>
-            <a:prstDash val="dash"/>
-          </a:ln>
-        </p:spPr>
-        <p:txBody>
-          <a:bodyPr wrap="square" lIns="36000" rIns="36000" rtlCol="0">
-            <a:spAutoFit/>
-          </a:bodyPr>
-          <a:lstStyle/>
-          <a:p>
-            <a:pPr algn="ctr"/>
-            <a:r>
-              <a:rPr lang="en-US" sz="500" dirty="0">
-                <a:latin typeface="Arial" panose="020B0604020202020204" pitchFamily="34" charset="0"/>
-                <a:cs typeface="Arial" panose="020B0604020202020204" pitchFamily="34" charset="0"/>
-              </a:rPr>
-              <a:t>chr7:g.55174775_55174789del </a:t>
-            </a:r>
-          </a:p>
-        </p:txBody>
-      </p:sp>
-      <p:cxnSp>
-        <p:nvCxnSpPr>
-          <p:cNvPr id="18" name="Straight Arrow Connector 17">
-            <a:extLst>
-              <a:ext uri="{FF2B5EF4-FFF2-40B4-BE49-F238E27FC236}">
-                <a16:creationId xmlns:a16="http://schemas.microsoft.com/office/drawing/2014/main" id="{50031A52-D40A-5D7D-D75A-658F64957F17}"/>
-              </a:ext>
-            </a:extLst>
-          </p:cNvPr>
-          <p:cNvCxnSpPr>
-            <a:cxnSpLocks/>
-            <a:stCxn id="2" idx="3"/>
-            <a:endCxn id="6" idx="1"/>
-          </p:cNvCxnSpPr>
-          <p:nvPr/>
-        </p:nvCxnSpPr>
-        <p:spPr>
-          <a:xfrm>
-            <a:off x="1132932" y="721802"/>
-            <a:ext cx="324566" cy="0"/>
-          </a:xfrm>
-          <a:prstGeom prst="straightConnector1">
-            <a:avLst/>
-          </a:prstGeom>
-          <a:ln>
+        </p:grpSpPr>
+        <p:sp>
+          <p:nvSpPr>
+            <p:cNvPr id="2" name="TextBox 1">
+              <a:extLst>
+                <a:ext uri="{FF2B5EF4-FFF2-40B4-BE49-F238E27FC236}">
+                  <a16:creationId xmlns:a16="http://schemas.microsoft.com/office/drawing/2014/main" id="{9EE20482-83F3-E704-19BC-C7CA6E0219D4}"/>
+                </a:ext>
+              </a:extLst>
+            </p:cNvPr>
+            <p:cNvSpPr txBox="1"/>
+            <p:nvPr/>
+          </p:nvSpPr>
+          <p:spPr>
+            <a:xfrm>
+              <a:off x="62471" y="1230620"/>
+              <a:ext cx="1007999" cy="169277"/>
+            </a:xfrm>
+            <a:prstGeom prst="rect">
+              <a:avLst/>
+            </a:prstGeom>
             <a:solidFill>
-              <a:srgbClr val="7D3C46">
-                <a:alpha val="74902"/>
+              <a:srgbClr val="F4B9BE">
+                <a:alpha val="49804"/>
               </a:srgbClr>
             </a:solidFill>
-            <a:tailEnd type="triangle"/>
-          </a:ln>
-        </p:spPr>
-        <p:style>
-          <a:lnRef idx="1">
-            <a:schemeClr val="dk1"/>
-          </a:lnRef>
-          <a:fillRef idx="0">
-            <a:schemeClr val="dk1"/>
-          </a:fillRef>
-          <a:effectRef idx="0">
-            <a:schemeClr val="dk1"/>
-          </a:effectRef>
-          <a:fontRef idx="minor">
-            <a:schemeClr val="tx1"/>
-          </a:fontRef>
-        </p:style>
-      </p:cxnSp>
-      <p:cxnSp>
-        <p:nvCxnSpPr>
-          <p:cNvPr id="20" name="Straight Arrow Connector 19">
-            <a:extLst>
-              <a:ext uri="{FF2B5EF4-FFF2-40B4-BE49-F238E27FC236}">
-                <a16:creationId xmlns:a16="http://schemas.microsoft.com/office/drawing/2014/main" id="{6B276836-0882-5A4A-D8BB-AE1B8169256C}"/>
-              </a:ext>
-            </a:extLst>
-          </p:cNvPr>
-          <p:cNvCxnSpPr>
-            <a:cxnSpLocks/>
-            <a:stCxn id="5" idx="3"/>
-            <a:endCxn id="7" idx="1"/>
-          </p:cNvCxnSpPr>
-          <p:nvPr/>
-        </p:nvCxnSpPr>
-        <p:spPr>
-          <a:xfrm>
-            <a:off x="1132932" y="1059268"/>
-            <a:ext cx="324567" cy="0"/>
-          </a:xfrm>
-          <a:prstGeom prst="straightConnector1">
-            <a:avLst/>
-          </a:prstGeom>
-          <a:ln>
+            <a:ln>
+              <a:noFill/>
+            </a:ln>
+          </p:spPr>
+          <p:txBody>
+            <a:bodyPr wrap="square" lIns="36000" rIns="36000" rtlCol="0">
+              <a:spAutoFit/>
+            </a:bodyPr>
+            <a:lstStyle/>
+            <a:p>
+              <a:pPr algn="ctr"/>
+              <a:r>
+                <a:rPr lang="en-US" sz="500" dirty="0">
+                  <a:latin typeface="Arial" panose="020B0604020202020204" pitchFamily="34" charset="0"/>
+                  <a:cs typeface="Arial" panose="020B0604020202020204" pitchFamily="34" charset="0"/>
+                </a:rPr>
+                <a:t>chr7:g.55174772_55174786del </a:t>
+              </a:r>
+            </a:p>
+          </p:txBody>
+        </p:sp>
+        <p:sp>
+          <p:nvSpPr>
+            <p:cNvPr id="5" name="TextBox 4">
+              <a:extLst>
+                <a:ext uri="{FF2B5EF4-FFF2-40B4-BE49-F238E27FC236}">
+                  <a16:creationId xmlns:a16="http://schemas.microsoft.com/office/drawing/2014/main" id="{D24020EF-DAE7-7580-1A27-3A677A2952E8}"/>
+                </a:ext>
+              </a:extLst>
+            </p:cNvPr>
+            <p:cNvSpPr txBox="1"/>
+            <p:nvPr/>
+          </p:nvSpPr>
+          <p:spPr>
+            <a:xfrm>
+              <a:off x="62471" y="1568086"/>
+              <a:ext cx="1007999" cy="169277"/>
+            </a:xfrm>
+            <a:prstGeom prst="rect">
+              <a:avLst/>
+            </a:prstGeom>
             <a:solidFill>
-              <a:srgbClr val="7D3C46">
-                <a:alpha val="74902"/>
+              <a:srgbClr val="F4B9BE">
+                <a:alpha val="49804"/>
               </a:srgbClr>
             </a:solidFill>
-            <a:tailEnd type="triangle"/>
-          </a:ln>
-        </p:spPr>
-        <p:style>
-          <a:lnRef idx="1">
-            <a:schemeClr val="dk1"/>
-          </a:lnRef>
-          <a:fillRef idx="0">
-            <a:schemeClr val="dk1"/>
-          </a:fillRef>
-          <a:effectRef idx="0">
-            <a:schemeClr val="dk1"/>
-          </a:effectRef>
-          <a:fontRef idx="minor">
-            <a:schemeClr val="tx1"/>
-          </a:fontRef>
-        </p:style>
-      </p:cxnSp>
-      <p:cxnSp>
-        <p:nvCxnSpPr>
-          <p:cNvPr id="22" name="Straight Arrow Connector 21">
-            <a:extLst>
-              <a:ext uri="{FF2B5EF4-FFF2-40B4-BE49-F238E27FC236}">
-                <a16:creationId xmlns:a16="http://schemas.microsoft.com/office/drawing/2014/main" id="{6574F2FB-7BB7-FE24-6B06-90C80B07D74A}"/>
-              </a:ext>
-            </a:extLst>
-          </p:cNvPr>
-          <p:cNvCxnSpPr>
-            <a:stCxn id="6" idx="3"/>
-            <a:endCxn id="8" idx="1"/>
-          </p:cNvCxnSpPr>
-          <p:nvPr/>
-        </p:nvCxnSpPr>
-        <p:spPr>
-          <a:xfrm>
-            <a:off x="2465497" y="721802"/>
-            <a:ext cx="324566" cy="0"/>
-          </a:xfrm>
-          <a:prstGeom prst="straightConnector1">
-            <a:avLst/>
-          </a:prstGeom>
-          <a:ln>
+            <a:ln>
+              <a:noFill/>
+            </a:ln>
+          </p:spPr>
+          <p:txBody>
+            <a:bodyPr wrap="square" lIns="36000" rIns="36000" rtlCol="0">
+              <a:spAutoFit/>
+            </a:bodyPr>
+            <a:lstStyle/>
+            <a:p>
+              <a:pPr algn="ctr"/>
+              <a:r>
+                <a:rPr lang="en-US" sz="500" dirty="0">
+                  <a:latin typeface="Arial" panose="020B0604020202020204" pitchFamily="34" charset="0"/>
+                  <a:cs typeface="Arial" panose="020B0604020202020204" pitchFamily="34" charset="0"/>
+                </a:rPr>
+                <a:t>chr7:g.55174773_55174787del </a:t>
+              </a:r>
+            </a:p>
+          </p:txBody>
+        </p:sp>
+        <p:sp>
+          <p:nvSpPr>
+            <p:cNvPr id="6" name="TextBox 5">
+              <a:extLst>
+                <a:ext uri="{FF2B5EF4-FFF2-40B4-BE49-F238E27FC236}">
+                  <a16:creationId xmlns:a16="http://schemas.microsoft.com/office/drawing/2014/main" id="{84C94FAF-6BF8-88A2-F9EC-DBC082CAEDFC}"/>
+                </a:ext>
+              </a:extLst>
+            </p:cNvPr>
+            <p:cNvSpPr txBox="1"/>
+            <p:nvPr/>
+          </p:nvSpPr>
+          <p:spPr>
+            <a:xfrm>
+              <a:off x="1395036" y="1230620"/>
+              <a:ext cx="1007999" cy="169277"/>
+            </a:xfrm>
+            <a:prstGeom prst="rect">
+              <a:avLst/>
+            </a:prstGeom>
             <a:solidFill>
-              <a:srgbClr val="7D3C46">
-                <a:alpha val="74902"/>
+              <a:srgbClr val="F4B9BE">
+                <a:alpha val="49804"/>
               </a:srgbClr>
             </a:solidFill>
-            <a:tailEnd type="triangle"/>
-          </a:ln>
-        </p:spPr>
-        <p:style>
-          <a:lnRef idx="1">
-            <a:schemeClr val="dk1"/>
-          </a:lnRef>
-          <a:fillRef idx="0">
-            <a:schemeClr val="dk1"/>
-          </a:fillRef>
-          <a:effectRef idx="0">
-            <a:schemeClr val="dk1"/>
-          </a:effectRef>
-          <a:fontRef idx="minor">
-            <a:schemeClr val="tx1"/>
-          </a:fontRef>
-        </p:style>
-      </p:cxnSp>
-      <p:cxnSp>
-        <p:nvCxnSpPr>
-          <p:cNvPr id="24" name="Straight Arrow Connector 23">
-            <a:extLst>
-              <a:ext uri="{FF2B5EF4-FFF2-40B4-BE49-F238E27FC236}">
-                <a16:creationId xmlns:a16="http://schemas.microsoft.com/office/drawing/2014/main" id="{DB132889-9CA6-6E55-D684-3A2D6336C838}"/>
-              </a:ext>
-            </a:extLst>
-          </p:cNvPr>
-          <p:cNvCxnSpPr>
-            <a:stCxn id="8" idx="3"/>
-            <a:endCxn id="10" idx="1"/>
-          </p:cNvCxnSpPr>
-          <p:nvPr/>
-        </p:nvCxnSpPr>
-        <p:spPr>
-          <a:xfrm>
-            <a:off x="3798062" y="721802"/>
-            <a:ext cx="324566" cy="0"/>
-          </a:xfrm>
-          <a:prstGeom prst="straightConnector1">
-            <a:avLst/>
-          </a:prstGeom>
-          <a:ln>
+            <a:ln>
+              <a:noFill/>
+            </a:ln>
+          </p:spPr>
+          <p:txBody>
+            <a:bodyPr wrap="square" lIns="36000" rIns="36000" rtlCol="0">
+              <a:spAutoFit/>
+            </a:bodyPr>
+            <a:lstStyle/>
+            <a:p>
+              <a:pPr algn="ctr"/>
+              <a:r>
+                <a:rPr lang="en-US" sz="500" dirty="0">
+                  <a:latin typeface="Arial" panose="020B0604020202020204" pitchFamily="34" charset="0"/>
+                  <a:cs typeface="Arial" panose="020B0604020202020204" pitchFamily="34" charset="0"/>
+                </a:rPr>
+                <a:t>NM_005228.5:c.2235_2249del</a:t>
+              </a:r>
+            </a:p>
+          </p:txBody>
+        </p:sp>
+        <p:sp>
+          <p:nvSpPr>
+            <p:cNvPr id="7" name="TextBox 6">
+              <a:extLst>
+                <a:ext uri="{FF2B5EF4-FFF2-40B4-BE49-F238E27FC236}">
+                  <a16:creationId xmlns:a16="http://schemas.microsoft.com/office/drawing/2014/main" id="{50705F86-3F87-DDA7-EA53-07B81A7B400C}"/>
+                </a:ext>
+              </a:extLst>
+            </p:cNvPr>
+            <p:cNvSpPr txBox="1"/>
+            <p:nvPr/>
+          </p:nvSpPr>
+          <p:spPr>
+            <a:xfrm>
+              <a:off x="1395037" y="1568086"/>
+              <a:ext cx="1007999" cy="169277"/>
+            </a:xfrm>
+            <a:prstGeom prst="rect">
+              <a:avLst/>
+            </a:prstGeom>
             <a:solidFill>
-              <a:srgbClr val="7D3C46">
-                <a:alpha val="74902"/>
+              <a:srgbClr val="F4B9BE">
+                <a:alpha val="49804"/>
               </a:srgbClr>
             </a:solidFill>
-            <a:tailEnd type="triangle"/>
-          </a:ln>
-        </p:spPr>
-        <p:style>
-          <a:lnRef idx="1">
-            <a:schemeClr val="dk1"/>
-          </a:lnRef>
-          <a:fillRef idx="0">
-            <a:schemeClr val="dk1"/>
-          </a:fillRef>
-          <a:effectRef idx="0">
-            <a:schemeClr val="dk1"/>
-          </a:effectRef>
-          <a:fontRef idx="minor">
-            <a:schemeClr val="tx1"/>
-          </a:fontRef>
-        </p:style>
-      </p:cxnSp>
-      <p:cxnSp>
-        <p:nvCxnSpPr>
-          <p:cNvPr id="26" name="Straight Arrow Connector 25">
-            <a:extLst>
-              <a:ext uri="{FF2B5EF4-FFF2-40B4-BE49-F238E27FC236}">
-                <a16:creationId xmlns:a16="http://schemas.microsoft.com/office/drawing/2014/main" id="{5905B411-71EA-E5F5-12F2-88491E2B361B}"/>
-              </a:ext>
-            </a:extLst>
-          </p:cNvPr>
-          <p:cNvCxnSpPr>
-            <a:cxnSpLocks/>
-            <a:stCxn id="10" idx="3"/>
-            <a:endCxn id="11" idx="1"/>
-          </p:cNvCxnSpPr>
-          <p:nvPr/>
-        </p:nvCxnSpPr>
-        <p:spPr>
-          <a:xfrm>
-            <a:off x="5130627" y="721802"/>
-            <a:ext cx="324566" cy="0"/>
-          </a:xfrm>
-          <a:prstGeom prst="straightConnector1">
-            <a:avLst/>
-          </a:prstGeom>
-          <a:ln>
+            <a:ln>
+              <a:noFill/>
+            </a:ln>
+          </p:spPr>
+          <p:txBody>
+            <a:bodyPr wrap="square" lIns="36000" rIns="36000" rtlCol="0">
+              <a:spAutoFit/>
+            </a:bodyPr>
+            <a:lstStyle/>
+            <a:p>
+              <a:pPr algn="ctr"/>
+              <a:r>
+                <a:rPr lang="en-US" sz="500" dirty="0">
+                  <a:latin typeface="Arial" panose="020B0604020202020204" pitchFamily="34" charset="0"/>
+                  <a:cs typeface="Arial" panose="020B0604020202020204" pitchFamily="34" charset="0"/>
+                </a:rPr>
+                <a:t>NM_005228.5:c.2236_2250del</a:t>
+              </a:r>
+            </a:p>
+          </p:txBody>
+        </p:sp>
+        <p:sp>
+          <p:nvSpPr>
+            <p:cNvPr id="8" name="TextBox 7">
+              <a:extLst>
+                <a:ext uri="{FF2B5EF4-FFF2-40B4-BE49-F238E27FC236}">
+                  <a16:creationId xmlns:a16="http://schemas.microsoft.com/office/drawing/2014/main" id="{48668156-FF50-48D8-827E-D270CE87599C}"/>
+                </a:ext>
+              </a:extLst>
+            </p:cNvPr>
+            <p:cNvSpPr txBox="1"/>
+            <p:nvPr/>
+          </p:nvSpPr>
+          <p:spPr>
+            <a:xfrm>
+              <a:off x="2727601" y="1230620"/>
+              <a:ext cx="1007999" cy="169277"/>
+            </a:xfrm>
+            <a:prstGeom prst="rect">
+              <a:avLst/>
+            </a:prstGeom>
             <a:solidFill>
-              <a:srgbClr val="7D3C46">
-                <a:alpha val="74902"/>
+              <a:srgbClr val="F4B9BE">
+                <a:alpha val="49804"/>
               </a:srgbClr>
             </a:solidFill>
-            <a:tailEnd type="triangle"/>
-          </a:ln>
-        </p:spPr>
-        <p:style>
-          <a:lnRef idx="1">
-            <a:schemeClr val="dk1"/>
-          </a:lnRef>
-          <a:fillRef idx="0">
-            <a:schemeClr val="dk1"/>
-          </a:fillRef>
-          <a:effectRef idx="0">
-            <a:schemeClr val="dk1"/>
-          </a:effectRef>
-          <a:fontRef idx="minor">
-            <a:schemeClr val="tx1"/>
-          </a:fontRef>
-        </p:style>
-      </p:cxnSp>
-      <p:cxnSp>
-        <p:nvCxnSpPr>
-          <p:cNvPr id="36" name="Curved Connector 35">
-            <a:extLst>
-              <a:ext uri="{FF2B5EF4-FFF2-40B4-BE49-F238E27FC236}">
-                <a16:creationId xmlns:a16="http://schemas.microsoft.com/office/drawing/2014/main" id="{56CB475F-6E25-7A89-EC46-AD322B78064E}"/>
-              </a:ext>
-            </a:extLst>
-          </p:cNvPr>
-          <p:cNvCxnSpPr>
-            <a:cxnSpLocks/>
-            <a:stCxn id="10" idx="3"/>
-            <a:endCxn id="12" idx="1"/>
-          </p:cNvCxnSpPr>
-          <p:nvPr/>
-        </p:nvCxnSpPr>
-        <p:spPr>
-          <a:xfrm>
-            <a:off x="5130627" y="721802"/>
-            <a:ext cx="324565" cy="337466"/>
-          </a:xfrm>
-          <a:prstGeom prst="curvedConnector3">
-            <a:avLst/>
-          </a:prstGeom>
-          <a:ln>
+            <a:ln>
+              <a:noFill/>
+            </a:ln>
+          </p:spPr>
+          <p:txBody>
+            <a:bodyPr wrap="square" lIns="36000" rIns="36000" rtlCol="0">
+              <a:spAutoFit/>
+            </a:bodyPr>
+            <a:lstStyle/>
+            <a:p>
+              <a:pPr algn="ctr"/>
+              <a:r>
+                <a:rPr lang="en-US" sz="500" dirty="0">
+                  <a:latin typeface="Arial" panose="020B0604020202020204" pitchFamily="34" charset="0"/>
+                  <a:cs typeface="Arial" panose="020B0604020202020204" pitchFamily="34" charset="0"/>
+                </a:rPr>
+                <a:t>NP_005219.2:p.E746_A750del</a:t>
+              </a:r>
+            </a:p>
+          </p:txBody>
+        </p:sp>
+        <p:sp>
+          <p:nvSpPr>
+            <p:cNvPr id="9" name="TextBox 8">
+              <a:extLst>
+                <a:ext uri="{FF2B5EF4-FFF2-40B4-BE49-F238E27FC236}">
+                  <a16:creationId xmlns:a16="http://schemas.microsoft.com/office/drawing/2014/main" id="{77075C77-B677-3A1B-3EDE-A1AE597830BD}"/>
+                </a:ext>
+              </a:extLst>
+            </p:cNvPr>
+            <p:cNvSpPr txBox="1"/>
+            <p:nvPr/>
+          </p:nvSpPr>
+          <p:spPr>
+            <a:xfrm>
+              <a:off x="2727599" y="1568086"/>
+              <a:ext cx="1007999" cy="169277"/>
+            </a:xfrm>
+            <a:prstGeom prst="rect">
+              <a:avLst/>
+            </a:prstGeom>
             <a:solidFill>
-              <a:srgbClr val="7D3C46">
-                <a:alpha val="74902"/>
+              <a:srgbClr val="F4B9BE">
+                <a:alpha val="50000"/>
               </a:srgbClr>
             </a:solidFill>
-            <a:tailEnd type="triangle"/>
-          </a:ln>
-        </p:spPr>
-        <p:style>
-          <a:lnRef idx="1">
-            <a:schemeClr val="dk1"/>
-          </a:lnRef>
-          <a:fillRef idx="0">
-            <a:schemeClr val="dk1"/>
-          </a:fillRef>
-          <a:effectRef idx="0">
-            <a:schemeClr val="dk1"/>
-          </a:effectRef>
-          <a:fontRef idx="minor">
-            <a:schemeClr val="tx1"/>
-          </a:fontRef>
-        </p:style>
-      </p:cxnSp>
-      <p:cxnSp>
-        <p:nvCxnSpPr>
-          <p:cNvPr id="38" name="Curved Connector 37">
-            <a:extLst>
-              <a:ext uri="{FF2B5EF4-FFF2-40B4-BE49-F238E27FC236}">
-                <a16:creationId xmlns:a16="http://schemas.microsoft.com/office/drawing/2014/main" id="{8C4BD1FA-0EB2-F894-B650-D6B6887977F1}"/>
-              </a:ext>
-            </a:extLst>
-          </p:cNvPr>
-          <p:cNvCxnSpPr>
-            <a:cxnSpLocks/>
-            <a:stCxn id="10" idx="3"/>
-            <a:endCxn id="13" idx="1"/>
-          </p:cNvCxnSpPr>
-          <p:nvPr/>
-        </p:nvCxnSpPr>
-        <p:spPr>
-          <a:xfrm>
-            <a:off x="5130627" y="721802"/>
-            <a:ext cx="324565" cy="674932"/>
-          </a:xfrm>
-          <a:prstGeom prst="curvedConnector3">
-            <a:avLst/>
-          </a:prstGeom>
-          <a:ln>
+            <a:ln w="6350">
+              <a:noFill/>
+              <a:prstDash val="dash"/>
+            </a:ln>
+          </p:spPr>
+          <p:txBody>
+            <a:bodyPr wrap="square" lIns="36000" rIns="36000" rtlCol="0">
+              <a:spAutoFit/>
+            </a:bodyPr>
+            <a:lstStyle/>
+            <a:p>
+              <a:pPr algn="ctr"/>
+              <a:r>
+                <a:rPr lang="en-US" sz="500" dirty="0">
+                  <a:latin typeface="Arial" panose="020B0604020202020204" pitchFamily="34" charset="0"/>
+                  <a:cs typeface="Arial" panose="020B0604020202020204" pitchFamily="34" charset="0"/>
+                </a:rPr>
+                <a:t>NP_005219.2:p.L747_T751del</a:t>
+              </a:r>
+            </a:p>
+          </p:txBody>
+        </p:sp>
+        <p:sp>
+          <p:nvSpPr>
+            <p:cNvPr id="10" name="TextBox 9">
+              <a:extLst>
+                <a:ext uri="{FF2B5EF4-FFF2-40B4-BE49-F238E27FC236}">
+                  <a16:creationId xmlns:a16="http://schemas.microsoft.com/office/drawing/2014/main" id="{0A958154-89D9-64ED-1D25-FDD01538E651}"/>
+                </a:ext>
+              </a:extLst>
+            </p:cNvPr>
+            <p:cNvSpPr txBox="1"/>
+            <p:nvPr/>
+          </p:nvSpPr>
+          <p:spPr>
+            <a:xfrm>
+              <a:off x="4060166" y="1230620"/>
+              <a:ext cx="1007999" cy="169277"/>
+            </a:xfrm>
+            <a:prstGeom prst="rect">
+              <a:avLst/>
+            </a:prstGeom>
             <a:solidFill>
-              <a:srgbClr val="7D3C46">
-                <a:alpha val="74902"/>
+              <a:srgbClr val="CF5C86">
+                <a:alpha val="49804"/>
               </a:srgbClr>
             </a:solidFill>
-            <a:tailEnd type="triangle"/>
-          </a:ln>
-        </p:spPr>
-        <p:style>
-          <a:lnRef idx="1">
-            <a:schemeClr val="dk1"/>
-          </a:lnRef>
-          <a:fillRef idx="0">
-            <a:schemeClr val="dk1"/>
-          </a:fillRef>
-          <a:effectRef idx="0">
-            <a:schemeClr val="dk1"/>
-          </a:effectRef>
-          <a:fontRef idx="minor">
-            <a:schemeClr val="tx1"/>
-          </a:fontRef>
-        </p:style>
-      </p:cxnSp>
-      <p:sp>
-        <p:nvSpPr>
-          <p:cNvPr id="39" name="TextBox 38">
-            <a:extLst>
-              <a:ext uri="{FF2B5EF4-FFF2-40B4-BE49-F238E27FC236}">
-                <a16:creationId xmlns:a16="http://schemas.microsoft.com/office/drawing/2014/main" id="{41457D82-6642-A0B5-2232-313792B23C04}"/>
-              </a:ext>
-            </a:extLst>
-          </p:cNvPr>
-          <p:cNvSpPr txBox="1"/>
-          <p:nvPr/>
-        </p:nvSpPr>
-        <p:spPr>
-          <a:xfrm>
-            <a:off x="1457497" y="1312094"/>
-            <a:ext cx="1007999" cy="169277"/>
-          </a:xfrm>
-          <a:prstGeom prst="rect">
-            <a:avLst/>
-          </a:prstGeom>
-          <a:solidFill>
-            <a:srgbClr val="F4B9BE">
-              <a:alpha val="50000"/>
-            </a:srgbClr>
-          </a:solidFill>
-          <a:ln w="6350">
+            <a:ln>
+              <a:noFill/>
+            </a:ln>
+          </p:spPr>
+          <p:txBody>
+            <a:bodyPr wrap="square" lIns="36000" rIns="36000" rtlCol="0">
+              <a:spAutoFit/>
+            </a:bodyPr>
+            <a:lstStyle/>
+            <a:p>
+              <a:pPr algn="ctr"/>
+              <a:r>
+                <a:rPr lang="en-US" sz="500" i="1" dirty="0">
+                  <a:latin typeface="Arial" panose="020B0604020202020204" pitchFamily="34" charset="0"/>
+                  <a:cs typeface="Arial" panose="020B0604020202020204" pitchFamily="34" charset="0"/>
+                </a:rPr>
+                <a:t>EGFR</a:t>
+              </a:r>
+              <a:r>
+                <a:rPr lang="en-US" sz="500" dirty="0">
+                  <a:latin typeface="Arial" panose="020B0604020202020204" pitchFamily="34" charset="0"/>
+                  <a:cs typeface="Arial" panose="020B0604020202020204" pitchFamily="34" charset="0"/>
+                </a:rPr>
+                <a:t> exon 19 deletion</a:t>
+              </a:r>
+            </a:p>
+          </p:txBody>
+        </p:sp>
+        <p:sp>
+          <p:nvSpPr>
+            <p:cNvPr id="11" name="TextBox 10">
+              <a:extLst>
+                <a:ext uri="{FF2B5EF4-FFF2-40B4-BE49-F238E27FC236}">
+                  <a16:creationId xmlns:a16="http://schemas.microsoft.com/office/drawing/2014/main" id="{CB4250BE-9C57-45BE-1786-D1FE5FF820F9}"/>
+                </a:ext>
+              </a:extLst>
+            </p:cNvPr>
+            <p:cNvSpPr txBox="1"/>
+            <p:nvPr/>
+          </p:nvSpPr>
+          <p:spPr>
+            <a:xfrm>
+              <a:off x="5392731" y="1230620"/>
+              <a:ext cx="1007999" cy="169277"/>
+            </a:xfrm>
+            <a:prstGeom prst="rect">
+              <a:avLst/>
+            </a:prstGeom>
+            <a:solidFill>
+              <a:srgbClr val="867DCE">
+                <a:alpha val="50196"/>
+              </a:srgbClr>
+            </a:solidFill>
+          </p:spPr>
+          <p:txBody>
+            <a:bodyPr wrap="square" lIns="36000" rIns="36000" rtlCol="0">
+              <a:spAutoFit/>
+            </a:bodyPr>
+            <a:lstStyle/>
+            <a:p>
+              <a:pPr algn="ctr"/>
+              <a:r>
+                <a:rPr lang="en-US" sz="500" dirty="0">
+                  <a:latin typeface="Arial" panose="020B0604020202020204" pitchFamily="34" charset="0"/>
+                  <a:cs typeface="Arial" panose="020B0604020202020204" pitchFamily="34" charset="0"/>
+                </a:rPr>
+                <a:t>Response to Dacomitinib*</a:t>
+              </a:r>
+            </a:p>
+          </p:txBody>
+        </p:sp>
+        <p:sp>
+          <p:nvSpPr>
+            <p:cNvPr id="12" name="TextBox 11">
+              <a:extLst>
+                <a:ext uri="{FF2B5EF4-FFF2-40B4-BE49-F238E27FC236}">
+                  <a16:creationId xmlns:a16="http://schemas.microsoft.com/office/drawing/2014/main" id="{D0416FCA-63E8-0776-1540-D8DD552AA940}"/>
+                </a:ext>
+              </a:extLst>
+            </p:cNvPr>
+            <p:cNvSpPr txBox="1"/>
+            <p:nvPr/>
+          </p:nvSpPr>
+          <p:spPr>
+            <a:xfrm>
+              <a:off x="5392730" y="1568086"/>
+              <a:ext cx="1007999" cy="169277"/>
+            </a:xfrm>
+            <a:prstGeom prst="rect">
+              <a:avLst/>
+            </a:prstGeom>
+            <a:solidFill>
+              <a:srgbClr val="867DCE">
+                <a:alpha val="50196"/>
+              </a:srgbClr>
+            </a:solidFill>
+          </p:spPr>
+          <p:txBody>
+            <a:bodyPr wrap="square" lIns="36000" rIns="36000" rtlCol="0">
+              <a:spAutoFit/>
+            </a:bodyPr>
+            <a:lstStyle/>
+            <a:p>
+              <a:pPr algn="ctr"/>
+              <a:r>
+                <a:rPr lang="en-US" sz="500" dirty="0">
+                  <a:latin typeface="Arial" panose="020B0604020202020204" pitchFamily="34" charset="0"/>
+                  <a:cs typeface="Arial" panose="020B0604020202020204" pitchFamily="34" charset="0"/>
+                </a:rPr>
+                <a:t>Response to Erlotinib*</a:t>
+              </a:r>
+            </a:p>
+          </p:txBody>
+        </p:sp>
+        <p:sp>
+          <p:nvSpPr>
+            <p:cNvPr id="13" name="TextBox 12">
+              <a:extLst>
+                <a:ext uri="{FF2B5EF4-FFF2-40B4-BE49-F238E27FC236}">
+                  <a16:creationId xmlns:a16="http://schemas.microsoft.com/office/drawing/2014/main" id="{DAAF8117-CD47-8768-DC7C-A7CDFB7B4C28}"/>
+                </a:ext>
+              </a:extLst>
+            </p:cNvPr>
+            <p:cNvSpPr txBox="1"/>
+            <p:nvPr/>
+          </p:nvSpPr>
+          <p:spPr>
+            <a:xfrm>
+              <a:off x="5392730" y="1905552"/>
+              <a:ext cx="1007999" cy="169277"/>
+            </a:xfrm>
+            <a:prstGeom prst="rect">
+              <a:avLst/>
+            </a:prstGeom>
+            <a:solidFill>
+              <a:srgbClr val="867DCE">
+                <a:alpha val="50196"/>
+              </a:srgbClr>
+            </a:solidFill>
+          </p:spPr>
+          <p:txBody>
+            <a:bodyPr wrap="square" rtlCol="0">
+              <a:spAutoFit/>
+            </a:bodyPr>
+            <a:lstStyle/>
+            <a:p>
+              <a:pPr algn="ctr"/>
+              <a:r>
+                <a:rPr lang="en-US" sz="500" dirty="0">
+                  <a:latin typeface="Arial" panose="020B0604020202020204" pitchFamily="34" charset="0"/>
+                  <a:cs typeface="Arial" panose="020B0604020202020204" pitchFamily="34" charset="0"/>
+                </a:rPr>
+                <a:t>Response to Osimertinib*</a:t>
+              </a:r>
+            </a:p>
+          </p:txBody>
+        </p:sp>
+        <p:sp>
+          <p:nvSpPr>
+            <p:cNvPr id="14" name="TextBox 13">
+              <a:extLst>
+                <a:ext uri="{FF2B5EF4-FFF2-40B4-BE49-F238E27FC236}">
+                  <a16:creationId xmlns:a16="http://schemas.microsoft.com/office/drawing/2014/main" id="{BB9B28AA-0297-BEF1-74E5-5E89CDAFBAF2}"/>
+                </a:ext>
+              </a:extLst>
+            </p:cNvPr>
+            <p:cNvSpPr txBox="1"/>
+            <p:nvPr/>
+          </p:nvSpPr>
+          <p:spPr>
+            <a:xfrm>
+              <a:off x="62470" y="1905552"/>
+              <a:ext cx="1007999" cy="169277"/>
+            </a:xfrm>
+            <a:prstGeom prst="rect">
+              <a:avLst/>
+            </a:prstGeom>
+            <a:solidFill>
+              <a:srgbClr val="F4B9BE">
+                <a:alpha val="50000"/>
+              </a:srgbClr>
+            </a:solidFill>
+            <a:ln w="6350">
+              <a:noFill/>
+              <a:prstDash val="dash"/>
+            </a:ln>
+          </p:spPr>
+          <p:txBody>
+            <a:bodyPr wrap="square" lIns="36000" rIns="36000" rtlCol="0">
+              <a:spAutoFit/>
+            </a:bodyPr>
+            <a:lstStyle/>
+            <a:p>
+              <a:pPr algn="ctr"/>
+              <a:r>
+                <a:rPr lang="en-US" sz="500" dirty="0">
+                  <a:latin typeface="Arial" panose="020B0604020202020204" pitchFamily="34" charset="0"/>
+                  <a:cs typeface="Arial" panose="020B0604020202020204" pitchFamily="34" charset="0"/>
+                </a:rPr>
+                <a:t>chr7:g.55174775_55174789del </a:t>
+              </a:r>
+            </a:p>
+          </p:txBody>
+        </p:sp>
+        <p:cxnSp>
+          <p:nvCxnSpPr>
+            <p:cNvPr id="18" name="Straight Arrow Connector 17">
+              <a:extLst>
+                <a:ext uri="{FF2B5EF4-FFF2-40B4-BE49-F238E27FC236}">
+                  <a16:creationId xmlns:a16="http://schemas.microsoft.com/office/drawing/2014/main" id="{50031A52-D40A-5D7D-D75A-658F64957F17}"/>
+                </a:ext>
+              </a:extLst>
+            </p:cNvPr>
+            <p:cNvCxnSpPr>
+              <a:cxnSpLocks/>
+              <a:stCxn id="2" idx="3"/>
+              <a:endCxn id="6" idx="1"/>
+            </p:cNvCxnSpPr>
+            <p:nvPr/>
+          </p:nvCxnSpPr>
+          <p:spPr>
+            <a:xfrm>
+              <a:off x="1070468" y="1315257"/>
+              <a:ext cx="324566" cy="0"/>
+            </a:xfrm>
+            <a:prstGeom prst="straightConnector1">
+              <a:avLst/>
+            </a:prstGeom>
+            <a:ln>
+              <a:solidFill>
+                <a:srgbClr val="7D3C46">
+                  <a:alpha val="74902"/>
+                </a:srgbClr>
+              </a:solidFill>
+              <a:tailEnd type="triangle"/>
+            </a:ln>
+          </p:spPr>
+          <p:style>
+            <a:lnRef idx="1">
+              <a:schemeClr val="dk1"/>
+            </a:lnRef>
+            <a:fillRef idx="0">
+              <a:schemeClr val="dk1"/>
+            </a:fillRef>
+            <a:effectRef idx="0">
+              <a:schemeClr val="dk1"/>
+            </a:effectRef>
+            <a:fontRef idx="minor">
+              <a:schemeClr val="tx1"/>
+            </a:fontRef>
+          </p:style>
+        </p:cxnSp>
+        <p:cxnSp>
+          <p:nvCxnSpPr>
+            <p:cNvPr id="20" name="Straight Arrow Connector 19">
+              <a:extLst>
+                <a:ext uri="{FF2B5EF4-FFF2-40B4-BE49-F238E27FC236}">
+                  <a16:creationId xmlns:a16="http://schemas.microsoft.com/office/drawing/2014/main" id="{6B276836-0882-5A4A-D8BB-AE1B8169256C}"/>
+                </a:ext>
+              </a:extLst>
+            </p:cNvPr>
+            <p:cNvCxnSpPr>
+              <a:cxnSpLocks/>
+              <a:stCxn id="5" idx="3"/>
+              <a:endCxn id="7" idx="1"/>
+            </p:cNvCxnSpPr>
+            <p:nvPr/>
+          </p:nvCxnSpPr>
+          <p:spPr>
+            <a:xfrm>
+              <a:off x="1070470" y="1652723"/>
+              <a:ext cx="324567" cy="0"/>
+            </a:xfrm>
+            <a:prstGeom prst="straightConnector1">
+              <a:avLst/>
+            </a:prstGeom>
+            <a:ln>
+              <a:solidFill>
+                <a:srgbClr val="7D3C46">
+                  <a:alpha val="74902"/>
+                </a:srgbClr>
+              </a:solidFill>
+              <a:tailEnd type="triangle"/>
+            </a:ln>
+          </p:spPr>
+          <p:style>
+            <a:lnRef idx="1">
+              <a:schemeClr val="dk1"/>
+            </a:lnRef>
+            <a:fillRef idx="0">
+              <a:schemeClr val="dk1"/>
+            </a:fillRef>
+            <a:effectRef idx="0">
+              <a:schemeClr val="dk1"/>
+            </a:effectRef>
+            <a:fontRef idx="minor">
+              <a:schemeClr val="tx1"/>
+            </a:fontRef>
+          </p:style>
+        </p:cxnSp>
+        <p:cxnSp>
+          <p:nvCxnSpPr>
+            <p:cNvPr id="22" name="Straight Arrow Connector 21">
+              <a:extLst>
+                <a:ext uri="{FF2B5EF4-FFF2-40B4-BE49-F238E27FC236}">
+                  <a16:creationId xmlns:a16="http://schemas.microsoft.com/office/drawing/2014/main" id="{6574F2FB-7BB7-FE24-6B06-90C80B07D74A}"/>
+                </a:ext>
+              </a:extLst>
+            </p:cNvPr>
+            <p:cNvCxnSpPr>
+              <a:stCxn id="6" idx="3"/>
+              <a:endCxn id="8" idx="1"/>
+            </p:cNvCxnSpPr>
+            <p:nvPr/>
+          </p:nvCxnSpPr>
+          <p:spPr>
+            <a:xfrm>
+              <a:off x="2403033" y="1315257"/>
+              <a:ext cx="324566" cy="0"/>
+            </a:xfrm>
+            <a:prstGeom prst="straightConnector1">
+              <a:avLst/>
+            </a:prstGeom>
+            <a:ln>
+              <a:solidFill>
+                <a:srgbClr val="7D3C46">
+                  <a:alpha val="74902"/>
+                </a:srgbClr>
+              </a:solidFill>
+              <a:tailEnd type="triangle"/>
+            </a:ln>
+          </p:spPr>
+          <p:style>
+            <a:lnRef idx="1">
+              <a:schemeClr val="dk1"/>
+            </a:lnRef>
+            <a:fillRef idx="0">
+              <a:schemeClr val="dk1"/>
+            </a:fillRef>
+            <a:effectRef idx="0">
+              <a:schemeClr val="dk1"/>
+            </a:effectRef>
+            <a:fontRef idx="minor">
+              <a:schemeClr val="tx1"/>
+            </a:fontRef>
+          </p:style>
+        </p:cxnSp>
+        <p:cxnSp>
+          <p:nvCxnSpPr>
+            <p:cNvPr id="24" name="Straight Arrow Connector 23">
+              <a:extLst>
+                <a:ext uri="{FF2B5EF4-FFF2-40B4-BE49-F238E27FC236}">
+                  <a16:creationId xmlns:a16="http://schemas.microsoft.com/office/drawing/2014/main" id="{DB132889-9CA6-6E55-D684-3A2D6336C838}"/>
+                </a:ext>
+              </a:extLst>
+            </p:cNvPr>
+            <p:cNvCxnSpPr>
+              <a:stCxn id="8" idx="3"/>
+              <a:endCxn id="10" idx="1"/>
+            </p:cNvCxnSpPr>
+            <p:nvPr/>
+          </p:nvCxnSpPr>
+          <p:spPr>
+            <a:xfrm>
+              <a:off x="3735598" y="1315257"/>
+              <a:ext cx="324566" cy="0"/>
+            </a:xfrm>
+            <a:prstGeom prst="straightConnector1">
+              <a:avLst/>
+            </a:prstGeom>
+            <a:ln>
+              <a:solidFill>
+                <a:srgbClr val="7D3C46">
+                  <a:alpha val="74902"/>
+                </a:srgbClr>
+              </a:solidFill>
+              <a:tailEnd type="triangle"/>
+            </a:ln>
+          </p:spPr>
+          <p:style>
+            <a:lnRef idx="1">
+              <a:schemeClr val="dk1"/>
+            </a:lnRef>
+            <a:fillRef idx="0">
+              <a:schemeClr val="dk1"/>
+            </a:fillRef>
+            <a:effectRef idx="0">
+              <a:schemeClr val="dk1"/>
+            </a:effectRef>
+            <a:fontRef idx="minor">
+              <a:schemeClr val="tx1"/>
+            </a:fontRef>
+          </p:style>
+        </p:cxnSp>
+        <p:cxnSp>
+          <p:nvCxnSpPr>
+            <p:cNvPr id="26" name="Straight Arrow Connector 25">
+              <a:extLst>
+                <a:ext uri="{FF2B5EF4-FFF2-40B4-BE49-F238E27FC236}">
+                  <a16:creationId xmlns:a16="http://schemas.microsoft.com/office/drawing/2014/main" id="{5905B411-71EA-E5F5-12F2-88491E2B361B}"/>
+                </a:ext>
+              </a:extLst>
+            </p:cNvPr>
+            <p:cNvCxnSpPr>
+              <a:cxnSpLocks/>
+              <a:stCxn id="10" idx="3"/>
+              <a:endCxn id="11" idx="1"/>
+            </p:cNvCxnSpPr>
+            <p:nvPr/>
+          </p:nvCxnSpPr>
+          <p:spPr>
+            <a:xfrm>
+              <a:off x="5068163" y="1315257"/>
+              <a:ext cx="324566" cy="0"/>
+            </a:xfrm>
+            <a:prstGeom prst="straightConnector1">
+              <a:avLst/>
+            </a:prstGeom>
+            <a:ln>
+              <a:solidFill>
+                <a:srgbClr val="7D3C46">
+                  <a:alpha val="74902"/>
+                </a:srgbClr>
+              </a:solidFill>
+              <a:tailEnd type="triangle"/>
+            </a:ln>
+          </p:spPr>
+          <p:style>
+            <a:lnRef idx="1">
+              <a:schemeClr val="dk1"/>
+            </a:lnRef>
+            <a:fillRef idx="0">
+              <a:schemeClr val="dk1"/>
+            </a:fillRef>
+            <a:effectRef idx="0">
+              <a:schemeClr val="dk1"/>
+            </a:effectRef>
+            <a:fontRef idx="minor">
+              <a:schemeClr val="tx1"/>
+            </a:fontRef>
+          </p:style>
+        </p:cxnSp>
+        <p:cxnSp>
+          <p:nvCxnSpPr>
+            <p:cNvPr id="36" name="Curved Connector 35">
+              <a:extLst>
+                <a:ext uri="{FF2B5EF4-FFF2-40B4-BE49-F238E27FC236}">
+                  <a16:creationId xmlns:a16="http://schemas.microsoft.com/office/drawing/2014/main" id="{56CB475F-6E25-7A89-EC46-AD322B78064E}"/>
+                </a:ext>
+              </a:extLst>
+            </p:cNvPr>
+            <p:cNvCxnSpPr>
+              <a:cxnSpLocks/>
+              <a:stCxn id="10" idx="3"/>
+              <a:endCxn id="12" idx="1"/>
+            </p:cNvCxnSpPr>
+            <p:nvPr/>
+          </p:nvCxnSpPr>
+          <p:spPr>
+            <a:xfrm>
+              <a:off x="5068165" y="1315257"/>
+              <a:ext cx="324565" cy="337466"/>
+            </a:xfrm>
+            <a:prstGeom prst="curvedConnector3">
+              <a:avLst/>
+            </a:prstGeom>
+            <a:ln>
+              <a:solidFill>
+                <a:srgbClr val="7D3C46">
+                  <a:alpha val="74902"/>
+                </a:srgbClr>
+              </a:solidFill>
+              <a:tailEnd type="triangle"/>
+            </a:ln>
+          </p:spPr>
+          <p:style>
+            <a:lnRef idx="1">
+              <a:schemeClr val="dk1"/>
+            </a:lnRef>
+            <a:fillRef idx="0">
+              <a:schemeClr val="dk1"/>
+            </a:fillRef>
+            <a:effectRef idx="0">
+              <a:schemeClr val="dk1"/>
+            </a:effectRef>
+            <a:fontRef idx="minor">
+              <a:schemeClr val="tx1"/>
+            </a:fontRef>
+          </p:style>
+        </p:cxnSp>
+        <p:cxnSp>
+          <p:nvCxnSpPr>
+            <p:cNvPr id="38" name="Curved Connector 37">
+              <a:extLst>
+                <a:ext uri="{FF2B5EF4-FFF2-40B4-BE49-F238E27FC236}">
+                  <a16:creationId xmlns:a16="http://schemas.microsoft.com/office/drawing/2014/main" id="{8C4BD1FA-0EB2-F894-B650-D6B6887977F1}"/>
+                </a:ext>
+              </a:extLst>
+            </p:cNvPr>
+            <p:cNvCxnSpPr>
+              <a:cxnSpLocks/>
+              <a:stCxn id="10" idx="3"/>
+              <a:endCxn id="13" idx="1"/>
+            </p:cNvCxnSpPr>
+            <p:nvPr/>
+          </p:nvCxnSpPr>
+          <p:spPr>
+            <a:xfrm>
+              <a:off x="5068165" y="1315257"/>
+              <a:ext cx="324565" cy="674932"/>
+            </a:xfrm>
+            <a:prstGeom prst="curvedConnector3">
+              <a:avLst/>
+            </a:prstGeom>
+            <a:ln>
+              <a:solidFill>
+                <a:srgbClr val="7D3C46">
+                  <a:alpha val="74902"/>
+                </a:srgbClr>
+              </a:solidFill>
+              <a:tailEnd type="triangle"/>
+            </a:ln>
+          </p:spPr>
+          <p:style>
+            <a:lnRef idx="1">
+              <a:schemeClr val="dk1"/>
+            </a:lnRef>
+            <a:fillRef idx="0">
+              <a:schemeClr val="dk1"/>
+            </a:fillRef>
+            <a:effectRef idx="0">
+              <a:schemeClr val="dk1"/>
+            </a:effectRef>
+            <a:fontRef idx="minor">
+              <a:schemeClr val="tx1"/>
+            </a:fontRef>
+          </p:style>
+        </p:cxnSp>
+        <p:sp>
+          <p:nvSpPr>
+            <p:cNvPr id="39" name="TextBox 38">
+              <a:extLst>
+                <a:ext uri="{FF2B5EF4-FFF2-40B4-BE49-F238E27FC236}">
+                  <a16:creationId xmlns:a16="http://schemas.microsoft.com/office/drawing/2014/main" id="{41457D82-6642-A0B5-2232-313792B23C04}"/>
+                </a:ext>
+              </a:extLst>
+            </p:cNvPr>
+            <p:cNvSpPr txBox="1"/>
+            <p:nvPr/>
+          </p:nvSpPr>
+          <p:spPr>
+            <a:xfrm>
+              <a:off x="1395035" y="1905551"/>
+              <a:ext cx="1007999" cy="169277"/>
+            </a:xfrm>
+            <a:prstGeom prst="rect">
+              <a:avLst/>
+            </a:prstGeom>
+            <a:solidFill>
+              <a:srgbClr val="F4B9BE">
+                <a:alpha val="50000"/>
+              </a:srgbClr>
+            </a:solidFill>
+            <a:ln w="6350">
+              <a:noFill/>
+              <a:prstDash val="dash"/>
+            </a:ln>
+          </p:spPr>
+          <p:txBody>
+            <a:bodyPr wrap="square" lIns="36000" rIns="36000" rtlCol="0">
+              <a:spAutoFit/>
+            </a:bodyPr>
+            <a:lstStyle/>
+            <a:p>
+              <a:pPr algn="ctr"/>
+              <a:r>
+                <a:rPr lang="en-US" sz="500" dirty="0">
+                  <a:latin typeface="Arial" panose="020B0604020202020204" pitchFamily="34" charset="0"/>
+                  <a:cs typeface="Arial" panose="020B0604020202020204" pitchFamily="34" charset="0"/>
+                </a:rPr>
+                <a:t>NM_005228.5:c.2240_2254del</a:t>
+              </a:r>
+            </a:p>
+          </p:txBody>
+        </p:sp>
+        <p:cxnSp>
+          <p:nvCxnSpPr>
+            <p:cNvPr id="44" name="Straight Arrow Connector 43">
+              <a:extLst>
+                <a:ext uri="{FF2B5EF4-FFF2-40B4-BE49-F238E27FC236}">
+                  <a16:creationId xmlns:a16="http://schemas.microsoft.com/office/drawing/2014/main" id="{DE514F6A-3928-0558-CC02-4D606C790DD0}"/>
+                </a:ext>
+              </a:extLst>
+            </p:cNvPr>
+            <p:cNvCxnSpPr>
+              <a:cxnSpLocks/>
+              <a:stCxn id="14" idx="3"/>
+              <a:endCxn id="39" idx="1"/>
+            </p:cNvCxnSpPr>
+            <p:nvPr/>
+          </p:nvCxnSpPr>
+          <p:spPr>
+            <a:xfrm flipV="1">
+              <a:off x="1070467" y="1990190"/>
+              <a:ext cx="324566" cy="1"/>
+            </a:xfrm>
+            <a:prstGeom prst="straightConnector1">
+              <a:avLst/>
+            </a:prstGeom>
+            <a:ln>
+              <a:solidFill>
+                <a:srgbClr val="7D3C46">
+                  <a:alpha val="75000"/>
+                </a:srgbClr>
+              </a:solidFill>
+              <a:tailEnd type="triangle"/>
+            </a:ln>
+          </p:spPr>
+          <p:style>
+            <a:lnRef idx="1">
+              <a:schemeClr val="dk1"/>
+            </a:lnRef>
+            <a:fillRef idx="0">
+              <a:schemeClr val="dk1"/>
+            </a:fillRef>
+            <a:effectRef idx="0">
+              <a:schemeClr val="dk1"/>
+            </a:effectRef>
+            <a:fontRef idx="minor">
+              <a:schemeClr val="tx1"/>
+            </a:fontRef>
+          </p:style>
+        </p:cxnSp>
+        <p:sp>
+          <p:nvSpPr>
+            <p:cNvPr id="54" name="TextBox 53">
+              <a:extLst>
+                <a:ext uri="{FF2B5EF4-FFF2-40B4-BE49-F238E27FC236}">
+                  <a16:creationId xmlns:a16="http://schemas.microsoft.com/office/drawing/2014/main" id="{9C84E535-D658-5A31-612E-EE68B09A4513}"/>
+                </a:ext>
+              </a:extLst>
+            </p:cNvPr>
+            <p:cNvSpPr txBox="1"/>
+            <p:nvPr/>
+          </p:nvSpPr>
+          <p:spPr>
+            <a:xfrm>
+              <a:off x="62470" y="2474216"/>
+              <a:ext cx="5005693" cy="184120"/>
+            </a:xfrm>
+            <a:prstGeom prst="rect">
+              <a:avLst/>
+            </a:prstGeom>
             <a:noFill/>
-            <a:prstDash val="dash"/>
-          </a:ln>
-        </p:spPr>
-        <p:txBody>
-          <a:bodyPr wrap="square" lIns="36000" rIns="36000" rtlCol="0">
-            <a:spAutoFit/>
-          </a:bodyPr>
-          <a:lstStyle/>
-          <a:p>
-            <a:pPr algn="ctr"/>
-            <a:r>
-              <a:rPr lang="en-US" sz="500" dirty="0">
-                <a:latin typeface="Arial" panose="020B0604020202020204" pitchFamily="34" charset="0"/>
-                <a:cs typeface="Arial" panose="020B0604020202020204" pitchFamily="34" charset="0"/>
-              </a:rPr>
-              <a:t>NM_005228.5:c.2240_2254del</a:t>
-            </a:r>
-          </a:p>
-        </p:txBody>
-      </p:sp>
-      <p:sp>
-        <p:nvSpPr>
-          <p:cNvPr id="40" name="TextBox 39">
-            <a:extLst>
-              <a:ext uri="{FF2B5EF4-FFF2-40B4-BE49-F238E27FC236}">
-                <a16:creationId xmlns:a16="http://schemas.microsoft.com/office/drawing/2014/main" id="{5CD11A97-BAD7-D5B6-D4BE-ADF10028C19B}"/>
-              </a:ext>
-            </a:extLst>
-          </p:cNvPr>
-          <p:cNvSpPr txBox="1"/>
-          <p:nvPr/>
-        </p:nvSpPr>
-        <p:spPr>
-          <a:xfrm>
-            <a:off x="2790060" y="1312093"/>
-            <a:ext cx="1007999" cy="169277"/>
-          </a:xfrm>
-          <a:prstGeom prst="rect">
-            <a:avLst/>
-          </a:prstGeom>
-          <a:solidFill>
-            <a:srgbClr val="F4B9BE">
-              <a:alpha val="25098"/>
-            </a:srgbClr>
-          </a:solidFill>
-          <a:ln w="6350">
+            <a:ln>
+              <a:noFill/>
+            </a:ln>
+          </p:spPr>
+          <p:txBody>
+            <a:bodyPr wrap="square" rtlCol="0">
+              <a:spAutoFit/>
+            </a:bodyPr>
+            <a:lstStyle/>
+            <a:p>
+              <a:pPr algn="ctr"/>
+              <a:r>
+                <a:rPr lang="en-US" sz="600" dirty="0">
+                  <a:latin typeface="Arial" panose="020B0604020202020204" pitchFamily="34" charset="0"/>
+                  <a:cs typeface="Arial" panose="020B0604020202020204" pitchFamily="34" charset="0"/>
+                </a:rPr>
+                <a:t>Categorical due to:</a:t>
+              </a:r>
+            </a:p>
+          </p:txBody>
+        </p:sp>
+        <p:sp>
+          <p:nvSpPr>
+            <p:cNvPr id="55" name="TextBox 54">
+              <a:extLst>
+                <a:ext uri="{FF2B5EF4-FFF2-40B4-BE49-F238E27FC236}">
+                  <a16:creationId xmlns:a16="http://schemas.microsoft.com/office/drawing/2014/main" id="{411A0F2A-AC68-719D-2D75-5A31795C7B80}"/>
+                </a:ext>
+              </a:extLst>
+            </p:cNvPr>
+            <p:cNvSpPr txBox="1"/>
+            <p:nvPr/>
+          </p:nvSpPr>
+          <p:spPr>
+            <a:xfrm>
+              <a:off x="62470" y="2675508"/>
+              <a:ext cx="1007999" cy="369332"/>
+            </a:xfrm>
+            <a:prstGeom prst="rect">
+              <a:avLst/>
+            </a:prstGeom>
             <a:solidFill>
-              <a:srgbClr val="7C8184">
+              <a:srgbClr val="B78A12">
                 <a:alpha val="25098"/>
               </a:srgbClr>
             </a:solidFill>
-            <a:prstDash val="dash"/>
-          </a:ln>
-        </p:spPr>
-        <p:txBody>
-          <a:bodyPr wrap="square" lIns="36000" rIns="36000" rtlCol="0">
-            <a:spAutoFit/>
-          </a:bodyPr>
-          <a:lstStyle/>
-          <a:p>
-            <a:pPr algn="ctr"/>
-            <a:r>
-              <a:rPr lang="en-US" sz="500" dirty="0">
-                <a:solidFill>
-                  <a:srgbClr val="BFBFBF"/>
-                </a:solidFill>
-                <a:latin typeface="Arial" panose="020B0604020202020204" pitchFamily="34" charset="0"/>
-                <a:cs typeface="Arial" panose="020B0604020202020204" pitchFamily="34" charset="0"/>
-              </a:rPr>
-              <a:t>…</a:t>
-            </a:r>
-          </a:p>
-        </p:txBody>
-      </p:sp>
-      <p:sp>
-        <p:nvSpPr>
-          <p:cNvPr id="41" name="TextBox 40">
-            <a:extLst>
-              <a:ext uri="{FF2B5EF4-FFF2-40B4-BE49-F238E27FC236}">
-                <a16:creationId xmlns:a16="http://schemas.microsoft.com/office/drawing/2014/main" id="{2469A3B8-98E3-D461-8471-D7B609ABF2B0}"/>
-              </a:ext>
-            </a:extLst>
-          </p:cNvPr>
-          <p:cNvSpPr txBox="1"/>
-          <p:nvPr/>
-        </p:nvSpPr>
-        <p:spPr>
-          <a:xfrm>
-            <a:off x="4122627" y="974085"/>
-            <a:ext cx="1007999" cy="169277"/>
-          </a:xfrm>
-          <a:prstGeom prst="rect">
-            <a:avLst/>
-          </a:prstGeom>
-          <a:solidFill>
-            <a:srgbClr val="CF5C86">
-              <a:alpha val="25098"/>
-            </a:srgbClr>
-          </a:solidFill>
-          <a:ln w="6350">
+          </p:spPr>
+          <p:txBody>
+            <a:bodyPr wrap="square" rtlCol="0">
+              <a:spAutoFit/>
+            </a:bodyPr>
+            <a:lstStyle/>
+            <a:p>
+              <a:pPr algn="ctr"/>
+              <a:r>
+                <a:rPr lang="en-US" sz="600" dirty="0">
+                  <a:latin typeface="Arial" panose="020B0604020202020204" pitchFamily="34" charset="0"/>
+                  <a:cs typeface="Arial" panose="020B0604020202020204" pitchFamily="34" charset="0"/>
+                </a:rPr>
+                <a:t>Reference assemblies, insertion and deletion normalization</a:t>
+              </a:r>
+            </a:p>
+          </p:txBody>
+        </p:sp>
+        <p:sp>
+          <p:nvSpPr>
+            <p:cNvPr id="56" name="TextBox 55">
+              <a:extLst>
+                <a:ext uri="{FF2B5EF4-FFF2-40B4-BE49-F238E27FC236}">
+                  <a16:creationId xmlns:a16="http://schemas.microsoft.com/office/drawing/2014/main" id="{808F9A0D-A939-6255-584C-60857390E4C5}"/>
+                </a:ext>
+              </a:extLst>
+            </p:cNvPr>
+            <p:cNvSpPr txBox="1"/>
+            <p:nvPr/>
+          </p:nvSpPr>
+          <p:spPr>
+            <a:xfrm>
+              <a:off x="1395034" y="2675508"/>
+              <a:ext cx="1007999" cy="184666"/>
+            </a:xfrm>
+            <a:prstGeom prst="rect">
+              <a:avLst/>
+            </a:prstGeom>
             <a:solidFill>
-              <a:srgbClr val="7C8184">
+              <a:srgbClr val="B78A12">
                 <a:alpha val="25098"/>
               </a:srgbClr>
             </a:solidFill>
-            <a:prstDash val="dash"/>
-          </a:ln>
-        </p:spPr>
-        <p:txBody>
-          <a:bodyPr wrap="square" lIns="36000" rIns="36000" rtlCol="0">
-            <a:spAutoFit/>
-          </a:bodyPr>
-          <a:lstStyle/>
-          <a:p>
-            <a:pPr algn="ctr"/>
-            <a:r>
-              <a:rPr lang="en-US" sz="500" dirty="0">
-                <a:solidFill>
-                  <a:srgbClr val="BFBFBF"/>
-                </a:solidFill>
-                <a:latin typeface="Arial" panose="020B0604020202020204" pitchFamily="34" charset="0"/>
-                <a:cs typeface="Arial" panose="020B0604020202020204" pitchFamily="34" charset="0"/>
-              </a:rPr>
-              <a:t>…</a:t>
-            </a:r>
-          </a:p>
-        </p:txBody>
-      </p:sp>
-      <p:sp>
-        <p:nvSpPr>
-          <p:cNvPr id="42" name="TextBox 41">
-            <a:extLst>
-              <a:ext uri="{FF2B5EF4-FFF2-40B4-BE49-F238E27FC236}">
-                <a16:creationId xmlns:a16="http://schemas.microsoft.com/office/drawing/2014/main" id="{22229DB5-7DAE-B3EA-687D-3843FF4C757F}"/>
-              </a:ext>
-            </a:extLst>
-          </p:cNvPr>
-          <p:cNvSpPr txBox="1"/>
-          <p:nvPr/>
-        </p:nvSpPr>
-        <p:spPr>
-          <a:xfrm>
-            <a:off x="4122626" y="1312093"/>
-            <a:ext cx="1007999" cy="169277"/>
-          </a:xfrm>
-          <a:prstGeom prst="rect">
-            <a:avLst/>
-          </a:prstGeom>
-          <a:solidFill>
-            <a:srgbClr val="CF5C86">
-              <a:alpha val="25098"/>
-            </a:srgbClr>
-          </a:solidFill>
-          <a:ln w="6350">
+          </p:spPr>
+          <p:txBody>
+            <a:bodyPr wrap="square" rtlCol="0">
+              <a:spAutoFit/>
+            </a:bodyPr>
+            <a:lstStyle/>
+            <a:p>
+              <a:pPr algn="ctr"/>
+              <a:r>
+                <a:rPr lang="en-US" sz="600" dirty="0">
+                  <a:latin typeface="Arial" panose="020B0604020202020204" pitchFamily="34" charset="0"/>
+                  <a:cs typeface="Arial" panose="020B0604020202020204" pitchFamily="34" charset="0"/>
+                </a:rPr>
+                <a:t>Transcript choice</a:t>
+              </a:r>
+            </a:p>
+          </p:txBody>
+        </p:sp>
+        <p:sp>
+          <p:nvSpPr>
+            <p:cNvPr id="57" name="TextBox 56">
+              <a:extLst>
+                <a:ext uri="{FF2B5EF4-FFF2-40B4-BE49-F238E27FC236}">
+                  <a16:creationId xmlns:a16="http://schemas.microsoft.com/office/drawing/2014/main" id="{CCCEE550-E9A4-2A61-F397-42257BCD24BF}"/>
+                </a:ext>
+              </a:extLst>
+            </p:cNvPr>
+            <p:cNvSpPr txBox="1"/>
+            <p:nvPr/>
+          </p:nvSpPr>
+          <p:spPr>
+            <a:xfrm>
+              <a:off x="2727598" y="2675507"/>
+              <a:ext cx="1007999" cy="369332"/>
+            </a:xfrm>
+            <a:prstGeom prst="rect">
+              <a:avLst/>
+            </a:prstGeom>
             <a:solidFill>
-              <a:srgbClr val="7C8184">
+              <a:srgbClr val="B78A12">
                 <a:alpha val="25098"/>
               </a:srgbClr>
             </a:solidFill>
-            <a:prstDash val="dash"/>
-          </a:ln>
-        </p:spPr>
-        <p:txBody>
-          <a:bodyPr wrap="square" lIns="36000" rIns="36000" rtlCol="0">
-            <a:spAutoFit/>
-          </a:bodyPr>
-          <a:lstStyle/>
-          <a:p>
-            <a:pPr algn="ctr"/>
-            <a:r>
-              <a:rPr lang="en-US" sz="500" dirty="0">
-                <a:solidFill>
-                  <a:srgbClr val="BFBFBF"/>
-                </a:solidFill>
-                <a:latin typeface="Arial" panose="020B0604020202020204" pitchFamily="34" charset="0"/>
-                <a:cs typeface="Arial" panose="020B0604020202020204" pitchFamily="34" charset="0"/>
-              </a:rPr>
-              <a:t>…</a:t>
-            </a:r>
-          </a:p>
-        </p:txBody>
-      </p:sp>
-      <p:cxnSp>
-        <p:nvCxnSpPr>
-          <p:cNvPr id="44" name="Straight Arrow Connector 43">
-            <a:extLst>
-              <a:ext uri="{FF2B5EF4-FFF2-40B4-BE49-F238E27FC236}">
-                <a16:creationId xmlns:a16="http://schemas.microsoft.com/office/drawing/2014/main" id="{DE514F6A-3928-0558-CC02-4D606C790DD0}"/>
-              </a:ext>
-            </a:extLst>
-          </p:cNvPr>
-          <p:cNvCxnSpPr>
-            <a:cxnSpLocks/>
-            <a:stCxn id="14" idx="3"/>
-            <a:endCxn id="39" idx="1"/>
-          </p:cNvCxnSpPr>
-          <p:nvPr/>
-        </p:nvCxnSpPr>
-        <p:spPr>
-          <a:xfrm flipV="1">
-            <a:off x="1132931" y="1396733"/>
-            <a:ext cx="324566" cy="1"/>
-          </a:xfrm>
-          <a:prstGeom prst="straightConnector1">
-            <a:avLst/>
-          </a:prstGeom>
-          <a:ln>
+          </p:spPr>
+          <p:txBody>
+            <a:bodyPr wrap="square" rtlCol="0">
+              <a:spAutoFit/>
+            </a:bodyPr>
+            <a:lstStyle/>
+            <a:p>
+              <a:pPr algn="ctr"/>
+              <a:r>
+                <a:rPr lang="en-US" sz="600" dirty="0">
+                  <a:latin typeface="Arial" panose="020B0604020202020204" pitchFamily="34" charset="0"/>
+                  <a:cs typeface="Arial" panose="020B0604020202020204" pitchFamily="34" charset="0"/>
+                </a:rPr>
+                <a:t>Codon degeneracy, protein isoforms, frameshift normalization</a:t>
+              </a:r>
+            </a:p>
+          </p:txBody>
+        </p:sp>
+        <p:sp>
+          <p:nvSpPr>
+            <p:cNvPr id="58" name="TextBox 57">
+              <a:extLst>
+                <a:ext uri="{FF2B5EF4-FFF2-40B4-BE49-F238E27FC236}">
+                  <a16:creationId xmlns:a16="http://schemas.microsoft.com/office/drawing/2014/main" id="{F6C6F662-FAAE-8DA4-727E-1A67CE46FAE0}"/>
+                </a:ext>
+              </a:extLst>
+            </p:cNvPr>
+            <p:cNvSpPr txBox="1"/>
+            <p:nvPr/>
+          </p:nvSpPr>
+          <p:spPr>
+            <a:xfrm>
+              <a:off x="4060165" y="1857752"/>
+              <a:ext cx="1007999" cy="553998"/>
+            </a:xfrm>
+            <a:prstGeom prst="rect">
+              <a:avLst/>
+            </a:prstGeom>
             <a:solidFill>
-              <a:srgbClr val="7D3C46">
-                <a:alpha val="75000"/>
-              </a:srgbClr>
-            </a:solidFill>
-            <a:tailEnd type="triangle"/>
-          </a:ln>
-        </p:spPr>
-        <p:style>
-          <a:lnRef idx="1">
-            <a:schemeClr val="dk1"/>
-          </a:lnRef>
-          <a:fillRef idx="0">
-            <a:schemeClr val="dk1"/>
-          </a:fillRef>
-          <a:effectRef idx="0">
-            <a:schemeClr val="dk1"/>
-          </a:effectRef>
-          <a:fontRef idx="minor">
-            <a:schemeClr val="tx1"/>
-          </a:fontRef>
-        </p:style>
-      </p:cxnSp>
-      <p:sp>
-        <p:nvSpPr>
-          <p:cNvPr id="54" name="TextBox 53">
-            <a:extLst>
-              <a:ext uri="{FF2B5EF4-FFF2-40B4-BE49-F238E27FC236}">
-                <a16:creationId xmlns:a16="http://schemas.microsoft.com/office/drawing/2014/main" id="{9C84E535-D658-5A31-612E-EE68B09A4513}"/>
-              </a:ext>
-            </a:extLst>
-          </p:cNvPr>
-          <p:cNvSpPr txBox="1"/>
-          <p:nvPr/>
-        </p:nvSpPr>
-        <p:spPr>
-          <a:xfrm>
-            <a:off x="124932" y="1880761"/>
-            <a:ext cx="5005693" cy="184120"/>
-          </a:xfrm>
-          <a:prstGeom prst="rect">
-            <a:avLst/>
-          </a:prstGeom>
-          <a:noFill/>
-        </p:spPr>
-        <p:txBody>
-          <a:bodyPr wrap="square" rtlCol="0">
-            <a:spAutoFit/>
-          </a:bodyPr>
-          <a:lstStyle/>
-          <a:p>
-            <a:pPr algn="ctr"/>
-            <a:r>
-              <a:rPr lang="en-US" sz="600" dirty="0">
-                <a:latin typeface="Arial" panose="020B0604020202020204" pitchFamily="34" charset="0"/>
-                <a:cs typeface="Arial" panose="020B0604020202020204" pitchFamily="34" charset="0"/>
-              </a:rPr>
-              <a:t>Categorical due to:</a:t>
-            </a:r>
-          </a:p>
-        </p:txBody>
-      </p:sp>
-      <p:sp>
-        <p:nvSpPr>
-          <p:cNvPr id="55" name="TextBox 54">
-            <a:extLst>
-              <a:ext uri="{FF2B5EF4-FFF2-40B4-BE49-F238E27FC236}">
-                <a16:creationId xmlns:a16="http://schemas.microsoft.com/office/drawing/2014/main" id="{411A0F2A-AC68-719D-2D75-5A31795C7B80}"/>
-              </a:ext>
-            </a:extLst>
-          </p:cNvPr>
-          <p:cNvSpPr txBox="1"/>
-          <p:nvPr/>
-        </p:nvSpPr>
-        <p:spPr>
-          <a:xfrm>
-            <a:off x="124932" y="2082053"/>
-            <a:ext cx="1007999" cy="369332"/>
-          </a:xfrm>
-          <a:prstGeom prst="rect">
-            <a:avLst/>
-          </a:prstGeom>
-          <a:solidFill>
-            <a:srgbClr val="B78A12">
-              <a:alpha val="25098"/>
-            </a:srgbClr>
-          </a:solidFill>
-        </p:spPr>
-        <p:txBody>
-          <a:bodyPr wrap="square" rtlCol="0">
-            <a:spAutoFit/>
-          </a:bodyPr>
-          <a:lstStyle/>
-          <a:p>
-            <a:pPr algn="ctr"/>
-            <a:r>
-              <a:rPr lang="en-US" sz="600" dirty="0">
-                <a:latin typeface="Arial" panose="020B0604020202020204" pitchFamily="34" charset="0"/>
-                <a:cs typeface="Arial" panose="020B0604020202020204" pitchFamily="34" charset="0"/>
-              </a:rPr>
-              <a:t>Reference assemblies, insertion and deletion normalization</a:t>
-            </a:r>
-          </a:p>
-        </p:txBody>
-      </p:sp>
-      <p:sp>
-        <p:nvSpPr>
-          <p:cNvPr id="56" name="TextBox 55">
-            <a:extLst>
-              <a:ext uri="{FF2B5EF4-FFF2-40B4-BE49-F238E27FC236}">
-                <a16:creationId xmlns:a16="http://schemas.microsoft.com/office/drawing/2014/main" id="{808F9A0D-A939-6255-584C-60857390E4C5}"/>
-              </a:ext>
-            </a:extLst>
-          </p:cNvPr>
-          <p:cNvSpPr txBox="1"/>
-          <p:nvPr/>
-        </p:nvSpPr>
-        <p:spPr>
-          <a:xfrm>
-            <a:off x="1457496" y="2082053"/>
-            <a:ext cx="1007999" cy="184666"/>
-          </a:xfrm>
-          <a:prstGeom prst="rect">
-            <a:avLst/>
-          </a:prstGeom>
-          <a:solidFill>
-            <a:srgbClr val="B78A12">
-              <a:alpha val="25098"/>
-            </a:srgbClr>
-          </a:solidFill>
-        </p:spPr>
-        <p:txBody>
-          <a:bodyPr wrap="square" rtlCol="0">
-            <a:spAutoFit/>
-          </a:bodyPr>
-          <a:lstStyle/>
-          <a:p>
-            <a:pPr algn="ctr"/>
-            <a:r>
-              <a:rPr lang="en-US" sz="600" dirty="0">
-                <a:latin typeface="Arial" panose="020B0604020202020204" pitchFamily="34" charset="0"/>
-                <a:cs typeface="Arial" panose="020B0604020202020204" pitchFamily="34" charset="0"/>
-              </a:rPr>
-              <a:t>Transcript choice</a:t>
-            </a:r>
-          </a:p>
-        </p:txBody>
-      </p:sp>
-      <p:sp>
-        <p:nvSpPr>
-          <p:cNvPr id="57" name="TextBox 56">
-            <a:extLst>
-              <a:ext uri="{FF2B5EF4-FFF2-40B4-BE49-F238E27FC236}">
-                <a16:creationId xmlns:a16="http://schemas.microsoft.com/office/drawing/2014/main" id="{CCCEE550-E9A4-2A61-F397-42257BCD24BF}"/>
-              </a:ext>
-            </a:extLst>
-          </p:cNvPr>
-          <p:cNvSpPr txBox="1"/>
-          <p:nvPr/>
-        </p:nvSpPr>
-        <p:spPr>
-          <a:xfrm>
-            <a:off x="2790060" y="2082052"/>
-            <a:ext cx="1007999" cy="369332"/>
-          </a:xfrm>
-          <a:prstGeom prst="rect">
-            <a:avLst/>
-          </a:prstGeom>
-          <a:solidFill>
-            <a:srgbClr val="B78A12">
-              <a:alpha val="25098"/>
-            </a:srgbClr>
-          </a:solidFill>
-        </p:spPr>
-        <p:txBody>
-          <a:bodyPr wrap="square" rtlCol="0">
-            <a:spAutoFit/>
-          </a:bodyPr>
-          <a:lstStyle/>
-          <a:p>
-            <a:pPr algn="ctr"/>
-            <a:r>
-              <a:rPr lang="en-US" sz="600" dirty="0">
-                <a:latin typeface="Arial" panose="020B0604020202020204" pitchFamily="34" charset="0"/>
-                <a:cs typeface="Arial" panose="020B0604020202020204" pitchFamily="34" charset="0"/>
-              </a:rPr>
-              <a:t>Codon degeneracy, protein isoforms, frameshift normalization</a:t>
-            </a:r>
-          </a:p>
-        </p:txBody>
-      </p:sp>
-      <p:sp>
-        <p:nvSpPr>
-          <p:cNvPr id="58" name="TextBox 57">
-            <a:extLst>
-              <a:ext uri="{FF2B5EF4-FFF2-40B4-BE49-F238E27FC236}">
-                <a16:creationId xmlns:a16="http://schemas.microsoft.com/office/drawing/2014/main" id="{F6C6F662-FAAE-8DA4-727E-1A67CE46FAE0}"/>
-              </a:ext>
-            </a:extLst>
-          </p:cNvPr>
-          <p:cNvSpPr txBox="1"/>
-          <p:nvPr/>
-        </p:nvSpPr>
-        <p:spPr>
-          <a:xfrm>
-            <a:off x="4122626" y="2082052"/>
-            <a:ext cx="1007999" cy="276999"/>
-          </a:xfrm>
-          <a:prstGeom prst="rect">
-            <a:avLst/>
-          </a:prstGeom>
-          <a:solidFill>
-            <a:srgbClr val="B78A12">
-              <a:alpha val="25098"/>
-            </a:srgbClr>
-          </a:solidFill>
-        </p:spPr>
-        <p:txBody>
-          <a:bodyPr wrap="square" rtlCol="0">
-            <a:spAutoFit/>
-          </a:bodyPr>
-          <a:lstStyle/>
-          <a:p>
-            <a:pPr algn="ctr"/>
-            <a:r>
-              <a:rPr lang="en-US" sz="600" dirty="0">
-                <a:latin typeface="Arial" panose="020B0604020202020204" pitchFamily="34" charset="0"/>
-                <a:cs typeface="Arial" panose="020B0604020202020204" pitchFamily="34" charset="0"/>
-              </a:rPr>
-              <a:t>Describing a set of genomic alterations</a:t>
-            </a:r>
-          </a:p>
-        </p:txBody>
-      </p:sp>
-      <p:sp>
-        <p:nvSpPr>
-          <p:cNvPr id="59" name="TextBox 58">
-            <a:extLst>
-              <a:ext uri="{FF2B5EF4-FFF2-40B4-BE49-F238E27FC236}">
-                <a16:creationId xmlns:a16="http://schemas.microsoft.com/office/drawing/2014/main" id="{73E8C355-2A34-9C9D-E382-E75BE2185170}"/>
-              </a:ext>
-            </a:extLst>
-          </p:cNvPr>
-          <p:cNvSpPr txBox="1"/>
-          <p:nvPr/>
-        </p:nvSpPr>
-        <p:spPr>
-          <a:xfrm>
-            <a:off x="5455192" y="460192"/>
-            <a:ext cx="1007999" cy="184666"/>
-          </a:xfrm>
-          <a:prstGeom prst="rect">
-            <a:avLst/>
-          </a:prstGeom>
-          <a:noFill/>
-        </p:spPr>
-        <p:txBody>
-          <a:bodyPr wrap="square" rtlCol="0">
-            <a:spAutoFit/>
-          </a:bodyPr>
-          <a:lstStyle/>
-          <a:p>
-            <a:pPr algn="ctr"/>
-            <a:r>
-              <a:rPr lang="en-US" sz="600" dirty="0">
-                <a:latin typeface="Arial" panose="020B0604020202020204" pitchFamily="34" charset="0"/>
-                <a:cs typeface="Arial" panose="020B0604020202020204" pitchFamily="34" charset="0"/>
-              </a:rPr>
-              <a:t>Genomic knowledge</a:t>
-            </a:r>
-          </a:p>
-        </p:txBody>
-      </p:sp>
-      <p:sp>
-        <p:nvSpPr>
-          <p:cNvPr id="61" name="TextBox 60">
-            <a:extLst>
-              <a:ext uri="{FF2B5EF4-FFF2-40B4-BE49-F238E27FC236}">
-                <a16:creationId xmlns:a16="http://schemas.microsoft.com/office/drawing/2014/main" id="{00EDC3DA-C94E-6EBD-8EF1-AC6EF4D0F982}"/>
-              </a:ext>
-            </a:extLst>
-          </p:cNvPr>
-          <p:cNvSpPr txBox="1"/>
-          <p:nvPr/>
-        </p:nvSpPr>
-        <p:spPr>
-          <a:xfrm>
-            <a:off x="2790059" y="455616"/>
-            <a:ext cx="1007999" cy="184666"/>
-          </a:xfrm>
-          <a:prstGeom prst="rect">
-            <a:avLst/>
-          </a:prstGeom>
-          <a:noFill/>
-        </p:spPr>
-        <p:txBody>
-          <a:bodyPr wrap="square" rtlCol="0">
-            <a:spAutoFit/>
-          </a:bodyPr>
-          <a:lstStyle/>
-          <a:p>
-            <a:pPr algn="ctr"/>
-            <a:r>
-              <a:rPr lang="en-US" sz="600" dirty="0">
-                <a:latin typeface="Arial" panose="020B0604020202020204" pitchFamily="34" charset="0"/>
-                <a:cs typeface="Arial" panose="020B0604020202020204" pitchFamily="34" charset="0"/>
-              </a:rPr>
-              <a:t>HGVS Protein (p.)</a:t>
-            </a:r>
-          </a:p>
-        </p:txBody>
-      </p:sp>
-      <p:sp>
-        <p:nvSpPr>
-          <p:cNvPr id="62" name="TextBox 61">
-            <a:extLst>
-              <a:ext uri="{FF2B5EF4-FFF2-40B4-BE49-F238E27FC236}">
-                <a16:creationId xmlns:a16="http://schemas.microsoft.com/office/drawing/2014/main" id="{E8610847-0CDF-17F6-4E61-829170FB622C}"/>
-              </a:ext>
-            </a:extLst>
-          </p:cNvPr>
-          <p:cNvSpPr txBox="1"/>
-          <p:nvPr/>
-        </p:nvSpPr>
-        <p:spPr>
-          <a:xfrm>
-            <a:off x="1457493" y="459648"/>
-            <a:ext cx="1007999" cy="184666"/>
-          </a:xfrm>
-          <a:prstGeom prst="rect">
-            <a:avLst/>
-          </a:prstGeom>
-          <a:noFill/>
-        </p:spPr>
-        <p:txBody>
-          <a:bodyPr wrap="square" rtlCol="0">
-            <a:spAutoFit/>
-          </a:bodyPr>
-          <a:lstStyle/>
-          <a:p>
-            <a:pPr algn="ctr"/>
-            <a:r>
-              <a:rPr lang="en-US" sz="600" dirty="0">
-                <a:latin typeface="Arial" panose="020B0604020202020204" pitchFamily="34" charset="0"/>
-                <a:cs typeface="Arial" panose="020B0604020202020204" pitchFamily="34" charset="0"/>
-              </a:rPr>
-              <a:t>HGVS Coding DNA (c.)</a:t>
-            </a:r>
-          </a:p>
-        </p:txBody>
-      </p:sp>
-      <p:sp>
-        <p:nvSpPr>
-          <p:cNvPr id="63" name="TextBox 62">
-            <a:extLst>
-              <a:ext uri="{FF2B5EF4-FFF2-40B4-BE49-F238E27FC236}">
-                <a16:creationId xmlns:a16="http://schemas.microsoft.com/office/drawing/2014/main" id="{F5D67200-6ECC-83F4-0B3F-27ABC48B7C79}"/>
-              </a:ext>
-            </a:extLst>
-          </p:cNvPr>
-          <p:cNvSpPr txBox="1"/>
-          <p:nvPr/>
-        </p:nvSpPr>
-        <p:spPr>
-          <a:xfrm>
-            <a:off x="124926" y="455616"/>
-            <a:ext cx="1007999" cy="184666"/>
-          </a:xfrm>
-          <a:prstGeom prst="rect">
-            <a:avLst/>
-          </a:prstGeom>
-          <a:noFill/>
-        </p:spPr>
-        <p:txBody>
-          <a:bodyPr wrap="square" rtlCol="0">
-            <a:spAutoFit/>
-          </a:bodyPr>
-          <a:lstStyle/>
-          <a:p>
-            <a:pPr algn="ctr"/>
-            <a:r>
-              <a:rPr lang="en-US" sz="600" dirty="0">
-                <a:latin typeface="Arial" panose="020B0604020202020204" pitchFamily="34" charset="0"/>
-                <a:cs typeface="Arial" panose="020B0604020202020204" pitchFamily="34" charset="0"/>
-              </a:rPr>
-              <a:t>HGVS Genomic (g.)</a:t>
-            </a:r>
-          </a:p>
-        </p:txBody>
-      </p:sp>
-      <p:sp>
-        <p:nvSpPr>
-          <p:cNvPr id="65" name="TextBox 64">
-            <a:extLst>
-              <a:ext uri="{FF2B5EF4-FFF2-40B4-BE49-F238E27FC236}">
-                <a16:creationId xmlns:a16="http://schemas.microsoft.com/office/drawing/2014/main" id="{1414C298-01A0-C2CB-D4A2-2E033913A840}"/>
-              </a:ext>
-            </a:extLst>
-          </p:cNvPr>
-          <p:cNvSpPr txBox="1"/>
-          <p:nvPr/>
-        </p:nvSpPr>
-        <p:spPr>
-          <a:xfrm>
-            <a:off x="1480105" y="71168"/>
-            <a:ext cx="3627917" cy="200055"/>
-          </a:xfrm>
-          <a:prstGeom prst="rect">
-            <a:avLst/>
-          </a:prstGeom>
-          <a:noFill/>
-        </p:spPr>
-        <p:txBody>
-          <a:bodyPr wrap="none" rtlCol="0">
-            <a:spAutoFit/>
-          </a:bodyPr>
-          <a:lstStyle/>
-          <a:p>
-            <a:pPr algn="ctr"/>
-            <a:r>
-              <a:rPr lang="en-US" sz="700" dirty="0">
-                <a:latin typeface="Arial" panose="020B0604020202020204" pitchFamily="34" charset="0"/>
-                <a:cs typeface="Arial" panose="020B0604020202020204" pitchFamily="34" charset="0"/>
-              </a:rPr>
-              <a:t>Both specific and broadly defined sets of genomic alterations are inherently categorical</a:t>
-            </a:r>
-          </a:p>
-        </p:txBody>
-      </p:sp>
-      <p:sp>
-        <p:nvSpPr>
-          <p:cNvPr id="3" name="TextBox 2">
-            <a:extLst>
-              <a:ext uri="{FF2B5EF4-FFF2-40B4-BE49-F238E27FC236}">
-                <a16:creationId xmlns:a16="http://schemas.microsoft.com/office/drawing/2014/main" id="{14C7CB68-3295-22A7-72AC-ACB390377782}"/>
-              </a:ext>
-            </a:extLst>
-          </p:cNvPr>
-          <p:cNvSpPr txBox="1"/>
-          <p:nvPr/>
-        </p:nvSpPr>
-        <p:spPr>
-          <a:xfrm>
-            <a:off x="5455192" y="1649018"/>
-            <a:ext cx="1007999" cy="169277"/>
-          </a:xfrm>
-          <a:prstGeom prst="rect">
-            <a:avLst/>
-          </a:prstGeom>
-          <a:solidFill>
-            <a:srgbClr val="867DCE">
-              <a:alpha val="50196"/>
-            </a:srgbClr>
-          </a:solidFill>
-        </p:spPr>
-        <p:txBody>
-          <a:bodyPr wrap="square" rtlCol="0">
-            <a:spAutoFit/>
-          </a:bodyPr>
-          <a:lstStyle/>
-          <a:p>
-            <a:pPr algn="ctr"/>
-            <a:r>
-              <a:rPr lang="en-US" sz="500" dirty="0">
-                <a:latin typeface="Arial" panose="020B0604020202020204" pitchFamily="34" charset="0"/>
-                <a:cs typeface="Arial" panose="020B0604020202020204" pitchFamily="34" charset="0"/>
-              </a:rPr>
-              <a:t>Response to Osimertinib*</a:t>
-            </a:r>
-          </a:p>
-        </p:txBody>
-      </p:sp>
-      <p:sp>
-        <p:nvSpPr>
-          <p:cNvPr id="4" name="TextBox 3">
-            <a:extLst>
-              <a:ext uri="{FF2B5EF4-FFF2-40B4-BE49-F238E27FC236}">
-                <a16:creationId xmlns:a16="http://schemas.microsoft.com/office/drawing/2014/main" id="{D4814D26-B3CB-51D3-70BD-24A1322EEBC9}"/>
-              </a:ext>
-            </a:extLst>
-          </p:cNvPr>
-          <p:cNvSpPr txBox="1"/>
-          <p:nvPr/>
-        </p:nvSpPr>
-        <p:spPr>
-          <a:xfrm>
-            <a:off x="124932" y="1649018"/>
-            <a:ext cx="1007999" cy="169277"/>
-          </a:xfrm>
-          <a:prstGeom prst="rect">
-            <a:avLst/>
-          </a:prstGeom>
-          <a:solidFill>
-            <a:srgbClr val="F4B9BE">
-              <a:alpha val="50000"/>
-            </a:srgbClr>
-          </a:solidFill>
-          <a:ln w="6350">
-            <a:noFill/>
-            <a:prstDash val="dash"/>
-          </a:ln>
-        </p:spPr>
-        <p:txBody>
-          <a:bodyPr wrap="square" lIns="36000" rIns="36000" rtlCol="0">
-            <a:spAutoFit/>
-          </a:bodyPr>
-          <a:lstStyle/>
-          <a:p>
-            <a:pPr algn="ctr"/>
-            <a:r>
-              <a:rPr lang="en-US" sz="500" dirty="0">
-                <a:latin typeface="Arial" panose="020B0604020202020204" pitchFamily="34" charset="0"/>
-                <a:cs typeface="Arial" panose="020B0604020202020204" pitchFamily="34" charset="0"/>
-              </a:rPr>
-              <a:t>chr7:g.55174777_55174791del </a:t>
-            </a:r>
-          </a:p>
-        </p:txBody>
-      </p:sp>
-      <p:sp>
-        <p:nvSpPr>
-          <p:cNvPr id="15" name="TextBox 14">
-            <a:extLst>
-              <a:ext uri="{FF2B5EF4-FFF2-40B4-BE49-F238E27FC236}">
-                <a16:creationId xmlns:a16="http://schemas.microsoft.com/office/drawing/2014/main" id="{03B5E9D5-D1FD-95E7-CEA3-E2D6134AED2F}"/>
-              </a:ext>
-            </a:extLst>
-          </p:cNvPr>
-          <p:cNvSpPr txBox="1"/>
-          <p:nvPr/>
-        </p:nvSpPr>
-        <p:spPr>
-          <a:xfrm>
-            <a:off x="1457497" y="1649017"/>
-            <a:ext cx="1007999" cy="169277"/>
-          </a:xfrm>
-          <a:prstGeom prst="rect">
-            <a:avLst/>
-          </a:prstGeom>
-          <a:solidFill>
-            <a:srgbClr val="F4B9BE">
-              <a:alpha val="25098"/>
-            </a:srgbClr>
-          </a:solidFill>
-          <a:ln w="6350">
-            <a:solidFill>
-              <a:srgbClr val="7C8184">
+              <a:srgbClr val="B78A12">
                 <a:alpha val="25098"/>
               </a:srgbClr>
             </a:solidFill>
-            <a:prstDash val="dash"/>
-          </a:ln>
-        </p:spPr>
-        <p:txBody>
-          <a:bodyPr wrap="square" lIns="36000" rIns="36000" rtlCol="0">
-            <a:spAutoFit/>
-          </a:bodyPr>
-          <a:lstStyle/>
-          <a:p>
-            <a:pPr algn="ctr"/>
-            <a:r>
-              <a:rPr lang="en-US" sz="500" dirty="0">
-                <a:latin typeface="Arial" panose="020B0604020202020204" pitchFamily="34" charset="0"/>
-                <a:cs typeface="Arial" panose="020B0604020202020204" pitchFamily="34" charset="0"/>
-              </a:rPr>
-              <a:t>…</a:t>
-            </a:r>
-          </a:p>
-        </p:txBody>
-      </p:sp>
-      <p:sp>
-        <p:nvSpPr>
-          <p:cNvPr id="16" name="TextBox 15">
-            <a:extLst>
-              <a:ext uri="{FF2B5EF4-FFF2-40B4-BE49-F238E27FC236}">
-                <a16:creationId xmlns:a16="http://schemas.microsoft.com/office/drawing/2014/main" id="{E59215F3-66D9-9961-CA6E-7550DCC607DB}"/>
-              </a:ext>
-            </a:extLst>
-          </p:cNvPr>
-          <p:cNvSpPr txBox="1"/>
-          <p:nvPr/>
-        </p:nvSpPr>
-        <p:spPr>
-          <a:xfrm>
-            <a:off x="2790060" y="1649016"/>
-            <a:ext cx="1007999" cy="169277"/>
-          </a:xfrm>
-          <a:prstGeom prst="rect">
-            <a:avLst/>
-          </a:prstGeom>
-          <a:solidFill>
-            <a:srgbClr val="F4B9BE">
-              <a:alpha val="25098"/>
-            </a:srgbClr>
-          </a:solidFill>
-          <a:ln w="6350">
+          </p:spPr>
+          <p:txBody>
+            <a:bodyPr wrap="square" rtlCol="0">
+              <a:spAutoFit/>
+            </a:bodyPr>
+            <a:lstStyle/>
+            <a:p>
+              <a:pPr algn="ctr"/>
+              <a:r>
+                <a:rPr lang="en-US" sz="600" dirty="0">
+                  <a:latin typeface="Arial" panose="020B0604020202020204" pitchFamily="34" charset="0"/>
+                  <a:cs typeface="Arial" panose="020B0604020202020204" pitchFamily="34" charset="0"/>
+                </a:rPr>
+                <a:t>Describes a discrete class of possible variation in the abstract, often representing sets of assayable alterations</a:t>
+              </a:r>
+            </a:p>
+          </p:txBody>
+        </p:sp>
+        <p:sp>
+          <p:nvSpPr>
+            <p:cNvPr id="59" name="TextBox 58">
+              <a:extLst>
+                <a:ext uri="{FF2B5EF4-FFF2-40B4-BE49-F238E27FC236}">
+                  <a16:creationId xmlns:a16="http://schemas.microsoft.com/office/drawing/2014/main" id="{73E8C355-2A34-9C9D-E382-E75BE2185170}"/>
+                </a:ext>
+              </a:extLst>
+            </p:cNvPr>
+            <p:cNvSpPr txBox="1"/>
+            <p:nvPr/>
+          </p:nvSpPr>
+          <p:spPr>
+            <a:xfrm>
+              <a:off x="5392730" y="1053647"/>
+              <a:ext cx="1007999" cy="184666"/>
+            </a:xfrm>
+            <a:prstGeom prst="rect">
+              <a:avLst/>
+            </a:prstGeom>
+            <a:noFill/>
+          </p:spPr>
+          <p:txBody>
+            <a:bodyPr wrap="square" rtlCol="0">
+              <a:spAutoFit/>
+            </a:bodyPr>
+            <a:lstStyle/>
+            <a:p>
+              <a:pPr algn="ctr"/>
+              <a:r>
+                <a:rPr lang="en-US" sz="600" dirty="0">
+                  <a:latin typeface="Arial" panose="020B0604020202020204" pitchFamily="34" charset="0"/>
+                  <a:cs typeface="Arial" panose="020B0604020202020204" pitchFamily="34" charset="0"/>
+                </a:rPr>
+                <a:t>Genomic knowledge</a:t>
+              </a:r>
+            </a:p>
+          </p:txBody>
+        </p:sp>
+        <p:sp>
+          <p:nvSpPr>
+            <p:cNvPr id="61" name="TextBox 60">
+              <a:extLst>
+                <a:ext uri="{FF2B5EF4-FFF2-40B4-BE49-F238E27FC236}">
+                  <a16:creationId xmlns:a16="http://schemas.microsoft.com/office/drawing/2014/main" id="{00EDC3DA-C94E-6EBD-8EF1-AC6EF4D0F982}"/>
+                </a:ext>
+              </a:extLst>
+            </p:cNvPr>
+            <p:cNvSpPr txBox="1"/>
+            <p:nvPr/>
+          </p:nvSpPr>
+          <p:spPr>
+            <a:xfrm>
+              <a:off x="2727597" y="1049071"/>
+              <a:ext cx="1007999" cy="184666"/>
+            </a:xfrm>
+            <a:prstGeom prst="rect">
+              <a:avLst/>
+            </a:prstGeom>
+            <a:noFill/>
+          </p:spPr>
+          <p:txBody>
+            <a:bodyPr wrap="square" rtlCol="0">
+              <a:spAutoFit/>
+            </a:bodyPr>
+            <a:lstStyle/>
+            <a:p>
+              <a:pPr algn="ctr"/>
+              <a:r>
+                <a:rPr lang="en-US" sz="600" dirty="0">
+                  <a:latin typeface="Arial" panose="020B0604020202020204" pitchFamily="34" charset="0"/>
+                  <a:cs typeface="Arial" panose="020B0604020202020204" pitchFamily="34" charset="0"/>
+                </a:rPr>
+                <a:t>HGVS Protein (p.)</a:t>
+              </a:r>
+            </a:p>
+          </p:txBody>
+        </p:sp>
+        <p:sp>
+          <p:nvSpPr>
+            <p:cNvPr id="62" name="TextBox 61">
+              <a:extLst>
+                <a:ext uri="{FF2B5EF4-FFF2-40B4-BE49-F238E27FC236}">
+                  <a16:creationId xmlns:a16="http://schemas.microsoft.com/office/drawing/2014/main" id="{E8610847-0CDF-17F6-4E61-829170FB622C}"/>
+                </a:ext>
+              </a:extLst>
+            </p:cNvPr>
+            <p:cNvSpPr txBox="1"/>
+            <p:nvPr/>
+          </p:nvSpPr>
+          <p:spPr>
+            <a:xfrm>
+              <a:off x="1395031" y="1053103"/>
+              <a:ext cx="1007999" cy="184666"/>
+            </a:xfrm>
+            <a:prstGeom prst="rect">
+              <a:avLst/>
+            </a:prstGeom>
+            <a:noFill/>
+          </p:spPr>
+          <p:txBody>
+            <a:bodyPr wrap="square" rtlCol="0">
+              <a:spAutoFit/>
+            </a:bodyPr>
+            <a:lstStyle/>
+            <a:p>
+              <a:pPr algn="ctr"/>
+              <a:r>
+                <a:rPr lang="en-US" sz="600" dirty="0">
+                  <a:latin typeface="Arial" panose="020B0604020202020204" pitchFamily="34" charset="0"/>
+                  <a:cs typeface="Arial" panose="020B0604020202020204" pitchFamily="34" charset="0"/>
+                </a:rPr>
+                <a:t>HGVS Coding DNA (c.)</a:t>
+              </a:r>
+            </a:p>
+          </p:txBody>
+        </p:sp>
+        <p:sp>
+          <p:nvSpPr>
+            <p:cNvPr id="63" name="TextBox 62">
+              <a:extLst>
+                <a:ext uri="{FF2B5EF4-FFF2-40B4-BE49-F238E27FC236}">
+                  <a16:creationId xmlns:a16="http://schemas.microsoft.com/office/drawing/2014/main" id="{F5D67200-6ECC-83F4-0B3F-27ABC48B7C79}"/>
+                </a:ext>
+              </a:extLst>
+            </p:cNvPr>
+            <p:cNvSpPr txBox="1"/>
+            <p:nvPr/>
+          </p:nvSpPr>
+          <p:spPr>
+            <a:xfrm>
+              <a:off x="62464" y="1049071"/>
+              <a:ext cx="1007999" cy="184666"/>
+            </a:xfrm>
+            <a:prstGeom prst="rect">
+              <a:avLst/>
+            </a:prstGeom>
+            <a:noFill/>
+          </p:spPr>
+          <p:txBody>
+            <a:bodyPr wrap="square" rtlCol="0">
+              <a:spAutoFit/>
+            </a:bodyPr>
+            <a:lstStyle/>
+            <a:p>
+              <a:pPr algn="ctr"/>
+              <a:r>
+                <a:rPr lang="en-US" sz="600" dirty="0">
+                  <a:latin typeface="Arial" panose="020B0604020202020204" pitchFamily="34" charset="0"/>
+                  <a:cs typeface="Arial" panose="020B0604020202020204" pitchFamily="34" charset="0"/>
+                </a:rPr>
+                <a:t>HGVS Genomic (g.)</a:t>
+              </a:r>
+            </a:p>
+          </p:txBody>
+        </p:sp>
+        <p:sp>
+          <p:nvSpPr>
+            <p:cNvPr id="65" name="TextBox 64">
+              <a:extLst>
+                <a:ext uri="{FF2B5EF4-FFF2-40B4-BE49-F238E27FC236}">
+                  <a16:creationId xmlns:a16="http://schemas.microsoft.com/office/drawing/2014/main" id="{1414C298-01A0-C2CB-D4A2-2E033913A840}"/>
+                </a:ext>
+              </a:extLst>
+            </p:cNvPr>
+            <p:cNvSpPr txBox="1"/>
+            <p:nvPr/>
+          </p:nvSpPr>
+          <p:spPr>
+            <a:xfrm>
+              <a:off x="1417639" y="828129"/>
+              <a:ext cx="3627917" cy="200055"/>
+            </a:xfrm>
+            <a:prstGeom prst="rect">
+              <a:avLst/>
+            </a:prstGeom>
+            <a:noFill/>
+          </p:spPr>
+          <p:txBody>
+            <a:bodyPr wrap="none" rtlCol="0">
+              <a:spAutoFit/>
+            </a:bodyPr>
+            <a:lstStyle/>
+            <a:p>
+              <a:pPr algn="ctr"/>
+              <a:r>
+                <a:rPr lang="en-US" sz="700" dirty="0">
+                  <a:latin typeface="Arial" panose="020B0604020202020204" pitchFamily="34" charset="0"/>
+                  <a:cs typeface="Arial" panose="020B0604020202020204" pitchFamily="34" charset="0"/>
+                </a:rPr>
+                <a:t>Both specific and broadly defined sets of genomic alterations are inherently categorical</a:t>
+              </a:r>
+            </a:p>
+          </p:txBody>
+        </p:sp>
+        <p:sp>
+          <p:nvSpPr>
+            <p:cNvPr id="3" name="TextBox 2">
+              <a:extLst>
+                <a:ext uri="{FF2B5EF4-FFF2-40B4-BE49-F238E27FC236}">
+                  <a16:creationId xmlns:a16="http://schemas.microsoft.com/office/drawing/2014/main" id="{14C7CB68-3295-22A7-72AC-ACB390377782}"/>
+                </a:ext>
+              </a:extLst>
+            </p:cNvPr>
+            <p:cNvSpPr txBox="1"/>
+            <p:nvPr/>
+          </p:nvSpPr>
+          <p:spPr>
+            <a:xfrm>
+              <a:off x="5392730" y="2242475"/>
+              <a:ext cx="1007999" cy="169277"/>
+            </a:xfrm>
+            <a:prstGeom prst="rect">
+              <a:avLst/>
+            </a:prstGeom>
             <a:solidFill>
-              <a:srgbClr val="7C8184">
-                <a:alpha val="25098"/>
+              <a:srgbClr val="867DCE">
+                <a:alpha val="50196"/>
               </a:srgbClr>
             </a:solidFill>
-            <a:prstDash val="dash"/>
-          </a:ln>
-        </p:spPr>
-        <p:txBody>
-          <a:bodyPr wrap="square" lIns="36000" rIns="36000" rtlCol="0">
-            <a:spAutoFit/>
-          </a:bodyPr>
-          <a:lstStyle/>
-          <a:p>
-            <a:pPr algn="ctr"/>
-            <a:r>
-              <a:rPr lang="en-US" sz="500" dirty="0">
-                <a:solidFill>
-                  <a:srgbClr val="BFBFBF"/>
-                </a:solidFill>
-                <a:latin typeface="Arial" panose="020B0604020202020204" pitchFamily="34" charset="0"/>
-                <a:cs typeface="Arial" panose="020B0604020202020204" pitchFamily="34" charset="0"/>
-              </a:rPr>
-              <a:t>…</a:t>
-            </a:r>
-          </a:p>
-        </p:txBody>
-      </p:sp>
-      <p:sp>
-        <p:nvSpPr>
-          <p:cNvPr id="17" name="TextBox 16">
-            <a:extLst>
-              <a:ext uri="{FF2B5EF4-FFF2-40B4-BE49-F238E27FC236}">
-                <a16:creationId xmlns:a16="http://schemas.microsoft.com/office/drawing/2014/main" id="{C06B82A2-45EB-4A59-2109-84A33EA9E1E8}"/>
-              </a:ext>
-            </a:extLst>
-          </p:cNvPr>
-          <p:cNvSpPr txBox="1"/>
-          <p:nvPr/>
-        </p:nvSpPr>
-        <p:spPr>
-          <a:xfrm>
-            <a:off x="4122626" y="1649016"/>
-            <a:ext cx="1007999" cy="169277"/>
-          </a:xfrm>
-          <a:prstGeom prst="rect">
-            <a:avLst/>
-          </a:prstGeom>
-          <a:solidFill>
-            <a:srgbClr val="CF5C86">
-              <a:alpha val="25098"/>
-            </a:srgbClr>
-          </a:solidFill>
-          <a:ln w="6350">
+          </p:spPr>
+          <p:txBody>
+            <a:bodyPr wrap="square" rtlCol="0">
+              <a:spAutoFit/>
+            </a:bodyPr>
+            <a:lstStyle/>
+            <a:p>
+              <a:pPr algn="ctr"/>
+              <a:r>
+                <a:rPr lang="en-US" sz="500" dirty="0">
+                  <a:latin typeface="Arial" panose="020B0604020202020204" pitchFamily="34" charset="0"/>
+                  <a:cs typeface="Arial" panose="020B0604020202020204" pitchFamily="34" charset="0"/>
+                </a:rPr>
+                <a:t>Response to Osimertinib*</a:t>
+              </a:r>
+            </a:p>
+          </p:txBody>
+        </p:sp>
+        <p:sp>
+          <p:nvSpPr>
+            <p:cNvPr id="4" name="TextBox 3">
+              <a:extLst>
+                <a:ext uri="{FF2B5EF4-FFF2-40B4-BE49-F238E27FC236}">
+                  <a16:creationId xmlns:a16="http://schemas.microsoft.com/office/drawing/2014/main" id="{D4814D26-B3CB-51D3-70BD-24A1322EEBC9}"/>
+                </a:ext>
+              </a:extLst>
+            </p:cNvPr>
+            <p:cNvSpPr txBox="1"/>
+            <p:nvPr/>
+          </p:nvSpPr>
+          <p:spPr>
+            <a:xfrm>
+              <a:off x="62470" y="2242475"/>
+              <a:ext cx="1007999" cy="169277"/>
+            </a:xfrm>
+            <a:prstGeom prst="rect">
+              <a:avLst/>
+            </a:prstGeom>
             <a:solidFill>
-              <a:srgbClr val="7C8184">
-                <a:alpha val="25098"/>
+              <a:srgbClr val="F4B9BE">
+                <a:alpha val="50000"/>
               </a:srgbClr>
             </a:solidFill>
-            <a:prstDash val="dash"/>
-          </a:ln>
-        </p:spPr>
-        <p:txBody>
-          <a:bodyPr wrap="square" lIns="36000" rIns="36000" rtlCol="0">
-            <a:spAutoFit/>
-          </a:bodyPr>
-          <a:lstStyle/>
-          <a:p>
-            <a:pPr algn="ctr"/>
-            <a:r>
-              <a:rPr lang="en-US" sz="500" dirty="0">
-                <a:solidFill>
-                  <a:srgbClr val="BFBFBF"/>
-                </a:solidFill>
-                <a:latin typeface="Arial" panose="020B0604020202020204" pitchFamily="34" charset="0"/>
-                <a:cs typeface="Arial" panose="020B0604020202020204" pitchFamily="34" charset="0"/>
-              </a:rPr>
-              <a:t>…</a:t>
-            </a:r>
-          </a:p>
-        </p:txBody>
-      </p:sp>
-      <p:sp>
-        <p:nvSpPr>
-          <p:cNvPr id="60" name="Rectangle 59">
-            <a:extLst>
-              <a:ext uri="{FF2B5EF4-FFF2-40B4-BE49-F238E27FC236}">
-                <a16:creationId xmlns:a16="http://schemas.microsoft.com/office/drawing/2014/main" id="{4C280B47-F110-A16B-FBF1-A6849F249061}"/>
-              </a:ext>
-            </a:extLst>
-          </p:cNvPr>
-          <p:cNvSpPr/>
-          <p:nvPr/>
-        </p:nvSpPr>
-        <p:spPr>
-          <a:xfrm>
-            <a:off x="4045196" y="637163"/>
-            <a:ext cx="77426" cy="169200"/>
-          </a:xfrm>
-          <a:prstGeom prst="rect">
-            <a:avLst/>
-          </a:prstGeom>
-          <a:noFill/>
-          <a:ln>
+            <a:ln w="6350">
+              <a:noFill/>
+              <a:prstDash val="dash"/>
+            </a:ln>
+          </p:spPr>
+          <p:txBody>
+            <a:bodyPr wrap="square" lIns="36000" rIns="36000" rtlCol="0">
+              <a:spAutoFit/>
+            </a:bodyPr>
+            <a:lstStyle/>
+            <a:p>
+              <a:pPr algn="ctr"/>
+              <a:r>
+                <a:rPr lang="en-US" sz="500" dirty="0">
+                  <a:latin typeface="Arial" panose="020B0604020202020204" pitchFamily="34" charset="0"/>
+                  <a:cs typeface="Arial" panose="020B0604020202020204" pitchFamily="34" charset="0"/>
+                </a:rPr>
+                <a:t>chr7:g.55174777_55174791del </a:t>
+              </a:r>
+            </a:p>
+          </p:txBody>
+        </p:sp>
+        <p:sp>
+          <p:nvSpPr>
+            <p:cNvPr id="15" name="TextBox 14">
+              <a:extLst>
+                <a:ext uri="{FF2B5EF4-FFF2-40B4-BE49-F238E27FC236}">
+                  <a16:creationId xmlns:a16="http://schemas.microsoft.com/office/drawing/2014/main" id="{03B5E9D5-D1FD-95E7-CEA3-E2D6134AED2F}"/>
+                </a:ext>
+              </a:extLst>
+            </p:cNvPr>
+            <p:cNvSpPr txBox="1"/>
+            <p:nvPr/>
+          </p:nvSpPr>
+          <p:spPr>
+            <a:xfrm rot="18936829">
+              <a:off x="1059556" y="2161356"/>
+              <a:ext cx="491393" cy="169277"/>
+            </a:xfrm>
+            <a:prstGeom prst="rect">
+              <a:avLst/>
+            </a:prstGeom>
             <a:noFill/>
-          </a:ln>
-        </p:spPr>
-        <p:style>
-          <a:lnRef idx="2">
-            <a:schemeClr val="accent6"/>
-          </a:lnRef>
-          <a:fillRef idx="1">
-            <a:schemeClr val="lt1"/>
-          </a:fillRef>
-          <a:effectRef idx="0">
-            <a:schemeClr val="accent6"/>
-          </a:effectRef>
-          <a:fontRef idx="minor">
-            <a:schemeClr val="dk1"/>
-          </a:fontRef>
-        </p:style>
-        <p:txBody>
-          <a:bodyPr rtlCol="0" anchor="ctr"/>
-          <a:lstStyle/>
-          <a:p>
-            <a:pPr algn="ctr"/>
-            <a:endParaRPr lang="en-US"/>
-          </a:p>
-        </p:txBody>
-      </p:sp>
-      <p:sp>
-        <p:nvSpPr>
-          <p:cNvPr id="64" name="Rectangle 63">
-            <a:extLst>
-              <a:ext uri="{FF2B5EF4-FFF2-40B4-BE49-F238E27FC236}">
-                <a16:creationId xmlns:a16="http://schemas.microsoft.com/office/drawing/2014/main" id="{8B92D35A-E36C-A999-6FEB-8A78245AAFE0}"/>
-              </a:ext>
-            </a:extLst>
-          </p:cNvPr>
-          <p:cNvSpPr/>
-          <p:nvPr/>
-        </p:nvSpPr>
-        <p:spPr>
-          <a:xfrm>
-            <a:off x="2708077" y="974629"/>
-            <a:ext cx="77426" cy="169200"/>
-          </a:xfrm>
-          <a:prstGeom prst="rect">
-            <a:avLst/>
-          </a:prstGeom>
-          <a:noFill/>
-          <a:ln>
+            <a:ln w="6350">
+              <a:noFill/>
+              <a:prstDash val="dash"/>
+            </a:ln>
+          </p:spPr>
+          <p:txBody>
+            <a:bodyPr wrap="square" lIns="36000" rIns="36000" rtlCol="0">
+              <a:spAutoFit/>
+            </a:bodyPr>
+            <a:lstStyle/>
+            <a:p>
+              <a:pPr algn="ctr"/>
+              <a:r>
+                <a:rPr lang="en-US" sz="500" dirty="0">
+                  <a:latin typeface="Arial" panose="020B0604020202020204" pitchFamily="34" charset="0"/>
+                  <a:cs typeface="Arial" panose="020B0604020202020204" pitchFamily="34" charset="0"/>
+                </a:rPr>
+                <a:t>Transcribes to</a:t>
+              </a:r>
+            </a:p>
+          </p:txBody>
+        </p:sp>
+        <p:sp>
+          <p:nvSpPr>
+            <p:cNvPr id="60" name="Rectangle 59">
+              <a:extLst>
+                <a:ext uri="{FF2B5EF4-FFF2-40B4-BE49-F238E27FC236}">
+                  <a16:creationId xmlns:a16="http://schemas.microsoft.com/office/drawing/2014/main" id="{4C280B47-F110-A16B-FBF1-A6849F249061}"/>
+                </a:ext>
+              </a:extLst>
+            </p:cNvPr>
+            <p:cNvSpPr/>
+            <p:nvPr/>
+          </p:nvSpPr>
+          <p:spPr>
+            <a:xfrm>
+              <a:off x="3982732" y="1230618"/>
+              <a:ext cx="77426" cy="169200"/>
+            </a:xfrm>
+            <a:prstGeom prst="rect">
+              <a:avLst/>
+            </a:prstGeom>
             <a:noFill/>
-          </a:ln>
-        </p:spPr>
-        <p:style>
-          <a:lnRef idx="2">
-            <a:schemeClr val="accent6"/>
-          </a:lnRef>
-          <a:fillRef idx="1">
-            <a:schemeClr val="lt1"/>
-          </a:fillRef>
-          <a:effectRef idx="0">
-            <a:schemeClr val="accent6"/>
-          </a:effectRef>
-          <a:fontRef idx="minor">
-            <a:schemeClr val="dk1"/>
-          </a:fontRef>
-        </p:style>
-        <p:txBody>
-          <a:bodyPr rtlCol="0" anchor="ctr"/>
-          <a:lstStyle/>
-          <a:p>
-            <a:pPr algn="ctr"/>
-            <a:endParaRPr lang="en-US"/>
-          </a:p>
-        </p:txBody>
-      </p:sp>
-      <p:cxnSp>
-        <p:nvCxnSpPr>
-          <p:cNvPr id="68" name="Curved Connector 67">
-            <a:extLst>
-              <a:ext uri="{FF2B5EF4-FFF2-40B4-BE49-F238E27FC236}">
-                <a16:creationId xmlns:a16="http://schemas.microsoft.com/office/drawing/2014/main" id="{AF92620E-DAAE-043A-4F03-43F19F6DB9C6}"/>
-              </a:ext>
-            </a:extLst>
-          </p:cNvPr>
-          <p:cNvCxnSpPr>
-            <a:cxnSpLocks/>
-            <a:stCxn id="4" idx="3"/>
-          </p:cNvCxnSpPr>
-          <p:nvPr/>
-        </p:nvCxnSpPr>
-        <p:spPr>
-          <a:xfrm flipV="1">
-            <a:off x="1132931" y="1396694"/>
-            <a:ext cx="247136" cy="336963"/>
-          </a:xfrm>
-          <a:prstGeom prst="curvedConnector3">
-            <a:avLst/>
-          </a:prstGeom>
-          <a:ln>
-            <a:solidFill>
-              <a:srgbClr val="7D3C46">
-                <a:alpha val="75000"/>
-              </a:srgbClr>
-            </a:solidFill>
-          </a:ln>
-        </p:spPr>
-        <p:style>
-          <a:lnRef idx="1">
-            <a:schemeClr val="dk1"/>
-          </a:lnRef>
-          <a:fillRef idx="0">
-            <a:schemeClr val="dk1"/>
-          </a:fillRef>
-          <a:effectRef idx="0">
-            <a:schemeClr val="dk1"/>
-          </a:effectRef>
-          <a:fontRef idx="minor">
-            <a:schemeClr val="tx1"/>
-          </a:fontRef>
-        </p:style>
-      </p:cxnSp>
-      <p:cxnSp>
-        <p:nvCxnSpPr>
-          <p:cNvPr id="70" name="Curved Connector 69">
-            <a:extLst>
-              <a:ext uri="{FF2B5EF4-FFF2-40B4-BE49-F238E27FC236}">
-                <a16:creationId xmlns:a16="http://schemas.microsoft.com/office/drawing/2014/main" id="{1AC2272F-1211-94E7-8220-B83078CC09A8}"/>
-              </a:ext>
-            </a:extLst>
-          </p:cNvPr>
-          <p:cNvCxnSpPr>
-            <a:cxnSpLocks/>
-            <a:stCxn id="7" idx="3"/>
-          </p:cNvCxnSpPr>
-          <p:nvPr/>
-        </p:nvCxnSpPr>
-        <p:spPr>
-          <a:xfrm flipV="1">
-            <a:off x="2465498" y="721763"/>
-            <a:ext cx="247134" cy="337505"/>
-          </a:xfrm>
-          <a:prstGeom prst="curvedConnector3">
-            <a:avLst/>
-          </a:prstGeom>
-          <a:ln>
-            <a:solidFill>
-              <a:srgbClr val="7D3C46">
-                <a:alpha val="75000"/>
-              </a:srgbClr>
-            </a:solidFill>
-          </a:ln>
-        </p:spPr>
-        <p:style>
-          <a:lnRef idx="1">
-            <a:schemeClr val="dk1"/>
-          </a:lnRef>
-          <a:fillRef idx="0">
-            <a:schemeClr val="dk1"/>
-          </a:fillRef>
-          <a:effectRef idx="0">
-            <a:schemeClr val="dk1"/>
-          </a:effectRef>
-          <a:fontRef idx="minor">
-            <a:schemeClr val="tx1"/>
-          </a:fontRef>
-        </p:style>
-      </p:cxnSp>
-      <p:cxnSp>
-        <p:nvCxnSpPr>
-          <p:cNvPr id="72" name="Curved Connector 71">
-            <a:extLst>
-              <a:ext uri="{FF2B5EF4-FFF2-40B4-BE49-F238E27FC236}">
-                <a16:creationId xmlns:a16="http://schemas.microsoft.com/office/drawing/2014/main" id="{9D6C1DD4-5F03-5B59-0C67-BE4CA4B1F950}"/>
-              </a:ext>
-            </a:extLst>
-          </p:cNvPr>
-          <p:cNvCxnSpPr>
-            <a:cxnSpLocks/>
-            <a:stCxn id="39" idx="3"/>
-            <a:endCxn id="64" idx="1"/>
-          </p:cNvCxnSpPr>
-          <p:nvPr/>
-        </p:nvCxnSpPr>
-        <p:spPr>
-          <a:xfrm flipV="1">
-            <a:off x="2465496" y="1059229"/>
-            <a:ext cx="242581" cy="337504"/>
-          </a:xfrm>
-          <a:prstGeom prst="curvedConnector3">
-            <a:avLst/>
-          </a:prstGeom>
-          <a:ln>
-            <a:solidFill>
-              <a:srgbClr val="7D3C46">
-                <a:alpha val="75000"/>
-              </a:srgbClr>
-            </a:solidFill>
-          </a:ln>
-        </p:spPr>
-        <p:style>
-          <a:lnRef idx="1">
-            <a:schemeClr val="dk1"/>
-          </a:lnRef>
-          <a:fillRef idx="0">
-            <a:schemeClr val="dk1"/>
-          </a:fillRef>
-          <a:effectRef idx="0">
-            <a:schemeClr val="dk1"/>
-          </a:effectRef>
-          <a:fontRef idx="minor">
-            <a:schemeClr val="tx1"/>
-          </a:fontRef>
-        </p:style>
-      </p:cxnSp>
-      <p:cxnSp>
-        <p:nvCxnSpPr>
-          <p:cNvPr id="76" name="Curved Connector 75">
-            <a:extLst>
-              <a:ext uri="{FF2B5EF4-FFF2-40B4-BE49-F238E27FC236}">
-                <a16:creationId xmlns:a16="http://schemas.microsoft.com/office/drawing/2014/main" id="{039CD442-36D9-E8F4-1240-6D20CB596C61}"/>
-              </a:ext>
-            </a:extLst>
-          </p:cNvPr>
-          <p:cNvCxnSpPr>
-            <a:stCxn id="9" idx="3"/>
-            <a:endCxn id="60" idx="1"/>
-          </p:cNvCxnSpPr>
-          <p:nvPr/>
-        </p:nvCxnSpPr>
-        <p:spPr>
-          <a:xfrm flipV="1">
-            <a:off x="3798060" y="721763"/>
-            <a:ext cx="247136" cy="337505"/>
-          </a:xfrm>
-          <a:prstGeom prst="curvedConnector3">
-            <a:avLst/>
-          </a:prstGeom>
-          <a:ln>
-            <a:solidFill>
-              <a:srgbClr val="7D3C46">
-                <a:alpha val="75000"/>
-              </a:srgbClr>
-            </a:solidFill>
-          </a:ln>
-        </p:spPr>
-        <p:style>
-          <a:lnRef idx="1">
-            <a:schemeClr val="accent1"/>
-          </a:lnRef>
-          <a:fillRef idx="0">
-            <a:schemeClr val="accent1"/>
-          </a:fillRef>
-          <a:effectRef idx="0">
-            <a:schemeClr val="accent1"/>
-          </a:effectRef>
-          <a:fontRef idx="minor">
-            <a:schemeClr val="tx1"/>
-          </a:fontRef>
-        </p:style>
-      </p:cxnSp>
-      <p:cxnSp>
-        <p:nvCxnSpPr>
-          <p:cNvPr id="78" name="Straight Arrow Connector 77">
-            <a:extLst>
-              <a:ext uri="{FF2B5EF4-FFF2-40B4-BE49-F238E27FC236}">
-                <a16:creationId xmlns:a16="http://schemas.microsoft.com/office/drawing/2014/main" id="{40568288-5F55-E9B8-2FAC-B22BB88C4CED}"/>
-              </a:ext>
-            </a:extLst>
-          </p:cNvPr>
-          <p:cNvCxnSpPr>
-            <a:stCxn id="64" idx="1"/>
-            <a:endCxn id="9" idx="1"/>
-          </p:cNvCxnSpPr>
-          <p:nvPr/>
-        </p:nvCxnSpPr>
-        <p:spPr>
-          <a:xfrm>
-            <a:off x="2708077" y="1059229"/>
-            <a:ext cx="81984" cy="39"/>
-          </a:xfrm>
-          <a:prstGeom prst="straightConnector1">
-            <a:avLst/>
-          </a:prstGeom>
-          <a:ln>
-            <a:solidFill>
-              <a:srgbClr val="7D3C46">
-                <a:alpha val="75000"/>
-              </a:srgbClr>
-            </a:solidFill>
-            <a:tailEnd type="triangle"/>
-          </a:ln>
-        </p:spPr>
-        <p:style>
-          <a:lnRef idx="1">
-            <a:schemeClr val="accent1"/>
-          </a:lnRef>
-          <a:fillRef idx="0">
-            <a:schemeClr val="accent1"/>
-          </a:fillRef>
-          <a:effectRef idx="0">
-            <a:schemeClr val="accent1"/>
-          </a:effectRef>
-          <a:fontRef idx="minor">
-            <a:schemeClr val="tx1"/>
-          </a:fontRef>
-        </p:style>
-      </p:cxnSp>
-      <p:sp>
-        <p:nvSpPr>
-          <p:cNvPr id="79" name="TextBox 78">
-            <a:extLst>
-              <a:ext uri="{FF2B5EF4-FFF2-40B4-BE49-F238E27FC236}">
-                <a16:creationId xmlns:a16="http://schemas.microsoft.com/office/drawing/2014/main" id="{71E456A9-CAAE-7C18-E845-9AF89DE85B4F}"/>
-              </a:ext>
-            </a:extLst>
-          </p:cNvPr>
-          <p:cNvSpPr txBox="1"/>
-          <p:nvPr/>
-        </p:nvSpPr>
-        <p:spPr>
-          <a:xfrm>
-            <a:off x="5242562" y="2692283"/>
-            <a:ext cx="1305386" cy="169277"/>
-          </a:xfrm>
-          <a:prstGeom prst="rect">
-            <a:avLst/>
-          </a:prstGeom>
-          <a:solidFill>
-            <a:srgbClr val="F4B9BE">
-              <a:alpha val="49804"/>
-            </a:srgbClr>
-          </a:solidFill>
-          <a:ln>
+            <a:ln>
+              <a:noFill/>
+            </a:ln>
+          </p:spPr>
+          <p:style>
+            <a:lnRef idx="2">
+              <a:schemeClr val="accent6"/>
+            </a:lnRef>
+            <a:fillRef idx="1">
+              <a:schemeClr val="lt1"/>
+            </a:fillRef>
+            <a:effectRef idx="0">
+              <a:schemeClr val="accent6"/>
+            </a:effectRef>
+            <a:fontRef idx="minor">
+              <a:schemeClr val="dk1"/>
+            </a:fontRef>
+          </p:style>
+          <p:txBody>
+            <a:bodyPr rtlCol="0" anchor="ctr"/>
+            <a:lstStyle/>
+            <a:p>
+              <a:pPr algn="ctr"/>
+              <a:endParaRPr lang="en-US"/>
+            </a:p>
+          </p:txBody>
+        </p:sp>
+        <p:sp>
+          <p:nvSpPr>
+            <p:cNvPr id="64" name="Rectangle 63">
+              <a:extLst>
+                <a:ext uri="{FF2B5EF4-FFF2-40B4-BE49-F238E27FC236}">
+                  <a16:creationId xmlns:a16="http://schemas.microsoft.com/office/drawing/2014/main" id="{8B92D35A-E36C-A999-6FEB-8A78245AAFE0}"/>
+                </a:ext>
+              </a:extLst>
+            </p:cNvPr>
+            <p:cNvSpPr/>
+            <p:nvPr/>
+          </p:nvSpPr>
+          <p:spPr>
+            <a:xfrm>
+              <a:off x="2645613" y="1568084"/>
+              <a:ext cx="77426" cy="169200"/>
+            </a:xfrm>
+            <a:prstGeom prst="rect">
+              <a:avLst/>
+            </a:prstGeom>
             <a:noFill/>
-          </a:ln>
-        </p:spPr>
-        <p:txBody>
-          <a:bodyPr wrap="square" lIns="36000" rIns="36000" rtlCol="0">
-            <a:spAutoFit/>
-          </a:bodyPr>
-          <a:lstStyle/>
-          <a:p>
-            <a:pPr algn="ctr"/>
-            <a:r>
-              <a:rPr lang="en-US" sz="500" dirty="0">
-                <a:latin typeface="Arial" panose="020B0604020202020204" pitchFamily="34" charset="0"/>
-                <a:cs typeface="Arial" panose="020B0604020202020204" pitchFamily="34" charset="0"/>
-              </a:rPr>
-              <a:t>A “specifically defined” genomic alteration</a:t>
-            </a:r>
-          </a:p>
-        </p:txBody>
-      </p:sp>
-      <p:sp>
-        <p:nvSpPr>
-          <p:cNvPr id="80" name="TextBox 79">
-            <a:extLst>
-              <a:ext uri="{FF2B5EF4-FFF2-40B4-BE49-F238E27FC236}">
-                <a16:creationId xmlns:a16="http://schemas.microsoft.com/office/drawing/2014/main" id="{7A5328EE-0F39-26A2-501B-E687E8027B5F}"/>
-              </a:ext>
-            </a:extLst>
-          </p:cNvPr>
-          <p:cNvSpPr txBox="1"/>
-          <p:nvPr/>
-        </p:nvSpPr>
-        <p:spPr>
-          <a:xfrm>
-            <a:off x="5242562" y="2873500"/>
-            <a:ext cx="1305386" cy="169277"/>
-          </a:xfrm>
-          <a:prstGeom prst="rect">
-            <a:avLst/>
-          </a:prstGeom>
-          <a:solidFill>
-            <a:srgbClr val="CF5C86">
-              <a:alpha val="49804"/>
-            </a:srgbClr>
-          </a:solidFill>
-          <a:ln>
+            <a:ln>
+              <a:noFill/>
+            </a:ln>
+          </p:spPr>
+          <p:style>
+            <a:lnRef idx="2">
+              <a:schemeClr val="accent6"/>
+            </a:lnRef>
+            <a:fillRef idx="1">
+              <a:schemeClr val="lt1"/>
+            </a:fillRef>
+            <a:effectRef idx="0">
+              <a:schemeClr val="accent6"/>
+            </a:effectRef>
+            <a:fontRef idx="minor">
+              <a:schemeClr val="dk1"/>
+            </a:fontRef>
+          </p:style>
+          <p:txBody>
+            <a:bodyPr rtlCol="0" anchor="ctr"/>
+            <a:lstStyle/>
+            <a:p>
+              <a:pPr algn="ctr"/>
+              <a:endParaRPr lang="en-US"/>
+            </a:p>
+          </p:txBody>
+        </p:sp>
+        <p:cxnSp>
+          <p:nvCxnSpPr>
+            <p:cNvPr id="68" name="Curved Connector 67">
+              <a:extLst>
+                <a:ext uri="{FF2B5EF4-FFF2-40B4-BE49-F238E27FC236}">
+                  <a16:creationId xmlns:a16="http://schemas.microsoft.com/office/drawing/2014/main" id="{AF92620E-DAAE-043A-4F03-43F19F6DB9C6}"/>
+                </a:ext>
+              </a:extLst>
+            </p:cNvPr>
+            <p:cNvCxnSpPr>
+              <a:cxnSpLocks/>
+              <a:stCxn id="4" idx="3"/>
+            </p:cNvCxnSpPr>
+            <p:nvPr/>
+          </p:nvCxnSpPr>
+          <p:spPr>
+            <a:xfrm flipV="1">
+              <a:off x="1070467" y="1990151"/>
+              <a:ext cx="247136" cy="336963"/>
+            </a:xfrm>
+            <a:prstGeom prst="curvedConnector3">
+              <a:avLst/>
+            </a:prstGeom>
+            <a:ln>
+              <a:solidFill>
+                <a:srgbClr val="7D3C46">
+                  <a:alpha val="75000"/>
+                </a:srgbClr>
+              </a:solidFill>
+            </a:ln>
+          </p:spPr>
+          <p:style>
+            <a:lnRef idx="1">
+              <a:schemeClr val="dk1"/>
+            </a:lnRef>
+            <a:fillRef idx="0">
+              <a:schemeClr val="dk1"/>
+            </a:fillRef>
+            <a:effectRef idx="0">
+              <a:schemeClr val="dk1"/>
+            </a:effectRef>
+            <a:fontRef idx="minor">
+              <a:schemeClr val="tx1"/>
+            </a:fontRef>
+          </p:style>
+        </p:cxnSp>
+        <p:cxnSp>
+          <p:nvCxnSpPr>
+            <p:cNvPr id="70" name="Curved Connector 69">
+              <a:extLst>
+                <a:ext uri="{FF2B5EF4-FFF2-40B4-BE49-F238E27FC236}">
+                  <a16:creationId xmlns:a16="http://schemas.microsoft.com/office/drawing/2014/main" id="{1AC2272F-1211-94E7-8220-B83078CC09A8}"/>
+                </a:ext>
+              </a:extLst>
+            </p:cNvPr>
+            <p:cNvCxnSpPr>
+              <a:cxnSpLocks/>
+              <a:stCxn id="7" idx="3"/>
+            </p:cNvCxnSpPr>
+            <p:nvPr/>
+          </p:nvCxnSpPr>
+          <p:spPr>
+            <a:xfrm flipV="1">
+              <a:off x="2403034" y="1315220"/>
+              <a:ext cx="247134" cy="337505"/>
+            </a:xfrm>
+            <a:prstGeom prst="curvedConnector3">
+              <a:avLst/>
+            </a:prstGeom>
+            <a:ln>
+              <a:solidFill>
+                <a:srgbClr val="7D3C46">
+                  <a:alpha val="75000"/>
+                </a:srgbClr>
+              </a:solidFill>
+            </a:ln>
+          </p:spPr>
+          <p:style>
+            <a:lnRef idx="1">
+              <a:schemeClr val="dk1"/>
+            </a:lnRef>
+            <a:fillRef idx="0">
+              <a:schemeClr val="dk1"/>
+            </a:fillRef>
+            <a:effectRef idx="0">
+              <a:schemeClr val="dk1"/>
+            </a:effectRef>
+            <a:fontRef idx="minor">
+              <a:schemeClr val="tx1"/>
+            </a:fontRef>
+          </p:style>
+        </p:cxnSp>
+        <p:cxnSp>
+          <p:nvCxnSpPr>
+            <p:cNvPr id="72" name="Curved Connector 71">
+              <a:extLst>
+                <a:ext uri="{FF2B5EF4-FFF2-40B4-BE49-F238E27FC236}">
+                  <a16:creationId xmlns:a16="http://schemas.microsoft.com/office/drawing/2014/main" id="{9D6C1DD4-5F03-5B59-0C67-BE4CA4B1F950}"/>
+                </a:ext>
+              </a:extLst>
+            </p:cNvPr>
+            <p:cNvCxnSpPr>
+              <a:cxnSpLocks/>
+              <a:stCxn id="39" idx="3"/>
+              <a:endCxn id="64" idx="1"/>
+            </p:cNvCxnSpPr>
+            <p:nvPr/>
+          </p:nvCxnSpPr>
+          <p:spPr>
+            <a:xfrm flipV="1">
+              <a:off x="2403034" y="1652684"/>
+              <a:ext cx="242581" cy="337504"/>
+            </a:xfrm>
+            <a:prstGeom prst="curvedConnector3">
+              <a:avLst/>
+            </a:prstGeom>
+            <a:ln>
+              <a:solidFill>
+                <a:srgbClr val="7D3C46">
+                  <a:alpha val="75000"/>
+                </a:srgbClr>
+              </a:solidFill>
+            </a:ln>
+          </p:spPr>
+          <p:style>
+            <a:lnRef idx="1">
+              <a:schemeClr val="dk1"/>
+            </a:lnRef>
+            <a:fillRef idx="0">
+              <a:schemeClr val="dk1"/>
+            </a:fillRef>
+            <a:effectRef idx="0">
+              <a:schemeClr val="dk1"/>
+            </a:effectRef>
+            <a:fontRef idx="minor">
+              <a:schemeClr val="tx1"/>
+            </a:fontRef>
+          </p:style>
+        </p:cxnSp>
+        <p:cxnSp>
+          <p:nvCxnSpPr>
+            <p:cNvPr id="76" name="Curved Connector 75">
+              <a:extLst>
+                <a:ext uri="{FF2B5EF4-FFF2-40B4-BE49-F238E27FC236}">
+                  <a16:creationId xmlns:a16="http://schemas.microsoft.com/office/drawing/2014/main" id="{039CD442-36D9-E8F4-1240-6D20CB596C61}"/>
+                </a:ext>
+              </a:extLst>
+            </p:cNvPr>
+            <p:cNvCxnSpPr>
+              <a:stCxn id="9" idx="3"/>
+              <a:endCxn id="60" idx="1"/>
+            </p:cNvCxnSpPr>
+            <p:nvPr/>
+          </p:nvCxnSpPr>
+          <p:spPr>
+            <a:xfrm flipV="1">
+              <a:off x="3735596" y="1315220"/>
+              <a:ext cx="247136" cy="337505"/>
+            </a:xfrm>
+            <a:prstGeom prst="curvedConnector3">
+              <a:avLst/>
+            </a:prstGeom>
+            <a:ln>
+              <a:solidFill>
+                <a:srgbClr val="7D3C46">
+                  <a:alpha val="75000"/>
+                </a:srgbClr>
+              </a:solidFill>
+            </a:ln>
+          </p:spPr>
+          <p:style>
+            <a:lnRef idx="1">
+              <a:schemeClr val="accent1"/>
+            </a:lnRef>
+            <a:fillRef idx="0">
+              <a:schemeClr val="accent1"/>
+            </a:fillRef>
+            <a:effectRef idx="0">
+              <a:schemeClr val="accent1"/>
+            </a:effectRef>
+            <a:fontRef idx="minor">
+              <a:schemeClr val="tx1"/>
+            </a:fontRef>
+          </p:style>
+        </p:cxnSp>
+        <p:cxnSp>
+          <p:nvCxnSpPr>
+            <p:cNvPr id="78" name="Straight Arrow Connector 77">
+              <a:extLst>
+                <a:ext uri="{FF2B5EF4-FFF2-40B4-BE49-F238E27FC236}">
+                  <a16:creationId xmlns:a16="http://schemas.microsoft.com/office/drawing/2014/main" id="{40568288-5F55-E9B8-2FAC-B22BB88C4CED}"/>
+                </a:ext>
+              </a:extLst>
+            </p:cNvPr>
+            <p:cNvCxnSpPr>
+              <a:stCxn id="64" idx="1"/>
+              <a:endCxn id="9" idx="1"/>
+            </p:cNvCxnSpPr>
+            <p:nvPr/>
+          </p:nvCxnSpPr>
+          <p:spPr>
+            <a:xfrm>
+              <a:off x="2645613" y="1652686"/>
+              <a:ext cx="81984" cy="39"/>
+            </a:xfrm>
+            <a:prstGeom prst="straightConnector1">
+              <a:avLst/>
+            </a:prstGeom>
+            <a:ln>
+              <a:solidFill>
+                <a:srgbClr val="7D3C46">
+                  <a:alpha val="75000"/>
+                </a:srgbClr>
+              </a:solidFill>
+              <a:tailEnd type="triangle"/>
+            </a:ln>
+          </p:spPr>
+          <p:style>
+            <a:lnRef idx="1">
+              <a:schemeClr val="accent1"/>
+            </a:lnRef>
+            <a:fillRef idx="0">
+              <a:schemeClr val="accent1"/>
+            </a:fillRef>
+            <a:effectRef idx="0">
+              <a:schemeClr val="accent1"/>
+            </a:effectRef>
+            <a:fontRef idx="minor">
+              <a:schemeClr val="tx1"/>
+            </a:fontRef>
+          </p:style>
+        </p:cxnSp>
+        <p:sp>
+          <p:nvSpPr>
+            <p:cNvPr id="81" name="TextBox 80">
+              <a:extLst>
+                <a:ext uri="{FF2B5EF4-FFF2-40B4-BE49-F238E27FC236}">
+                  <a16:creationId xmlns:a16="http://schemas.microsoft.com/office/drawing/2014/main" id="{9FAEC6C5-E0D7-6E3A-CCF2-97FC7F3154D5}"/>
+                </a:ext>
+              </a:extLst>
+            </p:cNvPr>
+            <p:cNvSpPr txBox="1"/>
+            <p:nvPr/>
+          </p:nvSpPr>
+          <p:spPr>
+            <a:xfrm>
+              <a:off x="5096347" y="2875562"/>
+              <a:ext cx="1304382" cy="169277"/>
+            </a:xfrm>
+            <a:prstGeom prst="rect">
+              <a:avLst/>
+            </a:prstGeom>
             <a:noFill/>
-          </a:ln>
-        </p:spPr>
-        <p:txBody>
-          <a:bodyPr wrap="square" lIns="36000" rIns="36000" rtlCol="0">
-            <a:spAutoFit/>
-          </a:bodyPr>
-          <a:lstStyle/>
-          <a:p>
-            <a:pPr algn="ctr"/>
-            <a:r>
-              <a:rPr lang="en-US" sz="500" dirty="0">
-                <a:latin typeface="Arial" panose="020B0604020202020204" pitchFamily="34" charset="0"/>
-                <a:cs typeface="Arial" panose="020B0604020202020204" pitchFamily="34" charset="0"/>
-              </a:rPr>
-              <a:t>A broadly defined set of genomic alterations</a:t>
-            </a:r>
-          </a:p>
-        </p:txBody>
-      </p:sp>
-      <p:sp>
-        <p:nvSpPr>
-          <p:cNvPr id="81" name="TextBox 80">
-            <a:extLst>
-              <a:ext uri="{FF2B5EF4-FFF2-40B4-BE49-F238E27FC236}">
-                <a16:creationId xmlns:a16="http://schemas.microsoft.com/office/drawing/2014/main" id="{9FAEC6C5-E0D7-6E3A-CCF2-97FC7F3154D5}"/>
-              </a:ext>
-            </a:extLst>
-          </p:cNvPr>
-          <p:cNvSpPr txBox="1"/>
-          <p:nvPr/>
-        </p:nvSpPr>
-        <p:spPr>
-          <a:xfrm>
-            <a:off x="5243566" y="2511066"/>
-            <a:ext cx="1304382" cy="169277"/>
-          </a:xfrm>
-          <a:prstGeom prst="rect">
-            <a:avLst/>
-          </a:prstGeom>
-          <a:noFill/>
-          <a:ln>
+            <a:ln>
+              <a:noFill/>
+            </a:ln>
+          </p:spPr>
+          <p:txBody>
+            <a:bodyPr wrap="square" lIns="36000" rIns="36000" rtlCol="0">
+              <a:spAutoFit/>
+            </a:bodyPr>
+            <a:lstStyle/>
+            <a:p>
+              <a:pPr algn="ctr"/>
+              <a:r>
+                <a:rPr lang="en-US" sz="500" dirty="0">
+                  <a:latin typeface="Arial" panose="020B0604020202020204" pitchFamily="34" charset="0"/>
+                  <a:cs typeface="Arial" panose="020B0604020202020204" pitchFamily="34" charset="0"/>
+                </a:rPr>
+                <a:t>* for patients with non-small cell lung cancer</a:t>
+              </a:r>
+            </a:p>
+          </p:txBody>
+        </p:sp>
+        <p:sp>
+          <p:nvSpPr>
+            <p:cNvPr id="19" name="TextBox 18">
+              <a:extLst>
+                <a:ext uri="{FF2B5EF4-FFF2-40B4-BE49-F238E27FC236}">
+                  <a16:creationId xmlns:a16="http://schemas.microsoft.com/office/drawing/2014/main" id="{24C331C0-BF52-9D4F-FFF6-235B7B269563}"/>
+                </a:ext>
+              </a:extLst>
+            </p:cNvPr>
+            <p:cNvSpPr txBox="1"/>
+            <p:nvPr/>
+          </p:nvSpPr>
+          <p:spPr>
+            <a:xfrm rot="18936829">
+              <a:off x="2354044" y="1844348"/>
+              <a:ext cx="491393" cy="169277"/>
+            </a:xfrm>
+            <a:prstGeom prst="rect">
+              <a:avLst/>
+            </a:prstGeom>
             <a:noFill/>
-          </a:ln>
-        </p:spPr>
-        <p:txBody>
-          <a:bodyPr wrap="square" lIns="36000" rIns="36000" rtlCol="0">
-            <a:spAutoFit/>
-          </a:bodyPr>
-          <a:lstStyle/>
-          <a:p>
-            <a:pPr algn="ctr"/>
-            <a:r>
-              <a:rPr lang="en-US" sz="500" dirty="0">
-                <a:latin typeface="Arial" panose="020B0604020202020204" pitchFamily="34" charset="0"/>
-                <a:cs typeface="Arial" panose="020B0604020202020204" pitchFamily="34" charset="0"/>
-              </a:rPr>
-              <a:t>* for patients with non-small cell lung cancer</a:t>
-            </a:r>
-          </a:p>
-        </p:txBody>
-      </p:sp>
+            <a:ln w="6350">
+              <a:noFill/>
+              <a:prstDash val="dash"/>
+            </a:ln>
+          </p:spPr>
+          <p:txBody>
+            <a:bodyPr wrap="square" lIns="36000" rIns="36000" rtlCol="0">
+              <a:spAutoFit/>
+            </a:bodyPr>
+            <a:lstStyle/>
+            <a:p>
+              <a:pPr algn="ctr"/>
+              <a:r>
+                <a:rPr lang="en-US" sz="500" dirty="0">
+                  <a:latin typeface="Arial" panose="020B0604020202020204" pitchFamily="34" charset="0"/>
+                  <a:cs typeface="Arial" panose="020B0604020202020204" pitchFamily="34" charset="0"/>
+                </a:rPr>
+                <a:t>Translates to</a:t>
+              </a:r>
+            </a:p>
+          </p:txBody>
+        </p:sp>
+        <p:sp>
+          <p:nvSpPr>
+            <p:cNvPr id="21" name="TextBox 20">
+              <a:extLst>
+                <a:ext uri="{FF2B5EF4-FFF2-40B4-BE49-F238E27FC236}">
+                  <a16:creationId xmlns:a16="http://schemas.microsoft.com/office/drawing/2014/main" id="{530DDF64-7A5F-CD22-D4E0-E6D58921ECD7}"/>
+                </a:ext>
+              </a:extLst>
+            </p:cNvPr>
+            <p:cNvSpPr txBox="1"/>
+            <p:nvPr/>
+          </p:nvSpPr>
+          <p:spPr>
+            <a:xfrm rot="18936829">
+              <a:off x="3698933" y="1504470"/>
+              <a:ext cx="491393" cy="169277"/>
+            </a:xfrm>
+            <a:prstGeom prst="rect">
+              <a:avLst/>
+            </a:prstGeom>
+            <a:noFill/>
+            <a:ln w="6350">
+              <a:noFill/>
+              <a:prstDash val="dash"/>
+            </a:ln>
+          </p:spPr>
+          <p:txBody>
+            <a:bodyPr wrap="square" lIns="36000" rIns="36000" rtlCol="0">
+              <a:spAutoFit/>
+            </a:bodyPr>
+            <a:lstStyle/>
+            <a:p>
+              <a:pPr algn="ctr"/>
+              <a:r>
+                <a:rPr lang="en-US" sz="500" dirty="0">
+                  <a:latin typeface="Arial" panose="020B0604020202020204" pitchFamily="34" charset="0"/>
+                  <a:cs typeface="Arial" panose="020B0604020202020204" pitchFamily="34" charset="0"/>
+                </a:rPr>
+                <a:t>Member of</a:t>
+              </a:r>
+            </a:p>
+          </p:txBody>
+        </p:sp>
+      </p:grpSp>
     </p:spTree>
     <p:extLst>
       <p:ext uri="{BB962C8B-B14F-4D97-AF65-F5344CB8AC3E}">

--- a/figures/fig-1/fig-1.pptx
+++ b/figures/fig-1/fig-1.pptx
@@ -197,7 +197,7 @@
           <a:p>
             <a:fld id="{D56CEF8C-C275-5B4D-A6F9-44239AED55DF}" type="datetimeFigureOut">
               <a:rPr lang="en-US" smtClean="0"/>
-              <a:t>9/23/25</a:t>
+              <a:t>9/24/25</a:t>
             </a:fld>
             <a:endParaRPr lang="en-US"/>
           </a:p>
@@ -684,7 +684,7 @@
           <a:p>
             <a:fld id="{FE14D9E9-5EC3-D444-8E38-E43C59FC4D54}" type="datetimeFigureOut">
               <a:rPr lang="en-US" smtClean="0"/>
-              <a:t>9/23/25</a:t>
+              <a:t>9/24/25</a:t>
             </a:fld>
             <a:endParaRPr lang="en-US"/>
           </a:p>
@@ -854,7 +854,7 @@
           <a:p>
             <a:fld id="{FE14D9E9-5EC3-D444-8E38-E43C59FC4D54}" type="datetimeFigureOut">
               <a:rPr lang="en-US" smtClean="0"/>
-              <a:t>9/23/25</a:t>
+              <a:t>9/24/25</a:t>
             </a:fld>
             <a:endParaRPr lang="en-US"/>
           </a:p>
@@ -1034,7 +1034,7 @@
           <a:p>
             <a:fld id="{FE14D9E9-5EC3-D444-8E38-E43C59FC4D54}" type="datetimeFigureOut">
               <a:rPr lang="en-US" smtClean="0"/>
-              <a:t>9/23/25</a:t>
+              <a:t>9/24/25</a:t>
             </a:fld>
             <a:endParaRPr lang="en-US"/>
           </a:p>
@@ -1204,7 +1204,7 @@
           <a:p>
             <a:fld id="{FE14D9E9-5EC3-D444-8E38-E43C59FC4D54}" type="datetimeFigureOut">
               <a:rPr lang="en-US" smtClean="0"/>
-              <a:t>9/23/25</a:t>
+              <a:t>9/24/25</a:t>
             </a:fld>
             <a:endParaRPr lang="en-US"/>
           </a:p>
@@ -1450,7 +1450,7 @@
           <a:p>
             <a:fld id="{FE14D9E9-5EC3-D444-8E38-E43C59FC4D54}" type="datetimeFigureOut">
               <a:rPr lang="en-US" smtClean="0"/>
-              <a:t>9/23/25</a:t>
+              <a:t>9/24/25</a:t>
             </a:fld>
             <a:endParaRPr lang="en-US"/>
           </a:p>
@@ -1682,7 +1682,7 @@
           <a:p>
             <a:fld id="{FE14D9E9-5EC3-D444-8E38-E43C59FC4D54}" type="datetimeFigureOut">
               <a:rPr lang="en-US" smtClean="0"/>
-              <a:t>9/23/25</a:t>
+              <a:t>9/24/25</a:t>
             </a:fld>
             <a:endParaRPr lang="en-US"/>
           </a:p>
@@ -2049,7 +2049,7 @@
           <a:p>
             <a:fld id="{FE14D9E9-5EC3-D444-8E38-E43C59FC4D54}" type="datetimeFigureOut">
               <a:rPr lang="en-US" smtClean="0"/>
-              <a:t>9/23/25</a:t>
+              <a:t>9/24/25</a:t>
             </a:fld>
             <a:endParaRPr lang="en-US"/>
           </a:p>
@@ -2167,7 +2167,7 @@
           <a:p>
             <a:fld id="{FE14D9E9-5EC3-D444-8E38-E43C59FC4D54}" type="datetimeFigureOut">
               <a:rPr lang="en-US" smtClean="0"/>
-              <a:t>9/23/25</a:t>
+              <a:t>9/24/25</a:t>
             </a:fld>
             <a:endParaRPr lang="en-US"/>
           </a:p>
@@ -2262,7 +2262,7 @@
           <a:p>
             <a:fld id="{FE14D9E9-5EC3-D444-8E38-E43C59FC4D54}" type="datetimeFigureOut">
               <a:rPr lang="en-US" smtClean="0"/>
-              <a:t>9/23/25</a:t>
+              <a:t>9/24/25</a:t>
             </a:fld>
             <a:endParaRPr lang="en-US"/>
           </a:p>
@@ -2539,7 +2539,7 @@
           <a:p>
             <a:fld id="{FE14D9E9-5EC3-D444-8E38-E43C59FC4D54}" type="datetimeFigureOut">
               <a:rPr lang="en-US" smtClean="0"/>
-              <a:t>9/23/25</a:t>
+              <a:t>9/24/25</a:t>
             </a:fld>
             <a:endParaRPr lang="en-US"/>
           </a:p>
@@ -2796,7 +2796,7 @@
           <a:p>
             <a:fld id="{FE14D9E9-5EC3-D444-8E38-E43C59FC4D54}" type="datetimeFigureOut">
               <a:rPr lang="en-US" smtClean="0"/>
-              <a:t>9/23/25</a:t>
+              <a:t>9/24/25</a:t>
             </a:fld>
             <a:endParaRPr lang="en-US"/>
           </a:p>
@@ -3009,7 +3009,7 @@
           <a:p>
             <a:fld id="{FE14D9E9-5EC3-D444-8E38-E43C59FC4D54}" type="datetimeFigureOut">
               <a:rPr lang="en-US" smtClean="0"/>
-              <a:t>9/23/25</a:t>
+              <a:t>9/24/25</a:t>
             </a:fld>
             <a:endParaRPr lang="en-US"/>
           </a:p>
@@ -3416,10 +3416,10 @@
       </p:grpSpPr>
       <p:grpSp>
         <p:nvGrpSpPr>
-          <p:cNvPr id="28" name="Group 27">
+          <p:cNvPr id="29" name="Group 28">
             <a:extLst>
               <a:ext uri="{FF2B5EF4-FFF2-40B4-BE49-F238E27FC236}">
-                <a16:creationId xmlns:a16="http://schemas.microsoft.com/office/drawing/2014/main" id="{56607096-CFC2-85B5-90FE-2AAB7EA0A106}"/>
+                <a16:creationId xmlns:a16="http://schemas.microsoft.com/office/drawing/2014/main" id="{1879FEAA-0A4F-5526-0660-865578141E59}"/>
               </a:ext>
             </a:extLst>
           </p:cNvPr>
@@ -3430,16 +3430,1970 @@
           <a:xfrm>
             <a:off x="124929" y="80313"/>
             <a:ext cx="6338266" cy="2216711"/>
-            <a:chOff x="62464" y="828129"/>
+            <a:chOff x="124929" y="80313"/>
             <a:chExt cx="6338266" cy="2216711"/>
           </a:xfrm>
         </p:grpSpPr>
+        <p:grpSp>
+          <p:nvGrpSpPr>
+            <p:cNvPr id="28" name="Group 27">
+              <a:extLst>
+                <a:ext uri="{FF2B5EF4-FFF2-40B4-BE49-F238E27FC236}">
+                  <a16:creationId xmlns:a16="http://schemas.microsoft.com/office/drawing/2014/main" id="{56607096-CFC2-85B5-90FE-2AAB7EA0A106}"/>
+                </a:ext>
+              </a:extLst>
+            </p:cNvPr>
+            <p:cNvGrpSpPr/>
+            <p:nvPr/>
+          </p:nvGrpSpPr>
+          <p:grpSpPr>
+            <a:xfrm>
+              <a:off x="124929" y="80313"/>
+              <a:ext cx="6338266" cy="2216711"/>
+              <a:chOff x="62464" y="828129"/>
+              <a:chExt cx="6338266" cy="2216711"/>
+            </a:xfrm>
+          </p:grpSpPr>
+          <p:sp>
+            <p:nvSpPr>
+              <p:cNvPr id="2" name="TextBox 1">
+                <a:extLst>
+                  <a:ext uri="{FF2B5EF4-FFF2-40B4-BE49-F238E27FC236}">
+                    <a16:creationId xmlns:a16="http://schemas.microsoft.com/office/drawing/2014/main" id="{9EE20482-83F3-E704-19BC-C7CA6E0219D4}"/>
+                  </a:ext>
+                </a:extLst>
+              </p:cNvPr>
+              <p:cNvSpPr txBox="1"/>
+              <p:nvPr/>
+            </p:nvSpPr>
+            <p:spPr>
+              <a:xfrm>
+                <a:off x="62471" y="1230620"/>
+                <a:ext cx="1007999" cy="169277"/>
+              </a:xfrm>
+              <a:prstGeom prst="rect">
+                <a:avLst/>
+              </a:prstGeom>
+              <a:solidFill>
+                <a:srgbClr val="F4B9BE">
+                  <a:alpha val="49804"/>
+                </a:srgbClr>
+              </a:solidFill>
+              <a:ln>
+                <a:noFill/>
+              </a:ln>
+            </p:spPr>
+            <p:txBody>
+              <a:bodyPr wrap="square" lIns="36000" rIns="36000" rtlCol="0">
+                <a:spAutoFit/>
+              </a:bodyPr>
+              <a:lstStyle/>
+              <a:p>
+                <a:pPr algn="ctr"/>
+                <a:r>
+                  <a:rPr lang="en-US" sz="500" dirty="0">
+                    <a:latin typeface="Arial" panose="020B0604020202020204" pitchFamily="34" charset="0"/>
+                    <a:cs typeface="Arial" panose="020B0604020202020204" pitchFamily="34" charset="0"/>
+                  </a:rPr>
+                  <a:t>chr7:g.55174772_55174786del </a:t>
+                </a:r>
+              </a:p>
+            </p:txBody>
+          </p:sp>
+          <p:sp>
+            <p:nvSpPr>
+              <p:cNvPr id="5" name="TextBox 4">
+                <a:extLst>
+                  <a:ext uri="{FF2B5EF4-FFF2-40B4-BE49-F238E27FC236}">
+                    <a16:creationId xmlns:a16="http://schemas.microsoft.com/office/drawing/2014/main" id="{D24020EF-DAE7-7580-1A27-3A677A2952E8}"/>
+                  </a:ext>
+                </a:extLst>
+              </p:cNvPr>
+              <p:cNvSpPr txBox="1"/>
+              <p:nvPr/>
+            </p:nvSpPr>
+            <p:spPr>
+              <a:xfrm>
+                <a:off x="62471" y="1568086"/>
+                <a:ext cx="1007999" cy="169277"/>
+              </a:xfrm>
+              <a:prstGeom prst="rect">
+                <a:avLst/>
+              </a:prstGeom>
+              <a:solidFill>
+                <a:srgbClr val="F4B9BE">
+                  <a:alpha val="49804"/>
+                </a:srgbClr>
+              </a:solidFill>
+              <a:ln>
+                <a:noFill/>
+              </a:ln>
+            </p:spPr>
+            <p:txBody>
+              <a:bodyPr wrap="square" lIns="36000" rIns="36000" rtlCol="0">
+                <a:spAutoFit/>
+              </a:bodyPr>
+              <a:lstStyle/>
+              <a:p>
+                <a:pPr algn="ctr"/>
+                <a:r>
+                  <a:rPr lang="en-US" sz="500" dirty="0">
+                    <a:latin typeface="Arial" panose="020B0604020202020204" pitchFamily="34" charset="0"/>
+                    <a:cs typeface="Arial" panose="020B0604020202020204" pitchFamily="34" charset="0"/>
+                  </a:rPr>
+                  <a:t>chr7:g.55174773_55174787del </a:t>
+                </a:r>
+              </a:p>
+            </p:txBody>
+          </p:sp>
+          <p:sp>
+            <p:nvSpPr>
+              <p:cNvPr id="6" name="TextBox 5">
+                <a:extLst>
+                  <a:ext uri="{FF2B5EF4-FFF2-40B4-BE49-F238E27FC236}">
+                    <a16:creationId xmlns:a16="http://schemas.microsoft.com/office/drawing/2014/main" id="{84C94FAF-6BF8-88A2-F9EC-DBC082CAEDFC}"/>
+                  </a:ext>
+                </a:extLst>
+              </p:cNvPr>
+              <p:cNvSpPr txBox="1"/>
+              <p:nvPr/>
+            </p:nvSpPr>
+            <p:spPr>
+              <a:xfrm>
+                <a:off x="1395036" y="1230620"/>
+                <a:ext cx="1007999" cy="169277"/>
+              </a:xfrm>
+              <a:prstGeom prst="rect">
+                <a:avLst/>
+              </a:prstGeom>
+              <a:solidFill>
+                <a:srgbClr val="F4B9BE">
+                  <a:alpha val="49804"/>
+                </a:srgbClr>
+              </a:solidFill>
+              <a:ln>
+                <a:noFill/>
+              </a:ln>
+            </p:spPr>
+            <p:txBody>
+              <a:bodyPr wrap="square" lIns="36000" rIns="36000" rtlCol="0">
+                <a:spAutoFit/>
+              </a:bodyPr>
+              <a:lstStyle/>
+              <a:p>
+                <a:pPr algn="ctr"/>
+                <a:r>
+                  <a:rPr lang="en-US" sz="500" dirty="0">
+                    <a:latin typeface="Arial" panose="020B0604020202020204" pitchFamily="34" charset="0"/>
+                    <a:cs typeface="Arial" panose="020B0604020202020204" pitchFamily="34" charset="0"/>
+                  </a:rPr>
+                  <a:t>NM_005228.5:c.2235_2249del</a:t>
+                </a:r>
+              </a:p>
+            </p:txBody>
+          </p:sp>
+          <p:sp>
+            <p:nvSpPr>
+              <p:cNvPr id="7" name="TextBox 6">
+                <a:extLst>
+                  <a:ext uri="{FF2B5EF4-FFF2-40B4-BE49-F238E27FC236}">
+                    <a16:creationId xmlns:a16="http://schemas.microsoft.com/office/drawing/2014/main" id="{50705F86-3F87-DDA7-EA53-07B81A7B400C}"/>
+                  </a:ext>
+                </a:extLst>
+              </p:cNvPr>
+              <p:cNvSpPr txBox="1"/>
+              <p:nvPr/>
+            </p:nvSpPr>
+            <p:spPr>
+              <a:xfrm>
+                <a:off x="1395037" y="1568086"/>
+                <a:ext cx="1007999" cy="169277"/>
+              </a:xfrm>
+              <a:prstGeom prst="rect">
+                <a:avLst/>
+              </a:prstGeom>
+              <a:solidFill>
+                <a:srgbClr val="F4B9BE">
+                  <a:alpha val="49804"/>
+                </a:srgbClr>
+              </a:solidFill>
+              <a:ln>
+                <a:noFill/>
+              </a:ln>
+            </p:spPr>
+            <p:txBody>
+              <a:bodyPr wrap="square" lIns="36000" rIns="36000" rtlCol="0">
+                <a:spAutoFit/>
+              </a:bodyPr>
+              <a:lstStyle/>
+              <a:p>
+                <a:pPr algn="ctr"/>
+                <a:r>
+                  <a:rPr lang="en-US" sz="500" dirty="0">
+                    <a:latin typeface="Arial" panose="020B0604020202020204" pitchFamily="34" charset="0"/>
+                    <a:cs typeface="Arial" panose="020B0604020202020204" pitchFamily="34" charset="0"/>
+                  </a:rPr>
+                  <a:t>NM_005228.5:c.2236_2250del</a:t>
+                </a:r>
+              </a:p>
+            </p:txBody>
+          </p:sp>
+          <p:sp>
+            <p:nvSpPr>
+              <p:cNvPr id="8" name="TextBox 7">
+                <a:extLst>
+                  <a:ext uri="{FF2B5EF4-FFF2-40B4-BE49-F238E27FC236}">
+                    <a16:creationId xmlns:a16="http://schemas.microsoft.com/office/drawing/2014/main" id="{48668156-FF50-48D8-827E-D270CE87599C}"/>
+                  </a:ext>
+                </a:extLst>
+              </p:cNvPr>
+              <p:cNvSpPr txBox="1"/>
+              <p:nvPr/>
+            </p:nvSpPr>
+            <p:spPr>
+              <a:xfrm>
+                <a:off x="2727601" y="1230620"/>
+                <a:ext cx="1007999" cy="169277"/>
+              </a:xfrm>
+              <a:prstGeom prst="rect">
+                <a:avLst/>
+              </a:prstGeom>
+              <a:solidFill>
+                <a:srgbClr val="F4B9BE">
+                  <a:alpha val="49804"/>
+                </a:srgbClr>
+              </a:solidFill>
+              <a:ln>
+                <a:noFill/>
+              </a:ln>
+            </p:spPr>
+            <p:txBody>
+              <a:bodyPr wrap="square" lIns="36000" rIns="36000" rtlCol="0">
+                <a:spAutoFit/>
+              </a:bodyPr>
+              <a:lstStyle/>
+              <a:p>
+                <a:pPr algn="ctr"/>
+                <a:r>
+                  <a:rPr lang="en-US" sz="500" dirty="0">
+                    <a:latin typeface="Arial" panose="020B0604020202020204" pitchFamily="34" charset="0"/>
+                    <a:cs typeface="Arial" panose="020B0604020202020204" pitchFamily="34" charset="0"/>
+                  </a:rPr>
+                  <a:t>NP_005219.2:p.E746_A750del</a:t>
+                </a:r>
+              </a:p>
+            </p:txBody>
+          </p:sp>
+          <p:sp>
+            <p:nvSpPr>
+              <p:cNvPr id="9" name="TextBox 8">
+                <a:extLst>
+                  <a:ext uri="{FF2B5EF4-FFF2-40B4-BE49-F238E27FC236}">
+                    <a16:creationId xmlns:a16="http://schemas.microsoft.com/office/drawing/2014/main" id="{77075C77-B677-3A1B-3EDE-A1AE597830BD}"/>
+                  </a:ext>
+                </a:extLst>
+              </p:cNvPr>
+              <p:cNvSpPr txBox="1"/>
+              <p:nvPr/>
+            </p:nvSpPr>
+            <p:spPr>
+              <a:xfrm>
+                <a:off x="2727599" y="1568086"/>
+                <a:ext cx="1007999" cy="169277"/>
+              </a:xfrm>
+              <a:prstGeom prst="rect">
+                <a:avLst/>
+              </a:prstGeom>
+              <a:solidFill>
+                <a:srgbClr val="F4B9BE">
+                  <a:alpha val="50000"/>
+                </a:srgbClr>
+              </a:solidFill>
+              <a:ln w="6350">
+                <a:noFill/>
+                <a:prstDash val="dash"/>
+              </a:ln>
+            </p:spPr>
+            <p:txBody>
+              <a:bodyPr wrap="square" lIns="36000" rIns="36000" rtlCol="0">
+                <a:spAutoFit/>
+              </a:bodyPr>
+              <a:lstStyle/>
+              <a:p>
+                <a:pPr algn="ctr"/>
+                <a:r>
+                  <a:rPr lang="en-US" sz="500" dirty="0">
+                    <a:latin typeface="Arial" panose="020B0604020202020204" pitchFamily="34" charset="0"/>
+                    <a:cs typeface="Arial" panose="020B0604020202020204" pitchFamily="34" charset="0"/>
+                  </a:rPr>
+                  <a:t>NP_005219.2:p.L747_T751del</a:t>
+                </a:r>
+              </a:p>
+            </p:txBody>
+          </p:sp>
+          <p:sp>
+            <p:nvSpPr>
+              <p:cNvPr id="10" name="TextBox 9">
+                <a:extLst>
+                  <a:ext uri="{FF2B5EF4-FFF2-40B4-BE49-F238E27FC236}">
+                    <a16:creationId xmlns:a16="http://schemas.microsoft.com/office/drawing/2014/main" id="{0A958154-89D9-64ED-1D25-FDD01538E651}"/>
+                  </a:ext>
+                </a:extLst>
+              </p:cNvPr>
+              <p:cNvSpPr txBox="1"/>
+              <p:nvPr/>
+            </p:nvSpPr>
+            <p:spPr>
+              <a:xfrm>
+                <a:off x="4060166" y="1230620"/>
+                <a:ext cx="1007999" cy="169277"/>
+              </a:xfrm>
+              <a:prstGeom prst="rect">
+                <a:avLst/>
+              </a:prstGeom>
+              <a:solidFill>
+                <a:srgbClr val="CF5C86">
+                  <a:alpha val="49804"/>
+                </a:srgbClr>
+              </a:solidFill>
+              <a:ln>
+                <a:noFill/>
+              </a:ln>
+            </p:spPr>
+            <p:txBody>
+              <a:bodyPr wrap="square" lIns="36000" rIns="36000" rtlCol="0">
+                <a:spAutoFit/>
+              </a:bodyPr>
+              <a:lstStyle/>
+              <a:p>
+                <a:pPr algn="ctr"/>
+                <a:r>
+                  <a:rPr lang="en-US" sz="500" i="1" dirty="0">
+                    <a:latin typeface="Arial" panose="020B0604020202020204" pitchFamily="34" charset="0"/>
+                    <a:cs typeface="Arial" panose="020B0604020202020204" pitchFamily="34" charset="0"/>
+                  </a:rPr>
+                  <a:t>EGFR</a:t>
+                </a:r>
+                <a:r>
+                  <a:rPr lang="en-US" sz="500" dirty="0">
+                    <a:latin typeface="Arial" panose="020B0604020202020204" pitchFamily="34" charset="0"/>
+                    <a:cs typeface="Arial" panose="020B0604020202020204" pitchFamily="34" charset="0"/>
+                  </a:rPr>
+                  <a:t> exon 19 deletion</a:t>
+                </a:r>
+              </a:p>
+            </p:txBody>
+          </p:sp>
+          <p:sp>
+            <p:nvSpPr>
+              <p:cNvPr id="11" name="TextBox 10">
+                <a:extLst>
+                  <a:ext uri="{FF2B5EF4-FFF2-40B4-BE49-F238E27FC236}">
+                    <a16:creationId xmlns:a16="http://schemas.microsoft.com/office/drawing/2014/main" id="{CB4250BE-9C57-45BE-1786-D1FE5FF820F9}"/>
+                  </a:ext>
+                </a:extLst>
+              </p:cNvPr>
+              <p:cNvSpPr txBox="1"/>
+              <p:nvPr/>
+            </p:nvSpPr>
+            <p:spPr>
+              <a:xfrm>
+                <a:off x="5392731" y="1230620"/>
+                <a:ext cx="1007999" cy="169277"/>
+              </a:xfrm>
+              <a:prstGeom prst="rect">
+                <a:avLst/>
+              </a:prstGeom>
+              <a:solidFill>
+                <a:srgbClr val="867DCE">
+                  <a:alpha val="50196"/>
+                </a:srgbClr>
+              </a:solidFill>
+            </p:spPr>
+            <p:txBody>
+              <a:bodyPr wrap="square" lIns="36000" rIns="36000" rtlCol="0">
+                <a:spAutoFit/>
+              </a:bodyPr>
+              <a:lstStyle/>
+              <a:p>
+                <a:pPr algn="ctr"/>
+                <a:r>
+                  <a:rPr lang="en-US" sz="500" dirty="0">
+                    <a:latin typeface="Arial" panose="020B0604020202020204" pitchFamily="34" charset="0"/>
+                    <a:cs typeface="Arial" panose="020B0604020202020204" pitchFamily="34" charset="0"/>
+                  </a:rPr>
+                  <a:t>Response to Dacomitinib*</a:t>
+                </a:r>
+              </a:p>
+            </p:txBody>
+          </p:sp>
+          <p:sp>
+            <p:nvSpPr>
+              <p:cNvPr id="12" name="TextBox 11">
+                <a:extLst>
+                  <a:ext uri="{FF2B5EF4-FFF2-40B4-BE49-F238E27FC236}">
+                    <a16:creationId xmlns:a16="http://schemas.microsoft.com/office/drawing/2014/main" id="{D0416FCA-63E8-0776-1540-D8DD552AA940}"/>
+                  </a:ext>
+                </a:extLst>
+              </p:cNvPr>
+              <p:cNvSpPr txBox="1"/>
+              <p:nvPr/>
+            </p:nvSpPr>
+            <p:spPr>
+              <a:xfrm>
+                <a:off x="5392730" y="1568086"/>
+                <a:ext cx="1007999" cy="169277"/>
+              </a:xfrm>
+              <a:prstGeom prst="rect">
+                <a:avLst/>
+              </a:prstGeom>
+              <a:solidFill>
+                <a:srgbClr val="867DCE">
+                  <a:alpha val="50196"/>
+                </a:srgbClr>
+              </a:solidFill>
+            </p:spPr>
+            <p:txBody>
+              <a:bodyPr wrap="square" lIns="36000" rIns="36000" rtlCol="0">
+                <a:spAutoFit/>
+              </a:bodyPr>
+              <a:lstStyle/>
+              <a:p>
+                <a:pPr algn="ctr"/>
+                <a:r>
+                  <a:rPr lang="en-US" sz="500" dirty="0">
+                    <a:latin typeface="Arial" panose="020B0604020202020204" pitchFamily="34" charset="0"/>
+                    <a:cs typeface="Arial" panose="020B0604020202020204" pitchFamily="34" charset="0"/>
+                  </a:rPr>
+                  <a:t>Response to Erlotinib*</a:t>
+                </a:r>
+              </a:p>
+            </p:txBody>
+          </p:sp>
+          <p:sp>
+            <p:nvSpPr>
+              <p:cNvPr id="13" name="TextBox 12">
+                <a:extLst>
+                  <a:ext uri="{FF2B5EF4-FFF2-40B4-BE49-F238E27FC236}">
+                    <a16:creationId xmlns:a16="http://schemas.microsoft.com/office/drawing/2014/main" id="{DAAF8117-CD47-8768-DC7C-A7CDFB7B4C28}"/>
+                  </a:ext>
+                </a:extLst>
+              </p:cNvPr>
+              <p:cNvSpPr txBox="1"/>
+              <p:nvPr/>
+            </p:nvSpPr>
+            <p:spPr>
+              <a:xfrm>
+                <a:off x="5392730" y="1905552"/>
+                <a:ext cx="1007999" cy="169277"/>
+              </a:xfrm>
+              <a:prstGeom prst="rect">
+                <a:avLst/>
+              </a:prstGeom>
+              <a:solidFill>
+                <a:srgbClr val="867DCE">
+                  <a:alpha val="50196"/>
+                </a:srgbClr>
+              </a:solidFill>
+            </p:spPr>
+            <p:txBody>
+              <a:bodyPr wrap="square" rtlCol="0">
+                <a:spAutoFit/>
+              </a:bodyPr>
+              <a:lstStyle/>
+              <a:p>
+                <a:pPr algn="ctr"/>
+                <a:r>
+                  <a:rPr lang="en-US" sz="500" dirty="0">
+                    <a:latin typeface="Arial" panose="020B0604020202020204" pitchFamily="34" charset="0"/>
+                    <a:cs typeface="Arial" panose="020B0604020202020204" pitchFamily="34" charset="0"/>
+                  </a:rPr>
+                  <a:t>Response to Osimertinib*</a:t>
+                </a:r>
+              </a:p>
+            </p:txBody>
+          </p:sp>
+          <p:sp>
+            <p:nvSpPr>
+              <p:cNvPr id="14" name="TextBox 13">
+                <a:extLst>
+                  <a:ext uri="{FF2B5EF4-FFF2-40B4-BE49-F238E27FC236}">
+                    <a16:creationId xmlns:a16="http://schemas.microsoft.com/office/drawing/2014/main" id="{BB9B28AA-0297-BEF1-74E5-5E89CDAFBAF2}"/>
+                  </a:ext>
+                </a:extLst>
+              </p:cNvPr>
+              <p:cNvSpPr txBox="1"/>
+              <p:nvPr/>
+            </p:nvSpPr>
+            <p:spPr>
+              <a:xfrm>
+                <a:off x="62470" y="1905552"/>
+                <a:ext cx="1007999" cy="169277"/>
+              </a:xfrm>
+              <a:prstGeom prst="rect">
+                <a:avLst/>
+              </a:prstGeom>
+              <a:solidFill>
+                <a:srgbClr val="F4B9BE">
+                  <a:alpha val="50000"/>
+                </a:srgbClr>
+              </a:solidFill>
+              <a:ln w="6350">
+                <a:noFill/>
+                <a:prstDash val="dash"/>
+              </a:ln>
+            </p:spPr>
+            <p:txBody>
+              <a:bodyPr wrap="square" lIns="36000" rIns="36000" rtlCol="0">
+                <a:spAutoFit/>
+              </a:bodyPr>
+              <a:lstStyle/>
+              <a:p>
+                <a:pPr algn="ctr"/>
+                <a:r>
+                  <a:rPr lang="en-US" sz="500" dirty="0">
+                    <a:latin typeface="Arial" panose="020B0604020202020204" pitchFamily="34" charset="0"/>
+                    <a:cs typeface="Arial" panose="020B0604020202020204" pitchFamily="34" charset="0"/>
+                  </a:rPr>
+                  <a:t>chr7:g.55174775_55174789del </a:t>
+                </a:r>
+              </a:p>
+            </p:txBody>
+          </p:sp>
+          <p:cxnSp>
+            <p:nvCxnSpPr>
+              <p:cNvPr id="18" name="Straight Arrow Connector 17">
+                <a:extLst>
+                  <a:ext uri="{FF2B5EF4-FFF2-40B4-BE49-F238E27FC236}">
+                    <a16:creationId xmlns:a16="http://schemas.microsoft.com/office/drawing/2014/main" id="{50031A52-D40A-5D7D-D75A-658F64957F17}"/>
+                  </a:ext>
+                </a:extLst>
+              </p:cNvPr>
+              <p:cNvCxnSpPr>
+                <a:cxnSpLocks/>
+                <a:stCxn id="2" idx="3"/>
+                <a:endCxn id="6" idx="1"/>
+              </p:cNvCxnSpPr>
+              <p:nvPr/>
+            </p:nvCxnSpPr>
+            <p:spPr>
+              <a:xfrm>
+                <a:off x="1070468" y="1315257"/>
+                <a:ext cx="324566" cy="0"/>
+              </a:xfrm>
+              <a:prstGeom prst="straightConnector1">
+                <a:avLst/>
+              </a:prstGeom>
+              <a:ln>
+                <a:solidFill>
+                  <a:srgbClr val="7D3C46">
+                    <a:alpha val="74902"/>
+                  </a:srgbClr>
+                </a:solidFill>
+                <a:tailEnd type="triangle"/>
+              </a:ln>
+            </p:spPr>
+            <p:style>
+              <a:lnRef idx="1">
+                <a:schemeClr val="dk1"/>
+              </a:lnRef>
+              <a:fillRef idx="0">
+                <a:schemeClr val="dk1"/>
+              </a:fillRef>
+              <a:effectRef idx="0">
+                <a:schemeClr val="dk1"/>
+              </a:effectRef>
+              <a:fontRef idx="minor">
+                <a:schemeClr val="tx1"/>
+              </a:fontRef>
+            </p:style>
+          </p:cxnSp>
+          <p:cxnSp>
+            <p:nvCxnSpPr>
+              <p:cNvPr id="20" name="Straight Arrow Connector 19">
+                <a:extLst>
+                  <a:ext uri="{FF2B5EF4-FFF2-40B4-BE49-F238E27FC236}">
+                    <a16:creationId xmlns:a16="http://schemas.microsoft.com/office/drawing/2014/main" id="{6B276836-0882-5A4A-D8BB-AE1B8169256C}"/>
+                  </a:ext>
+                </a:extLst>
+              </p:cNvPr>
+              <p:cNvCxnSpPr>
+                <a:cxnSpLocks/>
+                <a:stCxn id="5" idx="3"/>
+                <a:endCxn id="7" idx="1"/>
+              </p:cNvCxnSpPr>
+              <p:nvPr/>
+            </p:nvCxnSpPr>
+            <p:spPr>
+              <a:xfrm>
+                <a:off x="1070470" y="1652723"/>
+                <a:ext cx="324567" cy="0"/>
+              </a:xfrm>
+              <a:prstGeom prst="straightConnector1">
+                <a:avLst/>
+              </a:prstGeom>
+              <a:ln>
+                <a:solidFill>
+                  <a:srgbClr val="7D3C46">
+                    <a:alpha val="74902"/>
+                  </a:srgbClr>
+                </a:solidFill>
+                <a:tailEnd type="triangle"/>
+              </a:ln>
+            </p:spPr>
+            <p:style>
+              <a:lnRef idx="1">
+                <a:schemeClr val="dk1"/>
+              </a:lnRef>
+              <a:fillRef idx="0">
+                <a:schemeClr val="dk1"/>
+              </a:fillRef>
+              <a:effectRef idx="0">
+                <a:schemeClr val="dk1"/>
+              </a:effectRef>
+              <a:fontRef idx="minor">
+                <a:schemeClr val="tx1"/>
+              </a:fontRef>
+            </p:style>
+          </p:cxnSp>
+          <p:cxnSp>
+            <p:nvCxnSpPr>
+              <p:cNvPr id="22" name="Straight Arrow Connector 21">
+                <a:extLst>
+                  <a:ext uri="{FF2B5EF4-FFF2-40B4-BE49-F238E27FC236}">
+                    <a16:creationId xmlns:a16="http://schemas.microsoft.com/office/drawing/2014/main" id="{6574F2FB-7BB7-FE24-6B06-90C80B07D74A}"/>
+                  </a:ext>
+                </a:extLst>
+              </p:cNvPr>
+              <p:cNvCxnSpPr>
+                <a:stCxn id="6" idx="3"/>
+                <a:endCxn id="8" idx="1"/>
+              </p:cNvCxnSpPr>
+              <p:nvPr/>
+            </p:nvCxnSpPr>
+            <p:spPr>
+              <a:xfrm>
+                <a:off x="2403033" y="1315257"/>
+                <a:ext cx="324566" cy="0"/>
+              </a:xfrm>
+              <a:prstGeom prst="straightConnector1">
+                <a:avLst/>
+              </a:prstGeom>
+              <a:ln>
+                <a:solidFill>
+                  <a:srgbClr val="7D3C46">
+                    <a:alpha val="74902"/>
+                  </a:srgbClr>
+                </a:solidFill>
+                <a:tailEnd type="triangle"/>
+              </a:ln>
+            </p:spPr>
+            <p:style>
+              <a:lnRef idx="1">
+                <a:schemeClr val="dk1"/>
+              </a:lnRef>
+              <a:fillRef idx="0">
+                <a:schemeClr val="dk1"/>
+              </a:fillRef>
+              <a:effectRef idx="0">
+                <a:schemeClr val="dk1"/>
+              </a:effectRef>
+              <a:fontRef idx="minor">
+                <a:schemeClr val="tx1"/>
+              </a:fontRef>
+            </p:style>
+          </p:cxnSp>
+          <p:cxnSp>
+            <p:nvCxnSpPr>
+              <p:cNvPr id="24" name="Straight Arrow Connector 23">
+                <a:extLst>
+                  <a:ext uri="{FF2B5EF4-FFF2-40B4-BE49-F238E27FC236}">
+                    <a16:creationId xmlns:a16="http://schemas.microsoft.com/office/drawing/2014/main" id="{DB132889-9CA6-6E55-D684-3A2D6336C838}"/>
+                  </a:ext>
+                </a:extLst>
+              </p:cNvPr>
+              <p:cNvCxnSpPr>
+                <a:stCxn id="8" idx="3"/>
+                <a:endCxn id="10" idx="1"/>
+              </p:cNvCxnSpPr>
+              <p:nvPr/>
+            </p:nvCxnSpPr>
+            <p:spPr>
+              <a:xfrm>
+                <a:off x="3735598" y="1315257"/>
+                <a:ext cx="324566" cy="0"/>
+              </a:xfrm>
+              <a:prstGeom prst="straightConnector1">
+                <a:avLst/>
+              </a:prstGeom>
+              <a:ln>
+                <a:solidFill>
+                  <a:srgbClr val="7D3C46">
+                    <a:alpha val="74902"/>
+                  </a:srgbClr>
+                </a:solidFill>
+                <a:tailEnd type="triangle"/>
+              </a:ln>
+            </p:spPr>
+            <p:style>
+              <a:lnRef idx="1">
+                <a:schemeClr val="dk1"/>
+              </a:lnRef>
+              <a:fillRef idx="0">
+                <a:schemeClr val="dk1"/>
+              </a:fillRef>
+              <a:effectRef idx="0">
+                <a:schemeClr val="dk1"/>
+              </a:effectRef>
+              <a:fontRef idx="minor">
+                <a:schemeClr val="tx1"/>
+              </a:fontRef>
+            </p:style>
+          </p:cxnSp>
+          <p:cxnSp>
+            <p:nvCxnSpPr>
+              <p:cNvPr id="26" name="Straight Arrow Connector 25">
+                <a:extLst>
+                  <a:ext uri="{FF2B5EF4-FFF2-40B4-BE49-F238E27FC236}">
+                    <a16:creationId xmlns:a16="http://schemas.microsoft.com/office/drawing/2014/main" id="{5905B411-71EA-E5F5-12F2-88491E2B361B}"/>
+                  </a:ext>
+                </a:extLst>
+              </p:cNvPr>
+              <p:cNvCxnSpPr>
+                <a:cxnSpLocks/>
+                <a:stCxn id="10" idx="3"/>
+                <a:endCxn id="11" idx="1"/>
+              </p:cNvCxnSpPr>
+              <p:nvPr/>
+            </p:nvCxnSpPr>
+            <p:spPr>
+              <a:xfrm>
+                <a:off x="5068163" y="1315257"/>
+                <a:ext cx="324566" cy="0"/>
+              </a:xfrm>
+              <a:prstGeom prst="straightConnector1">
+                <a:avLst/>
+              </a:prstGeom>
+              <a:ln>
+                <a:solidFill>
+                  <a:srgbClr val="7D3C46">
+                    <a:alpha val="74902"/>
+                  </a:srgbClr>
+                </a:solidFill>
+                <a:tailEnd type="triangle"/>
+              </a:ln>
+            </p:spPr>
+            <p:style>
+              <a:lnRef idx="1">
+                <a:schemeClr val="dk1"/>
+              </a:lnRef>
+              <a:fillRef idx="0">
+                <a:schemeClr val="dk1"/>
+              </a:fillRef>
+              <a:effectRef idx="0">
+                <a:schemeClr val="dk1"/>
+              </a:effectRef>
+              <a:fontRef idx="minor">
+                <a:schemeClr val="tx1"/>
+              </a:fontRef>
+            </p:style>
+          </p:cxnSp>
+          <p:cxnSp>
+            <p:nvCxnSpPr>
+              <p:cNvPr id="36" name="Curved Connector 35">
+                <a:extLst>
+                  <a:ext uri="{FF2B5EF4-FFF2-40B4-BE49-F238E27FC236}">
+                    <a16:creationId xmlns:a16="http://schemas.microsoft.com/office/drawing/2014/main" id="{56CB475F-6E25-7A89-EC46-AD322B78064E}"/>
+                  </a:ext>
+                </a:extLst>
+              </p:cNvPr>
+              <p:cNvCxnSpPr>
+                <a:cxnSpLocks/>
+                <a:stCxn id="10" idx="3"/>
+                <a:endCxn id="12" idx="1"/>
+              </p:cNvCxnSpPr>
+              <p:nvPr/>
+            </p:nvCxnSpPr>
+            <p:spPr>
+              <a:xfrm>
+                <a:off x="5068165" y="1315257"/>
+                <a:ext cx="324565" cy="337466"/>
+              </a:xfrm>
+              <a:prstGeom prst="curvedConnector3">
+                <a:avLst/>
+              </a:prstGeom>
+              <a:ln>
+                <a:solidFill>
+                  <a:srgbClr val="7D3C46">
+                    <a:alpha val="74902"/>
+                  </a:srgbClr>
+                </a:solidFill>
+                <a:tailEnd type="triangle"/>
+              </a:ln>
+            </p:spPr>
+            <p:style>
+              <a:lnRef idx="1">
+                <a:schemeClr val="dk1"/>
+              </a:lnRef>
+              <a:fillRef idx="0">
+                <a:schemeClr val="dk1"/>
+              </a:fillRef>
+              <a:effectRef idx="0">
+                <a:schemeClr val="dk1"/>
+              </a:effectRef>
+              <a:fontRef idx="minor">
+                <a:schemeClr val="tx1"/>
+              </a:fontRef>
+            </p:style>
+          </p:cxnSp>
+          <p:cxnSp>
+            <p:nvCxnSpPr>
+              <p:cNvPr id="38" name="Curved Connector 37">
+                <a:extLst>
+                  <a:ext uri="{FF2B5EF4-FFF2-40B4-BE49-F238E27FC236}">
+                    <a16:creationId xmlns:a16="http://schemas.microsoft.com/office/drawing/2014/main" id="{8C4BD1FA-0EB2-F894-B650-D6B6887977F1}"/>
+                  </a:ext>
+                </a:extLst>
+              </p:cNvPr>
+              <p:cNvCxnSpPr>
+                <a:cxnSpLocks/>
+                <a:stCxn id="10" idx="3"/>
+                <a:endCxn id="13" idx="1"/>
+              </p:cNvCxnSpPr>
+              <p:nvPr/>
+            </p:nvCxnSpPr>
+            <p:spPr>
+              <a:xfrm>
+                <a:off x="5068165" y="1315257"/>
+                <a:ext cx="324565" cy="674932"/>
+              </a:xfrm>
+              <a:prstGeom prst="curvedConnector3">
+                <a:avLst/>
+              </a:prstGeom>
+              <a:ln>
+                <a:solidFill>
+                  <a:srgbClr val="7D3C46">
+                    <a:alpha val="74902"/>
+                  </a:srgbClr>
+                </a:solidFill>
+                <a:tailEnd type="triangle"/>
+              </a:ln>
+            </p:spPr>
+            <p:style>
+              <a:lnRef idx="1">
+                <a:schemeClr val="dk1"/>
+              </a:lnRef>
+              <a:fillRef idx="0">
+                <a:schemeClr val="dk1"/>
+              </a:fillRef>
+              <a:effectRef idx="0">
+                <a:schemeClr val="dk1"/>
+              </a:effectRef>
+              <a:fontRef idx="minor">
+                <a:schemeClr val="tx1"/>
+              </a:fontRef>
+            </p:style>
+          </p:cxnSp>
+          <p:sp>
+            <p:nvSpPr>
+              <p:cNvPr id="39" name="TextBox 38">
+                <a:extLst>
+                  <a:ext uri="{FF2B5EF4-FFF2-40B4-BE49-F238E27FC236}">
+                    <a16:creationId xmlns:a16="http://schemas.microsoft.com/office/drawing/2014/main" id="{41457D82-6642-A0B5-2232-313792B23C04}"/>
+                  </a:ext>
+                </a:extLst>
+              </p:cNvPr>
+              <p:cNvSpPr txBox="1"/>
+              <p:nvPr/>
+            </p:nvSpPr>
+            <p:spPr>
+              <a:xfrm>
+                <a:off x="1395035" y="1905551"/>
+                <a:ext cx="1007999" cy="169277"/>
+              </a:xfrm>
+              <a:prstGeom prst="rect">
+                <a:avLst/>
+              </a:prstGeom>
+              <a:solidFill>
+                <a:srgbClr val="F4B9BE">
+                  <a:alpha val="50000"/>
+                </a:srgbClr>
+              </a:solidFill>
+              <a:ln w="6350">
+                <a:noFill/>
+                <a:prstDash val="dash"/>
+              </a:ln>
+            </p:spPr>
+            <p:txBody>
+              <a:bodyPr wrap="square" lIns="36000" rIns="36000" rtlCol="0">
+                <a:spAutoFit/>
+              </a:bodyPr>
+              <a:lstStyle/>
+              <a:p>
+                <a:pPr algn="ctr"/>
+                <a:r>
+                  <a:rPr lang="en-US" sz="500" dirty="0">
+                    <a:latin typeface="Arial" panose="020B0604020202020204" pitchFamily="34" charset="0"/>
+                    <a:cs typeface="Arial" panose="020B0604020202020204" pitchFamily="34" charset="0"/>
+                  </a:rPr>
+                  <a:t>NM_005228.5:c.2240_2254del</a:t>
+                </a:r>
+              </a:p>
+            </p:txBody>
+          </p:sp>
+          <p:cxnSp>
+            <p:nvCxnSpPr>
+              <p:cNvPr id="44" name="Straight Arrow Connector 43">
+                <a:extLst>
+                  <a:ext uri="{FF2B5EF4-FFF2-40B4-BE49-F238E27FC236}">
+                    <a16:creationId xmlns:a16="http://schemas.microsoft.com/office/drawing/2014/main" id="{DE514F6A-3928-0558-CC02-4D606C790DD0}"/>
+                  </a:ext>
+                </a:extLst>
+              </p:cNvPr>
+              <p:cNvCxnSpPr>
+                <a:cxnSpLocks/>
+                <a:stCxn id="14" idx="3"/>
+                <a:endCxn id="39" idx="1"/>
+              </p:cNvCxnSpPr>
+              <p:nvPr/>
+            </p:nvCxnSpPr>
+            <p:spPr>
+              <a:xfrm flipV="1">
+                <a:off x="1070467" y="1990190"/>
+                <a:ext cx="324566" cy="1"/>
+              </a:xfrm>
+              <a:prstGeom prst="straightConnector1">
+                <a:avLst/>
+              </a:prstGeom>
+              <a:ln>
+                <a:solidFill>
+                  <a:srgbClr val="7D3C46">
+                    <a:alpha val="75000"/>
+                  </a:srgbClr>
+                </a:solidFill>
+                <a:tailEnd type="triangle"/>
+              </a:ln>
+            </p:spPr>
+            <p:style>
+              <a:lnRef idx="1">
+                <a:schemeClr val="dk1"/>
+              </a:lnRef>
+              <a:fillRef idx="0">
+                <a:schemeClr val="dk1"/>
+              </a:fillRef>
+              <a:effectRef idx="0">
+                <a:schemeClr val="dk1"/>
+              </a:effectRef>
+              <a:fontRef idx="minor">
+                <a:schemeClr val="tx1"/>
+              </a:fontRef>
+            </p:style>
+          </p:cxnSp>
+          <p:sp>
+            <p:nvSpPr>
+              <p:cNvPr id="54" name="TextBox 53">
+                <a:extLst>
+                  <a:ext uri="{FF2B5EF4-FFF2-40B4-BE49-F238E27FC236}">
+                    <a16:creationId xmlns:a16="http://schemas.microsoft.com/office/drawing/2014/main" id="{9C84E535-D658-5A31-612E-EE68B09A4513}"/>
+                  </a:ext>
+                </a:extLst>
+              </p:cNvPr>
+              <p:cNvSpPr txBox="1"/>
+              <p:nvPr/>
+            </p:nvSpPr>
+            <p:spPr>
+              <a:xfrm>
+                <a:off x="62470" y="2474216"/>
+                <a:ext cx="5005693" cy="184120"/>
+              </a:xfrm>
+              <a:prstGeom prst="rect">
+                <a:avLst/>
+              </a:prstGeom>
+              <a:noFill/>
+              <a:ln>
+                <a:noFill/>
+              </a:ln>
+            </p:spPr>
+            <p:txBody>
+              <a:bodyPr wrap="square" rtlCol="0">
+                <a:spAutoFit/>
+              </a:bodyPr>
+              <a:lstStyle/>
+              <a:p>
+                <a:pPr algn="ctr"/>
+                <a:r>
+                  <a:rPr lang="en-US" sz="600" dirty="0">
+                    <a:latin typeface="Arial" panose="020B0604020202020204" pitchFamily="34" charset="0"/>
+                    <a:cs typeface="Arial" panose="020B0604020202020204" pitchFamily="34" charset="0"/>
+                  </a:rPr>
+                  <a:t>Categorical due to:</a:t>
+                </a:r>
+              </a:p>
+            </p:txBody>
+          </p:sp>
+          <p:sp>
+            <p:nvSpPr>
+              <p:cNvPr id="55" name="TextBox 54">
+                <a:extLst>
+                  <a:ext uri="{FF2B5EF4-FFF2-40B4-BE49-F238E27FC236}">
+                    <a16:creationId xmlns:a16="http://schemas.microsoft.com/office/drawing/2014/main" id="{411A0F2A-AC68-719D-2D75-5A31795C7B80}"/>
+                  </a:ext>
+                </a:extLst>
+              </p:cNvPr>
+              <p:cNvSpPr txBox="1"/>
+              <p:nvPr/>
+            </p:nvSpPr>
+            <p:spPr>
+              <a:xfrm>
+                <a:off x="62470" y="2675508"/>
+                <a:ext cx="1007999" cy="369332"/>
+              </a:xfrm>
+              <a:prstGeom prst="rect">
+                <a:avLst/>
+              </a:prstGeom>
+              <a:solidFill>
+                <a:srgbClr val="B78A12">
+                  <a:alpha val="25098"/>
+                </a:srgbClr>
+              </a:solidFill>
+            </p:spPr>
+            <p:txBody>
+              <a:bodyPr wrap="square" rtlCol="0">
+                <a:spAutoFit/>
+              </a:bodyPr>
+              <a:lstStyle/>
+              <a:p>
+                <a:pPr algn="ctr"/>
+                <a:r>
+                  <a:rPr lang="en-US" sz="600" dirty="0">
+                    <a:latin typeface="Arial" panose="020B0604020202020204" pitchFamily="34" charset="0"/>
+                    <a:cs typeface="Arial" panose="020B0604020202020204" pitchFamily="34" charset="0"/>
+                  </a:rPr>
+                  <a:t>Reference assemblies, insertion and deletion normalization</a:t>
+                </a:r>
+              </a:p>
+            </p:txBody>
+          </p:sp>
+          <p:sp>
+            <p:nvSpPr>
+              <p:cNvPr id="56" name="TextBox 55">
+                <a:extLst>
+                  <a:ext uri="{FF2B5EF4-FFF2-40B4-BE49-F238E27FC236}">
+                    <a16:creationId xmlns:a16="http://schemas.microsoft.com/office/drawing/2014/main" id="{808F9A0D-A939-6255-584C-60857390E4C5}"/>
+                  </a:ext>
+                </a:extLst>
+              </p:cNvPr>
+              <p:cNvSpPr txBox="1"/>
+              <p:nvPr/>
+            </p:nvSpPr>
+            <p:spPr>
+              <a:xfrm>
+                <a:off x="1395034" y="2675508"/>
+                <a:ext cx="1007999" cy="184666"/>
+              </a:xfrm>
+              <a:prstGeom prst="rect">
+                <a:avLst/>
+              </a:prstGeom>
+              <a:solidFill>
+                <a:srgbClr val="B78A12">
+                  <a:alpha val="25098"/>
+                </a:srgbClr>
+              </a:solidFill>
+            </p:spPr>
+            <p:txBody>
+              <a:bodyPr wrap="square" rtlCol="0">
+                <a:spAutoFit/>
+              </a:bodyPr>
+              <a:lstStyle/>
+              <a:p>
+                <a:pPr algn="ctr"/>
+                <a:r>
+                  <a:rPr lang="en-US" sz="600" dirty="0">
+                    <a:latin typeface="Arial" panose="020B0604020202020204" pitchFamily="34" charset="0"/>
+                    <a:cs typeface="Arial" panose="020B0604020202020204" pitchFamily="34" charset="0"/>
+                  </a:rPr>
+                  <a:t>Transcript choice</a:t>
+                </a:r>
+              </a:p>
+            </p:txBody>
+          </p:sp>
+          <p:sp>
+            <p:nvSpPr>
+              <p:cNvPr id="57" name="TextBox 56">
+                <a:extLst>
+                  <a:ext uri="{FF2B5EF4-FFF2-40B4-BE49-F238E27FC236}">
+                    <a16:creationId xmlns:a16="http://schemas.microsoft.com/office/drawing/2014/main" id="{CCCEE550-E9A4-2A61-F397-42257BCD24BF}"/>
+                  </a:ext>
+                </a:extLst>
+              </p:cNvPr>
+              <p:cNvSpPr txBox="1"/>
+              <p:nvPr/>
+            </p:nvSpPr>
+            <p:spPr>
+              <a:xfrm>
+                <a:off x="2727598" y="2675507"/>
+                <a:ext cx="1007999" cy="369332"/>
+              </a:xfrm>
+              <a:prstGeom prst="rect">
+                <a:avLst/>
+              </a:prstGeom>
+              <a:solidFill>
+                <a:srgbClr val="B78A12">
+                  <a:alpha val="25098"/>
+                </a:srgbClr>
+              </a:solidFill>
+            </p:spPr>
+            <p:txBody>
+              <a:bodyPr wrap="square" rtlCol="0">
+                <a:spAutoFit/>
+              </a:bodyPr>
+              <a:lstStyle/>
+              <a:p>
+                <a:pPr algn="ctr"/>
+                <a:r>
+                  <a:rPr lang="en-US" sz="600" dirty="0">
+                    <a:latin typeface="Arial" panose="020B0604020202020204" pitchFamily="34" charset="0"/>
+                    <a:cs typeface="Arial" panose="020B0604020202020204" pitchFamily="34" charset="0"/>
+                  </a:rPr>
+                  <a:t>Codon degeneracy, protein isoforms, frameshift normalization</a:t>
+                </a:r>
+              </a:p>
+            </p:txBody>
+          </p:sp>
+          <p:sp>
+            <p:nvSpPr>
+              <p:cNvPr id="58" name="TextBox 57">
+                <a:extLst>
+                  <a:ext uri="{FF2B5EF4-FFF2-40B4-BE49-F238E27FC236}">
+                    <a16:creationId xmlns:a16="http://schemas.microsoft.com/office/drawing/2014/main" id="{F6C6F662-FAAE-8DA4-727E-1A67CE46FAE0}"/>
+                  </a:ext>
+                </a:extLst>
+              </p:cNvPr>
+              <p:cNvSpPr txBox="1"/>
+              <p:nvPr/>
+            </p:nvSpPr>
+            <p:spPr>
+              <a:xfrm>
+                <a:off x="4060165" y="1857752"/>
+                <a:ext cx="1007999" cy="553998"/>
+              </a:xfrm>
+              <a:prstGeom prst="rect">
+                <a:avLst/>
+              </a:prstGeom>
+              <a:solidFill>
+                <a:srgbClr val="B78A12">
+                  <a:alpha val="25098"/>
+                </a:srgbClr>
+              </a:solidFill>
+            </p:spPr>
+            <p:txBody>
+              <a:bodyPr wrap="square" rtlCol="0">
+                <a:spAutoFit/>
+              </a:bodyPr>
+              <a:lstStyle/>
+              <a:p>
+                <a:pPr algn="ctr"/>
+                <a:r>
+                  <a:rPr lang="en-US" sz="600" dirty="0">
+                    <a:latin typeface="Arial" panose="020B0604020202020204" pitchFamily="34" charset="0"/>
+                    <a:cs typeface="Arial" panose="020B0604020202020204" pitchFamily="34" charset="0"/>
+                  </a:rPr>
+                  <a:t>Describes a discrete class of possible variation in the abstract, often representing sets of assayable alterations</a:t>
+                </a:r>
+              </a:p>
+            </p:txBody>
+          </p:sp>
+          <p:sp>
+            <p:nvSpPr>
+              <p:cNvPr id="59" name="TextBox 58">
+                <a:extLst>
+                  <a:ext uri="{FF2B5EF4-FFF2-40B4-BE49-F238E27FC236}">
+                    <a16:creationId xmlns:a16="http://schemas.microsoft.com/office/drawing/2014/main" id="{73E8C355-2A34-9C9D-E382-E75BE2185170}"/>
+                  </a:ext>
+                </a:extLst>
+              </p:cNvPr>
+              <p:cNvSpPr txBox="1"/>
+              <p:nvPr/>
+            </p:nvSpPr>
+            <p:spPr>
+              <a:xfrm>
+                <a:off x="5392730" y="1053647"/>
+                <a:ext cx="1007999" cy="184666"/>
+              </a:xfrm>
+              <a:prstGeom prst="rect">
+                <a:avLst/>
+              </a:prstGeom>
+              <a:noFill/>
+            </p:spPr>
+            <p:txBody>
+              <a:bodyPr wrap="square" rtlCol="0">
+                <a:spAutoFit/>
+              </a:bodyPr>
+              <a:lstStyle/>
+              <a:p>
+                <a:pPr algn="ctr"/>
+                <a:r>
+                  <a:rPr lang="en-US" sz="600" dirty="0">
+                    <a:latin typeface="Arial" panose="020B0604020202020204" pitchFamily="34" charset="0"/>
+                    <a:cs typeface="Arial" panose="020B0604020202020204" pitchFamily="34" charset="0"/>
+                  </a:rPr>
+                  <a:t>Genomic knowledge</a:t>
+                </a:r>
+              </a:p>
+            </p:txBody>
+          </p:sp>
+          <p:sp>
+            <p:nvSpPr>
+              <p:cNvPr id="61" name="TextBox 60">
+                <a:extLst>
+                  <a:ext uri="{FF2B5EF4-FFF2-40B4-BE49-F238E27FC236}">
+                    <a16:creationId xmlns:a16="http://schemas.microsoft.com/office/drawing/2014/main" id="{00EDC3DA-C94E-6EBD-8EF1-AC6EF4D0F982}"/>
+                  </a:ext>
+                </a:extLst>
+              </p:cNvPr>
+              <p:cNvSpPr txBox="1"/>
+              <p:nvPr/>
+            </p:nvSpPr>
+            <p:spPr>
+              <a:xfrm>
+                <a:off x="2727597" y="1049071"/>
+                <a:ext cx="1007999" cy="184666"/>
+              </a:xfrm>
+              <a:prstGeom prst="rect">
+                <a:avLst/>
+              </a:prstGeom>
+              <a:noFill/>
+            </p:spPr>
+            <p:txBody>
+              <a:bodyPr wrap="square" rtlCol="0">
+                <a:spAutoFit/>
+              </a:bodyPr>
+              <a:lstStyle/>
+              <a:p>
+                <a:pPr algn="ctr"/>
+                <a:r>
+                  <a:rPr lang="en-US" sz="600" dirty="0">
+                    <a:latin typeface="Arial" panose="020B0604020202020204" pitchFamily="34" charset="0"/>
+                    <a:cs typeface="Arial" panose="020B0604020202020204" pitchFamily="34" charset="0"/>
+                  </a:rPr>
+                  <a:t>HGVS Protein (p.)</a:t>
+                </a:r>
+              </a:p>
+            </p:txBody>
+          </p:sp>
+          <p:sp>
+            <p:nvSpPr>
+              <p:cNvPr id="62" name="TextBox 61">
+                <a:extLst>
+                  <a:ext uri="{FF2B5EF4-FFF2-40B4-BE49-F238E27FC236}">
+                    <a16:creationId xmlns:a16="http://schemas.microsoft.com/office/drawing/2014/main" id="{E8610847-0CDF-17F6-4E61-829170FB622C}"/>
+                  </a:ext>
+                </a:extLst>
+              </p:cNvPr>
+              <p:cNvSpPr txBox="1"/>
+              <p:nvPr/>
+            </p:nvSpPr>
+            <p:spPr>
+              <a:xfrm>
+                <a:off x="1395031" y="1053103"/>
+                <a:ext cx="1007999" cy="184666"/>
+              </a:xfrm>
+              <a:prstGeom prst="rect">
+                <a:avLst/>
+              </a:prstGeom>
+              <a:noFill/>
+            </p:spPr>
+            <p:txBody>
+              <a:bodyPr wrap="square" rtlCol="0">
+                <a:spAutoFit/>
+              </a:bodyPr>
+              <a:lstStyle/>
+              <a:p>
+                <a:pPr algn="ctr"/>
+                <a:r>
+                  <a:rPr lang="en-US" sz="600" dirty="0">
+                    <a:latin typeface="Arial" panose="020B0604020202020204" pitchFamily="34" charset="0"/>
+                    <a:cs typeface="Arial" panose="020B0604020202020204" pitchFamily="34" charset="0"/>
+                  </a:rPr>
+                  <a:t>HGVS Coding DNA (c.)</a:t>
+                </a:r>
+              </a:p>
+            </p:txBody>
+          </p:sp>
+          <p:sp>
+            <p:nvSpPr>
+              <p:cNvPr id="63" name="TextBox 62">
+                <a:extLst>
+                  <a:ext uri="{FF2B5EF4-FFF2-40B4-BE49-F238E27FC236}">
+                    <a16:creationId xmlns:a16="http://schemas.microsoft.com/office/drawing/2014/main" id="{F5D67200-6ECC-83F4-0B3F-27ABC48B7C79}"/>
+                  </a:ext>
+                </a:extLst>
+              </p:cNvPr>
+              <p:cNvSpPr txBox="1"/>
+              <p:nvPr/>
+            </p:nvSpPr>
+            <p:spPr>
+              <a:xfrm>
+                <a:off x="62464" y="1049071"/>
+                <a:ext cx="1007999" cy="184666"/>
+              </a:xfrm>
+              <a:prstGeom prst="rect">
+                <a:avLst/>
+              </a:prstGeom>
+              <a:noFill/>
+            </p:spPr>
+            <p:txBody>
+              <a:bodyPr wrap="square" rtlCol="0">
+                <a:spAutoFit/>
+              </a:bodyPr>
+              <a:lstStyle/>
+              <a:p>
+                <a:pPr algn="ctr"/>
+                <a:r>
+                  <a:rPr lang="en-US" sz="600" dirty="0">
+                    <a:latin typeface="Arial" panose="020B0604020202020204" pitchFamily="34" charset="0"/>
+                    <a:cs typeface="Arial" panose="020B0604020202020204" pitchFamily="34" charset="0"/>
+                  </a:rPr>
+                  <a:t>HGVS Genomic (g.)</a:t>
+                </a:r>
+              </a:p>
+            </p:txBody>
+          </p:sp>
+          <p:sp>
+            <p:nvSpPr>
+              <p:cNvPr id="65" name="TextBox 64">
+                <a:extLst>
+                  <a:ext uri="{FF2B5EF4-FFF2-40B4-BE49-F238E27FC236}">
+                    <a16:creationId xmlns:a16="http://schemas.microsoft.com/office/drawing/2014/main" id="{1414C298-01A0-C2CB-D4A2-2E033913A840}"/>
+                  </a:ext>
+                </a:extLst>
+              </p:cNvPr>
+              <p:cNvSpPr txBox="1"/>
+              <p:nvPr/>
+            </p:nvSpPr>
+            <p:spPr>
+              <a:xfrm>
+                <a:off x="1417639" y="828129"/>
+                <a:ext cx="3627917" cy="200055"/>
+              </a:xfrm>
+              <a:prstGeom prst="rect">
+                <a:avLst/>
+              </a:prstGeom>
+              <a:noFill/>
+            </p:spPr>
+            <p:txBody>
+              <a:bodyPr wrap="none" rtlCol="0">
+                <a:spAutoFit/>
+              </a:bodyPr>
+              <a:lstStyle/>
+              <a:p>
+                <a:pPr algn="ctr"/>
+                <a:r>
+                  <a:rPr lang="en-US" sz="700" dirty="0">
+                    <a:latin typeface="Arial" panose="020B0604020202020204" pitchFamily="34" charset="0"/>
+                    <a:cs typeface="Arial" panose="020B0604020202020204" pitchFamily="34" charset="0"/>
+                  </a:rPr>
+                  <a:t>Both specific and broadly defined sets of genomic alterations are inherently categorical</a:t>
+                </a:r>
+              </a:p>
+            </p:txBody>
+          </p:sp>
+          <p:sp>
+            <p:nvSpPr>
+              <p:cNvPr id="3" name="TextBox 2">
+                <a:extLst>
+                  <a:ext uri="{FF2B5EF4-FFF2-40B4-BE49-F238E27FC236}">
+                    <a16:creationId xmlns:a16="http://schemas.microsoft.com/office/drawing/2014/main" id="{14C7CB68-3295-22A7-72AC-ACB390377782}"/>
+                  </a:ext>
+                </a:extLst>
+              </p:cNvPr>
+              <p:cNvSpPr txBox="1"/>
+              <p:nvPr/>
+            </p:nvSpPr>
+            <p:spPr>
+              <a:xfrm>
+                <a:off x="5392730" y="2242475"/>
+                <a:ext cx="1007999" cy="169277"/>
+              </a:xfrm>
+              <a:prstGeom prst="rect">
+                <a:avLst/>
+              </a:prstGeom>
+              <a:solidFill>
+                <a:srgbClr val="867DCE">
+                  <a:alpha val="50196"/>
+                </a:srgbClr>
+              </a:solidFill>
+            </p:spPr>
+            <p:txBody>
+              <a:bodyPr wrap="square" rtlCol="0">
+                <a:spAutoFit/>
+              </a:bodyPr>
+              <a:lstStyle/>
+              <a:p>
+                <a:pPr algn="ctr"/>
+                <a:r>
+                  <a:rPr lang="en-US" sz="500" dirty="0">
+                    <a:latin typeface="Arial" panose="020B0604020202020204" pitchFamily="34" charset="0"/>
+                    <a:cs typeface="Arial" panose="020B0604020202020204" pitchFamily="34" charset="0"/>
+                  </a:rPr>
+                  <a:t>Response to Osimertinib*</a:t>
+                </a:r>
+              </a:p>
+            </p:txBody>
+          </p:sp>
+          <p:sp>
+            <p:nvSpPr>
+              <p:cNvPr id="4" name="TextBox 3">
+                <a:extLst>
+                  <a:ext uri="{FF2B5EF4-FFF2-40B4-BE49-F238E27FC236}">
+                    <a16:creationId xmlns:a16="http://schemas.microsoft.com/office/drawing/2014/main" id="{D4814D26-B3CB-51D3-70BD-24A1322EEBC9}"/>
+                  </a:ext>
+                </a:extLst>
+              </p:cNvPr>
+              <p:cNvSpPr txBox="1"/>
+              <p:nvPr/>
+            </p:nvSpPr>
+            <p:spPr>
+              <a:xfrm>
+                <a:off x="62470" y="2242475"/>
+                <a:ext cx="1007999" cy="169277"/>
+              </a:xfrm>
+              <a:prstGeom prst="rect">
+                <a:avLst/>
+              </a:prstGeom>
+              <a:solidFill>
+                <a:srgbClr val="F4B9BE">
+                  <a:alpha val="50000"/>
+                </a:srgbClr>
+              </a:solidFill>
+              <a:ln w="6350">
+                <a:noFill/>
+                <a:prstDash val="dash"/>
+              </a:ln>
+            </p:spPr>
+            <p:txBody>
+              <a:bodyPr wrap="square" lIns="36000" rIns="36000" rtlCol="0">
+                <a:spAutoFit/>
+              </a:bodyPr>
+              <a:lstStyle/>
+              <a:p>
+                <a:pPr algn="ctr"/>
+                <a:r>
+                  <a:rPr lang="en-US" sz="500" dirty="0">
+                    <a:latin typeface="Arial" panose="020B0604020202020204" pitchFamily="34" charset="0"/>
+                    <a:cs typeface="Arial" panose="020B0604020202020204" pitchFamily="34" charset="0"/>
+                  </a:rPr>
+                  <a:t>chr7:g.55174777_55174791del </a:t>
+                </a:r>
+              </a:p>
+            </p:txBody>
+          </p:sp>
+          <p:sp>
+            <p:nvSpPr>
+              <p:cNvPr id="15" name="TextBox 14">
+                <a:extLst>
+                  <a:ext uri="{FF2B5EF4-FFF2-40B4-BE49-F238E27FC236}">
+                    <a16:creationId xmlns:a16="http://schemas.microsoft.com/office/drawing/2014/main" id="{03B5E9D5-D1FD-95E7-CEA3-E2D6134AED2F}"/>
+                  </a:ext>
+                </a:extLst>
+              </p:cNvPr>
+              <p:cNvSpPr txBox="1"/>
+              <p:nvPr/>
+            </p:nvSpPr>
+            <p:spPr>
+              <a:xfrm rot="18936829">
+                <a:off x="1059556" y="2161356"/>
+                <a:ext cx="491393" cy="169277"/>
+              </a:xfrm>
+              <a:prstGeom prst="rect">
+                <a:avLst/>
+              </a:prstGeom>
+              <a:noFill/>
+              <a:ln w="6350">
+                <a:noFill/>
+                <a:prstDash val="dash"/>
+              </a:ln>
+            </p:spPr>
+            <p:txBody>
+              <a:bodyPr wrap="square" lIns="36000" rIns="36000" rtlCol="0">
+                <a:spAutoFit/>
+              </a:bodyPr>
+              <a:lstStyle/>
+              <a:p>
+                <a:pPr algn="ctr"/>
+                <a:r>
+                  <a:rPr lang="en-US" sz="500" dirty="0">
+                    <a:latin typeface="Arial" panose="020B0604020202020204" pitchFamily="34" charset="0"/>
+                    <a:cs typeface="Arial" panose="020B0604020202020204" pitchFamily="34" charset="0"/>
+                  </a:rPr>
+                  <a:t>Transcribes to</a:t>
+                </a:r>
+              </a:p>
+            </p:txBody>
+          </p:sp>
+          <p:sp>
+            <p:nvSpPr>
+              <p:cNvPr id="60" name="Rectangle 59">
+                <a:extLst>
+                  <a:ext uri="{FF2B5EF4-FFF2-40B4-BE49-F238E27FC236}">
+                    <a16:creationId xmlns:a16="http://schemas.microsoft.com/office/drawing/2014/main" id="{4C280B47-F110-A16B-FBF1-A6849F249061}"/>
+                  </a:ext>
+                </a:extLst>
+              </p:cNvPr>
+              <p:cNvSpPr/>
+              <p:nvPr/>
+            </p:nvSpPr>
+            <p:spPr>
+              <a:xfrm>
+                <a:off x="3982732" y="1230618"/>
+                <a:ext cx="77426" cy="169200"/>
+              </a:xfrm>
+              <a:prstGeom prst="rect">
+                <a:avLst/>
+              </a:prstGeom>
+              <a:noFill/>
+              <a:ln>
+                <a:noFill/>
+              </a:ln>
+            </p:spPr>
+            <p:style>
+              <a:lnRef idx="2">
+                <a:schemeClr val="accent6"/>
+              </a:lnRef>
+              <a:fillRef idx="1">
+                <a:schemeClr val="lt1"/>
+              </a:fillRef>
+              <a:effectRef idx="0">
+                <a:schemeClr val="accent6"/>
+              </a:effectRef>
+              <a:fontRef idx="minor">
+                <a:schemeClr val="dk1"/>
+              </a:fontRef>
+            </p:style>
+            <p:txBody>
+              <a:bodyPr rtlCol="0" anchor="ctr"/>
+              <a:lstStyle/>
+              <a:p>
+                <a:pPr algn="ctr"/>
+                <a:endParaRPr lang="en-US"/>
+              </a:p>
+            </p:txBody>
+          </p:sp>
+          <p:sp>
+            <p:nvSpPr>
+              <p:cNvPr id="64" name="Rectangle 63">
+                <a:extLst>
+                  <a:ext uri="{FF2B5EF4-FFF2-40B4-BE49-F238E27FC236}">
+                    <a16:creationId xmlns:a16="http://schemas.microsoft.com/office/drawing/2014/main" id="{8B92D35A-E36C-A999-6FEB-8A78245AAFE0}"/>
+                  </a:ext>
+                </a:extLst>
+              </p:cNvPr>
+              <p:cNvSpPr/>
+              <p:nvPr/>
+            </p:nvSpPr>
+            <p:spPr>
+              <a:xfrm>
+                <a:off x="2645613" y="1568084"/>
+                <a:ext cx="77426" cy="169200"/>
+              </a:xfrm>
+              <a:prstGeom prst="rect">
+                <a:avLst/>
+              </a:prstGeom>
+              <a:noFill/>
+              <a:ln>
+                <a:noFill/>
+              </a:ln>
+            </p:spPr>
+            <p:style>
+              <a:lnRef idx="2">
+                <a:schemeClr val="accent6"/>
+              </a:lnRef>
+              <a:fillRef idx="1">
+                <a:schemeClr val="lt1"/>
+              </a:fillRef>
+              <a:effectRef idx="0">
+                <a:schemeClr val="accent6"/>
+              </a:effectRef>
+              <a:fontRef idx="minor">
+                <a:schemeClr val="dk1"/>
+              </a:fontRef>
+            </p:style>
+            <p:txBody>
+              <a:bodyPr rtlCol="0" anchor="ctr"/>
+              <a:lstStyle/>
+              <a:p>
+                <a:pPr algn="ctr"/>
+                <a:endParaRPr lang="en-US"/>
+              </a:p>
+            </p:txBody>
+          </p:sp>
+          <p:cxnSp>
+            <p:nvCxnSpPr>
+              <p:cNvPr id="68" name="Curved Connector 67">
+                <a:extLst>
+                  <a:ext uri="{FF2B5EF4-FFF2-40B4-BE49-F238E27FC236}">
+                    <a16:creationId xmlns:a16="http://schemas.microsoft.com/office/drawing/2014/main" id="{AF92620E-DAAE-043A-4F03-43F19F6DB9C6}"/>
+                  </a:ext>
+                </a:extLst>
+              </p:cNvPr>
+              <p:cNvCxnSpPr>
+                <a:cxnSpLocks/>
+                <a:stCxn id="4" idx="3"/>
+              </p:cNvCxnSpPr>
+              <p:nvPr/>
+            </p:nvCxnSpPr>
+            <p:spPr>
+              <a:xfrm flipV="1">
+                <a:off x="1070467" y="1990151"/>
+                <a:ext cx="247136" cy="336963"/>
+              </a:xfrm>
+              <a:prstGeom prst="curvedConnector3">
+                <a:avLst/>
+              </a:prstGeom>
+              <a:ln>
+                <a:solidFill>
+                  <a:srgbClr val="7D3C46">
+                    <a:alpha val="75000"/>
+                  </a:srgbClr>
+                </a:solidFill>
+              </a:ln>
+            </p:spPr>
+            <p:style>
+              <a:lnRef idx="1">
+                <a:schemeClr val="dk1"/>
+              </a:lnRef>
+              <a:fillRef idx="0">
+                <a:schemeClr val="dk1"/>
+              </a:fillRef>
+              <a:effectRef idx="0">
+                <a:schemeClr val="dk1"/>
+              </a:effectRef>
+              <a:fontRef idx="minor">
+                <a:schemeClr val="tx1"/>
+              </a:fontRef>
+            </p:style>
+          </p:cxnSp>
+          <p:cxnSp>
+            <p:nvCxnSpPr>
+              <p:cNvPr id="70" name="Curved Connector 69">
+                <a:extLst>
+                  <a:ext uri="{FF2B5EF4-FFF2-40B4-BE49-F238E27FC236}">
+                    <a16:creationId xmlns:a16="http://schemas.microsoft.com/office/drawing/2014/main" id="{1AC2272F-1211-94E7-8220-B83078CC09A8}"/>
+                  </a:ext>
+                </a:extLst>
+              </p:cNvPr>
+              <p:cNvCxnSpPr>
+                <a:cxnSpLocks/>
+                <a:stCxn id="7" idx="3"/>
+              </p:cNvCxnSpPr>
+              <p:nvPr/>
+            </p:nvCxnSpPr>
+            <p:spPr>
+              <a:xfrm flipV="1">
+                <a:off x="2403034" y="1315220"/>
+                <a:ext cx="247134" cy="337505"/>
+              </a:xfrm>
+              <a:prstGeom prst="curvedConnector3">
+                <a:avLst/>
+              </a:prstGeom>
+              <a:ln>
+                <a:solidFill>
+                  <a:srgbClr val="7D3C46">
+                    <a:alpha val="75000"/>
+                  </a:srgbClr>
+                </a:solidFill>
+              </a:ln>
+            </p:spPr>
+            <p:style>
+              <a:lnRef idx="1">
+                <a:schemeClr val="dk1"/>
+              </a:lnRef>
+              <a:fillRef idx="0">
+                <a:schemeClr val="dk1"/>
+              </a:fillRef>
+              <a:effectRef idx="0">
+                <a:schemeClr val="dk1"/>
+              </a:effectRef>
+              <a:fontRef idx="minor">
+                <a:schemeClr val="tx1"/>
+              </a:fontRef>
+            </p:style>
+          </p:cxnSp>
+          <p:cxnSp>
+            <p:nvCxnSpPr>
+              <p:cNvPr id="72" name="Curved Connector 71">
+                <a:extLst>
+                  <a:ext uri="{FF2B5EF4-FFF2-40B4-BE49-F238E27FC236}">
+                    <a16:creationId xmlns:a16="http://schemas.microsoft.com/office/drawing/2014/main" id="{9D6C1DD4-5F03-5B59-0C67-BE4CA4B1F950}"/>
+                  </a:ext>
+                </a:extLst>
+              </p:cNvPr>
+              <p:cNvCxnSpPr>
+                <a:cxnSpLocks/>
+                <a:stCxn id="39" idx="3"/>
+                <a:endCxn id="64" idx="1"/>
+              </p:cNvCxnSpPr>
+              <p:nvPr/>
+            </p:nvCxnSpPr>
+            <p:spPr>
+              <a:xfrm flipV="1">
+                <a:off x="2403034" y="1652684"/>
+                <a:ext cx="242581" cy="337504"/>
+              </a:xfrm>
+              <a:prstGeom prst="curvedConnector3">
+                <a:avLst/>
+              </a:prstGeom>
+              <a:ln>
+                <a:solidFill>
+                  <a:srgbClr val="7D3C46">
+                    <a:alpha val="75000"/>
+                  </a:srgbClr>
+                </a:solidFill>
+              </a:ln>
+            </p:spPr>
+            <p:style>
+              <a:lnRef idx="1">
+                <a:schemeClr val="dk1"/>
+              </a:lnRef>
+              <a:fillRef idx="0">
+                <a:schemeClr val="dk1"/>
+              </a:fillRef>
+              <a:effectRef idx="0">
+                <a:schemeClr val="dk1"/>
+              </a:effectRef>
+              <a:fontRef idx="minor">
+                <a:schemeClr val="tx1"/>
+              </a:fontRef>
+            </p:style>
+          </p:cxnSp>
+          <p:cxnSp>
+            <p:nvCxnSpPr>
+              <p:cNvPr id="76" name="Curved Connector 75">
+                <a:extLst>
+                  <a:ext uri="{FF2B5EF4-FFF2-40B4-BE49-F238E27FC236}">
+                    <a16:creationId xmlns:a16="http://schemas.microsoft.com/office/drawing/2014/main" id="{039CD442-36D9-E8F4-1240-6D20CB596C61}"/>
+                  </a:ext>
+                </a:extLst>
+              </p:cNvPr>
+              <p:cNvCxnSpPr>
+                <a:stCxn id="9" idx="3"/>
+                <a:endCxn id="60" idx="1"/>
+              </p:cNvCxnSpPr>
+              <p:nvPr/>
+            </p:nvCxnSpPr>
+            <p:spPr>
+              <a:xfrm flipV="1">
+                <a:off x="3735596" y="1315220"/>
+                <a:ext cx="247136" cy="337505"/>
+              </a:xfrm>
+              <a:prstGeom prst="curvedConnector3">
+                <a:avLst/>
+              </a:prstGeom>
+              <a:ln>
+                <a:solidFill>
+                  <a:srgbClr val="7D3C46">
+                    <a:alpha val="75000"/>
+                  </a:srgbClr>
+                </a:solidFill>
+              </a:ln>
+            </p:spPr>
+            <p:style>
+              <a:lnRef idx="1">
+                <a:schemeClr val="accent1"/>
+              </a:lnRef>
+              <a:fillRef idx="0">
+                <a:schemeClr val="accent1"/>
+              </a:fillRef>
+              <a:effectRef idx="0">
+                <a:schemeClr val="accent1"/>
+              </a:effectRef>
+              <a:fontRef idx="minor">
+                <a:schemeClr val="tx1"/>
+              </a:fontRef>
+            </p:style>
+          </p:cxnSp>
+          <p:cxnSp>
+            <p:nvCxnSpPr>
+              <p:cNvPr id="78" name="Straight Arrow Connector 77">
+                <a:extLst>
+                  <a:ext uri="{FF2B5EF4-FFF2-40B4-BE49-F238E27FC236}">
+                    <a16:creationId xmlns:a16="http://schemas.microsoft.com/office/drawing/2014/main" id="{40568288-5F55-E9B8-2FAC-B22BB88C4CED}"/>
+                  </a:ext>
+                </a:extLst>
+              </p:cNvPr>
+              <p:cNvCxnSpPr>
+                <a:stCxn id="64" idx="1"/>
+                <a:endCxn id="9" idx="1"/>
+              </p:cNvCxnSpPr>
+              <p:nvPr/>
+            </p:nvCxnSpPr>
+            <p:spPr>
+              <a:xfrm>
+                <a:off x="2645613" y="1652686"/>
+                <a:ext cx="81984" cy="39"/>
+              </a:xfrm>
+              <a:prstGeom prst="straightConnector1">
+                <a:avLst/>
+              </a:prstGeom>
+              <a:ln>
+                <a:solidFill>
+                  <a:srgbClr val="7D3C46">
+                    <a:alpha val="75000"/>
+                  </a:srgbClr>
+                </a:solidFill>
+                <a:tailEnd type="triangle"/>
+              </a:ln>
+            </p:spPr>
+            <p:style>
+              <a:lnRef idx="1">
+                <a:schemeClr val="accent1"/>
+              </a:lnRef>
+              <a:fillRef idx="0">
+                <a:schemeClr val="accent1"/>
+              </a:fillRef>
+              <a:effectRef idx="0">
+                <a:schemeClr val="accent1"/>
+              </a:effectRef>
+              <a:fontRef idx="minor">
+                <a:schemeClr val="tx1"/>
+              </a:fontRef>
+            </p:style>
+          </p:cxnSp>
+          <p:sp>
+            <p:nvSpPr>
+              <p:cNvPr id="81" name="TextBox 80">
+                <a:extLst>
+                  <a:ext uri="{FF2B5EF4-FFF2-40B4-BE49-F238E27FC236}">
+                    <a16:creationId xmlns:a16="http://schemas.microsoft.com/office/drawing/2014/main" id="{9FAEC6C5-E0D7-6E3A-CCF2-97FC7F3154D5}"/>
+                  </a:ext>
+                </a:extLst>
+              </p:cNvPr>
+              <p:cNvSpPr txBox="1"/>
+              <p:nvPr/>
+            </p:nvSpPr>
+            <p:spPr>
+              <a:xfrm>
+                <a:off x="5096347" y="2875562"/>
+                <a:ext cx="1304382" cy="169277"/>
+              </a:xfrm>
+              <a:prstGeom prst="rect">
+                <a:avLst/>
+              </a:prstGeom>
+              <a:noFill/>
+              <a:ln>
+                <a:noFill/>
+              </a:ln>
+            </p:spPr>
+            <p:txBody>
+              <a:bodyPr wrap="square" lIns="36000" rIns="36000" rtlCol="0">
+                <a:spAutoFit/>
+              </a:bodyPr>
+              <a:lstStyle/>
+              <a:p>
+                <a:pPr algn="ctr"/>
+                <a:r>
+                  <a:rPr lang="en-US" sz="500" dirty="0">
+                    <a:latin typeface="Arial" panose="020B0604020202020204" pitchFamily="34" charset="0"/>
+                    <a:cs typeface="Arial" panose="020B0604020202020204" pitchFamily="34" charset="0"/>
+                  </a:rPr>
+                  <a:t>* for patients with non-small cell lung cancer</a:t>
+                </a:r>
+              </a:p>
+            </p:txBody>
+          </p:sp>
+          <p:sp>
+            <p:nvSpPr>
+              <p:cNvPr id="19" name="TextBox 18">
+                <a:extLst>
+                  <a:ext uri="{FF2B5EF4-FFF2-40B4-BE49-F238E27FC236}">
+                    <a16:creationId xmlns:a16="http://schemas.microsoft.com/office/drawing/2014/main" id="{24C331C0-BF52-9D4F-FFF6-235B7B269563}"/>
+                  </a:ext>
+                </a:extLst>
+              </p:cNvPr>
+              <p:cNvSpPr txBox="1"/>
+              <p:nvPr/>
+            </p:nvSpPr>
+            <p:spPr>
+              <a:xfrm rot="18936829">
+                <a:off x="2354044" y="1844348"/>
+                <a:ext cx="491393" cy="169277"/>
+              </a:xfrm>
+              <a:prstGeom prst="rect">
+                <a:avLst/>
+              </a:prstGeom>
+              <a:noFill/>
+              <a:ln w="6350">
+                <a:noFill/>
+                <a:prstDash val="dash"/>
+              </a:ln>
+            </p:spPr>
+            <p:txBody>
+              <a:bodyPr wrap="square" lIns="36000" rIns="36000" rtlCol="0">
+                <a:spAutoFit/>
+              </a:bodyPr>
+              <a:lstStyle/>
+              <a:p>
+                <a:pPr algn="ctr"/>
+                <a:r>
+                  <a:rPr lang="en-US" sz="500" dirty="0">
+                    <a:latin typeface="Arial" panose="020B0604020202020204" pitchFamily="34" charset="0"/>
+                    <a:cs typeface="Arial" panose="020B0604020202020204" pitchFamily="34" charset="0"/>
+                  </a:rPr>
+                  <a:t>Translates to</a:t>
+                </a:r>
+              </a:p>
+            </p:txBody>
+          </p:sp>
+          <p:sp>
+            <p:nvSpPr>
+              <p:cNvPr id="21" name="TextBox 20">
+                <a:extLst>
+                  <a:ext uri="{FF2B5EF4-FFF2-40B4-BE49-F238E27FC236}">
+                    <a16:creationId xmlns:a16="http://schemas.microsoft.com/office/drawing/2014/main" id="{530DDF64-7A5F-CD22-D4E0-E6D58921ECD7}"/>
+                  </a:ext>
+                </a:extLst>
+              </p:cNvPr>
+              <p:cNvSpPr txBox="1"/>
+              <p:nvPr/>
+            </p:nvSpPr>
+            <p:spPr>
+              <a:xfrm rot="18936829">
+                <a:off x="3698933" y="1504470"/>
+                <a:ext cx="491393" cy="169277"/>
+              </a:xfrm>
+              <a:prstGeom prst="rect">
+                <a:avLst/>
+              </a:prstGeom>
+              <a:noFill/>
+              <a:ln w="6350">
+                <a:noFill/>
+                <a:prstDash val="dash"/>
+              </a:ln>
+            </p:spPr>
+            <p:txBody>
+              <a:bodyPr wrap="square" lIns="36000" rIns="36000" rtlCol="0">
+                <a:spAutoFit/>
+              </a:bodyPr>
+              <a:lstStyle/>
+              <a:p>
+                <a:pPr algn="ctr"/>
+                <a:r>
+                  <a:rPr lang="en-US" sz="500" dirty="0">
+                    <a:latin typeface="Arial" panose="020B0604020202020204" pitchFamily="34" charset="0"/>
+                    <a:cs typeface="Arial" panose="020B0604020202020204" pitchFamily="34" charset="0"/>
+                  </a:rPr>
+                  <a:t>Member of</a:t>
+                </a:r>
+              </a:p>
+            </p:txBody>
+          </p:sp>
+        </p:grpSp>
         <p:sp>
           <p:nvSpPr>
-            <p:cNvPr id="2" name="TextBox 1">
+            <p:cNvPr id="16" name="TextBox 15">
               <a:extLst>
                 <a:ext uri="{FF2B5EF4-FFF2-40B4-BE49-F238E27FC236}">
-                  <a16:creationId xmlns:a16="http://schemas.microsoft.com/office/drawing/2014/main" id="{9EE20482-83F3-E704-19BC-C7CA6E0219D4}"/>
+                  <a16:creationId xmlns:a16="http://schemas.microsoft.com/office/drawing/2014/main" id="{1DC77474-1CEB-2CD4-9022-1CD95C39004E}"/>
                 </a:ext>
               </a:extLst>
             </p:cNvPr>
@@ -3448,1157 +5402,8 @@
           </p:nvSpPr>
           <p:spPr>
             <a:xfrm>
-              <a:off x="62471" y="1230620"/>
-              <a:ext cx="1007999" cy="169277"/>
-            </a:xfrm>
-            <a:prstGeom prst="rect">
-              <a:avLst/>
-            </a:prstGeom>
-            <a:solidFill>
-              <a:srgbClr val="F4B9BE">
-                <a:alpha val="49804"/>
-              </a:srgbClr>
-            </a:solidFill>
-            <a:ln>
-              <a:noFill/>
-            </a:ln>
-          </p:spPr>
-          <p:txBody>
-            <a:bodyPr wrap="square" lIns="36000" rIns="36000" rtlCol="0">
-              <a:spAutoFit/>
-            </a:bodyPr>
-            <a:lstStyle/>
-            <a:p>
-              <a:pPr algn="ctr"/>
-              <a:r>
-                <a:rPr lang="en-US" sz="500" dirty="0">
-                  <a:latin typeface="Arial" panose="020B0604020202020204" pitchFamily="34" charset="0"/>
-                  <a:cs typeface="Arial" panose="020B0604020202020204" pitchFamily="34" charset="0"/>
-                </a:rPr>
-                <a:t>chr7:g.55174772_55174786del </a:t>
-              </a:r>
-            </a:p>
-          </p:txBody>
-        </p:sp>
-        <p:sp>
-          <p:nvSpPr>
-            <p:cNvPr id="5" name="TextBox 4">
-              <a:extLst>
-                <a:ext uri="{FF2B5EF4-FFF2-40B4-BE49-F238E27FC236}">
-                  <a16:creationId xmlns:a16="http://schemas.microsoft.com/office/drawing/2014/main" id="{D24020EF-DAE7-7580-1A27-3A677A2952E8}"/>
-                </a:ext>
-              </a:extLst>
-            </p:cNvPr>
-            <p:cNvSpPr txBox="1"/>
-            <p:nvPr/>
-          </p:nvSpPr>
-          <p:spPr>
-            <a:xfrm>
-              <a:off x="62471" y="1568086"/>
-              <a:ext cx="1007999" cy="169277"/>
-            </a:xfrm>
-            <a:prstGeom prst="rect">
-              <a:avLst/>
-            </a:prstGeom>
-            <a:solidFill>
-              <a:srgbClr val="F4B9BE">
-                <a:alpha val="49804"/>
-              </a:srgbClr>
-            </a:solidFill>
-            <a:ln>
-              <a:noFill/>
-            </a:ln>
-          </p:spPr>
-          <p:txBody>
-            <a:bodyPr wrap="square" lIns="36000" rIns="36000" rtlCol="0">
-              <a:spAutoFit/>
-            </a:bodyPr>
-            <a:lstStyle/>
-            <a:p>
-              <a:pPr algn="ctr"/>
-              <a:r>
-                <a:rPr lang="en-US" sz="500" dirty="0">
-                  <a:latin typeface="Arial" panose="020B0604020202020204" pitchFamily="34" charset="0"/>
-                  <a:cs typeface="Arial" panose="020B0604020202020204" pitchFamily="34" charset="0"/>
-                </a:rPr>
-                <a:t>chr7:g.55174773_55174787del </a:t>
-              </a:r>
-            </a:p>
-          </p:txBody>
-        </p:sp>
-        <p:sp>
-          <p:nvSpPr>
-            <p:cNvPr id="6" name="TextBox 5">
-              <a:extLst>
-                <a:ext uri="{FF2B5EF4-FFF2-40B4-BE49-F238E27FC236}">
-                  <a16:creationId xmlns:a16="http://schemas.microsoft.com/office/drawing/2014/main" id="{84C94FAF-6BF8-88A2-F9EC-DBC082CAEDFC}"/>
-                </a:ext>
-              </a:extLst>
-            </p:cNvPr>
-            <p:cNvSpPr txBox="1"/>
-            <p:nvPr/>
-          </p:nvSpPr>
-          <p:spPr>
-            <a:xfrm>
-              <a:off x="1395036" y="1230620"/>
-              <a:ext cx="1007999" cy="169277"/>
-            </a:xfrm>
-            <a:prstGeom prst="rect">
-              <a:avLst/>
-            </a:prstGeom>
-            <a:solidFill>
-              <a:srgbClr val="F4B9BE">
-                <a:alpha val="49804"/>
-              </a:srgbClr>
-            </a:solidFill>
-            <a:ln>
-              <a:noFill/>
-            </a:ln>
-          </p:spPr>
-          <p:txBody>
-            <a:bodyPr wrap="square" lIns="36000" rIns="36000" rtlCol="0">
-              <a:spAutoFit/>
-            </a:bodyPr>
-            <a:lstStyle/>
-            <a:p>
-              <a:pPr algn="ctr"/>
-              <a:r>
-                <a:rPr lang="en-US" sz="500" dirty="0">
-                  <a:latin typeface="Arial" panose="020B0604020202020204" pitchFamily="34" charset="0"/>
-                  <a:cs typeface="Arial" panose="020B0604020202020204" pitchFamily="34" charset="0"/>
-                </a:rPr>
-                <a:t>NM_005228.5:c.2235_2249del</a:t>
-              </a:r>
-            </a:p>
-          </p:txBody>
-        </p:sp>
-        <p:sp>
-          <p:nvSpPr>
-            <p:cNvPr id="7" name="TextBox 6">
-              <a:extLst>
-                <a:ext uri="{FF2B5EF4-FFF2-40B4-BE49-F238E27FC236}">
-                  <a16:creationId xmlns:a16="http://schemas.microsoft.com/office/drawing/2014/main" id="{50705F86-3F87-DDA7-EA53-07B81A7B400C}"/>
-                </a:ext>
-              </a:extLst>
-            </p:cNvPr>
-            <p:cNvSpPr txBox="1"/>
-            <p:nvPr/>
-          </p:nvSpPr>
-          <p:spPr>
-            <a:xfrm>
-              <a:off x="1395037" y="1568086"/>
-              <a:ext cx="1007999" cy="169277"/>
-            </a:xfrm>
-            <a:prstGeom prst="rect">
-              <a:avLst/>
-            </a:prstGeom>
-            <a:solidFill>
-              <a:srgbClr val="F4B9BE">
-                <a:alpha val="49804"/>
-              </a:srgbClr>
-            </a:solidFill>
-            <a:ln>
-              <a:noFill/>
-            </a:ln>
-          </p:spPr>
-          <p:txBody>
-            <a:bodyPr wrap="square" lIns="36000" rIns="36000" rtlCol="0">
-              <a:spAutoFit/>
-            </a:bodyPr>
-            <a:lstStyle/>
-            <a:p>
-              <a:pPr algn="ctr"/>
-              <a:r>
-                <a:rPr lang="en-US" sz="500" dirty="0">
-                  <a:latin typeface="Arial" panose="020B0604020202020204" pitchFamily="34" charset="0"/>
-                  <a:cs typeface="Arial" panose="020B0604020202020204" pitchFamily="34" charset="0"/>
-                </a:rPr>
-                <a:t>NM_005228.5:c.2236_2250del</a:t>
-              </a:r>
-            </a:p>
-          </p:txBody>
-        </p:sp>
-        <p:sp>
-          <p:nvSpPr>
-            <p:cNvPr id="8" name="TextBox 7">
-              <a:extLst>
-                <a:ext uri="{FF2B5EF4-FFF2-40B4-BE49-F238E27FC236}">
-                  <a16:creationId xmlns:a16="http://schemas.microsoft.com/office/drawing/2014/main" id="{48668156-FF50-48D8-827E-D270CE87599C}"/>
-                </a:ext>
-              </a:extLst>
-            </p:cNvPr>
-            <p:cNvSpPr txBox="1"/>
-            <p:nvPr/>
-          </p:nvSpPr>
-          <p:spPr>
-            <a:xfrm>
-              <a:off x="2727601" y="1230620"/>
-              <a:ext cx="1007999" cy="169277"/>
-            </a:xfrm>
-            <a:prstGeom prst="rect">
-              <a:avLst/>
-            </a:prstGeom>
-            <a:solidFill>
-              <a:srgbClr val="F4B9BE">
-                <a:alpha val="49804"/>
-              </a:srgbClr>
-            </a:solidFill>
-            <a:ln>
-              <a:noFill/>
-            </a:ln>
-          </p:spPr>
-          <p:txBody>
-            <a:bodyPr wrap="square" lIns="36000" rIns="36000" rtlCol="0">
-              <a:spAutoFit/>
-            </a:bodyPr>
-            <a:lstStyle/>
-            <a:p>
-              <a:pPr algn="ctr"/>
-              <a:r>
-                <a:rPr lang="en-US" sz="500" dirty="0">
-                  <a:latin typeface="Arial" panose="020B0604020202020204" pitchFamily="34" charset="0"/>
-                  <a:cs typeface="Arial" panose="020B0604020202020204" pitchFamily="34" charset="0"/>
-                </a:rPr>
-                <a:t>NP_005219.2:p.E746_A750del</a:t>
-              </a:r>
-            </a:p>
-          </p:txBody>
-        </p:sp>
-        <p:sp>
-          <p:nvSpPr>
-            <p:cNvPr id="9" name="TextBox 8">
-              <a:extLst>
-                <a:ext uri="{FF2B5EF4-FFF2-40B4-BE49-F238E27FC236}">
-                  <a16:creationId xmlns:a16="http://schemas.microsoft.com/office/drawing/2014/main" id="{77075C77-B677-3A1B-3EDE-A1AE597830BD}"/>
-                </a:ext>
-              </a:extLst>
-            </p:cNvPr>
-            <p:cNvSpPr txBox="1"/>
-            <p:nvPr/>
-          </p:nvSpPr>
-          <p:spPr>
-            <a:xfrm>
-              <a:off x="2727599" y="1568086"/>
-              <a:ext cx="1007999" cy="169277"/>
-            </a:xfrm>
-            <a:prstGeom prst="rect">
-              <a:avLst/>
-            </a:prstGeom>
-            <a:solidFill>
-              <a:srgbClr val="F4B9BE">
-                <a:alpha val="50000"/>
-              </a:srgbClr>
-            </a:solidFill>
-            <a:ln w="6350">
-              <a:noFill/>
-              <a:prstDash val="dash"/>
-            </a:ln>
-          </p:spPr>
-          <p:txBody>
-            <a:bodyPr wrap="square" lIns="36000" rIns="36000" rtlCol="0">
-              <a:spAutoFit/>
-            </a:bodyPr>
-            <a:lstStyle/>
-            <a:p>
-              <a:pPr algn="ctr"/>
-              <a:r>
-                <a:rPr lang="en-US" sz="500" dirty="0">
-                  <a:latin typeface="Arial" panose="020B0604020202020204" pitchFamily="34" charset="0"/>
-                  <a:cs typeface="Arial" panose="020B0604020202020204" pitchFamily="34" charset="0"/>
-                </a:rPr>
-                <a:t>NP_005219.2:p.L747_T751del</a:t>
-              </a:r>
-            </a:p>
-          </p:txBody>
-        </p:sp>
-        <p:sp>
-          <p:nvSpPr>
-            <p:cNvPr id="10" name="TextBox 9">
-              <a:extLst>
-                <a:ext uri="{FF2B5EF4-FFF2-40B4-BE49-F238E27FC236}">
-                  <a16:creationId xmlns:a16="http://schemas.microsoft.com/office/drawing/2014/main" id="{0A958154-89D9-64ED-1D25-FDD01538E651}"/>
-                </a:ext>
-              </a:extLst>
-            </p:cNvPr>
-            <p:cNvSpPr txBox="1"/>
-            <p:nvPr/>
-          </p:nvSpPr>
-          <p:spPr>
-            <a:xfrm>
-              <a:off x="4060166" y="1230620"/>
-              <a:ext cx="1007999" cy="169277"/>
-            </a:xfrm>
-            <a:prstGeom prst="rect">
-              <a:avLst/>
-            </a:prstGeom>
-            <a:solidFill>
-              <a:srgbClr val="CF5C86">
-                <a:alpha val="49804"/>
-              </a:srgbClr>
-            </a:solidFill>
-            <a:ln>
-              <a:noFill/>
-            </a:ln>
-          </p:spPr>
-          <p:txBody>
-            <a:bodyPr wrap="square" lIns="36000" rIns="36000" rtlCol="0">
-              <a:spAutoFit/>
-            </a:bodyPr>
-            <a:lstStyle/>
-            <a:p>
-              <a:pPr algn="ctr"/>
-              <a:r>
-                <a:rPr lang="en-US" sz="500" i="1" dirty="0">
-                  <a:latin typeface="Arial" panose="020B0604020202020204" pitchFamily="34" charset="0"/>
-                  <a:cs typeface="Arial" panose="020B0604020202020204" pitchFamily="34" charset="0"/>
-                </a:rPr>
-                <a:t>EGFR</a:t>
-              </a:r>
-              <a:r>
-                <a:rPr lang="en-US" sz="500" dirty="0">
-                  <a:latin typeface="Arial" panose="020B0604020202020204" pitchFamily="34" charset="0"/>
-                  <a:cs typeface="Arial" panose="020B0604020202020204" pitchFamily="34" charset="0"/>
-                </a:rPr>
-                <a:t> exon 19 deletion</a:t>
-              </a:r>
-            </a:p>
-          </p:txBody>
-        </p:sp>
-        <p:sp>
-          <p:nvSpPr>
-            <p:cNvPr id="11" name="TextBox 10">
-              <a:extLst>
-                <a:ext uri="{FF2B5EF4-FFF2-40B4-BE49-F238E27FC236}">
-                  <a16:creationId xmlns:a16="http://schemas.microsoft.com/office/drawing/2014/main" id="{CB4250BE-9C57-45BE-1786-D1FE5FF820F9}"/>
-                </a:ext>
-              </a:extLst>
-            </p:cNvPr>
-            <p:cNvSpPr txBox="1"/>
-            <p:nvPr/>
-          </p:nvSpPr>
-          <p:spPr>
-            <a:xfrm>
-              <a:off x="5392731" y="1230620"/>
-              <a:ext cx="1007999" cy="169277"/>
-            </a:xfrm>
-            <a:prstGeom prst="rect">
-              <a:avLst/>
-            </a:prstGeom>
-            <a:solidFill>
-              <a:srgbClr val="867DCE">
-                <a:alpha val="50196"/>
-              </a:srgbClr>
-            </a:solidFill>
-          </p:spPr>
-          <p:txBody>
-            <a:bodyPr wrap="square" lIns="36000" rIns="36000" rtlCol="0">
-              <a:spAutoFit/>
-            </a:bodyPr>
-            <a:lstStyle/>
-            <a:p>
-              <a:pPr algn="ctr"/>
-              <a:r>
-                <a:rPr lang="en-US" sz="500" dirty="0">
-                  <a:latin typeface="Arial" panose="020B0604020202020204" pitchFamily="34" charset="0"/>
-                  <a:cs typeface="Arial" panose="020B0604020202020204" pitchFamily="34" charset="0"/>
-                </a:rPr>
-                <a:t>Response to Dacomitinib*</a:t>
-              </a:r>
-            </a:p>
-          </p:txBody>
-        </p:sp>
-        <p:sp>
-          <p:nvSpPr>
-            <p:cNvPr id="12" name="TextBox 11">
-              <a:extLst>
-                <a:ext uri="{FF2B5EF4-FFF2-40B4-BE49-F238E27FC236}">
-                  <a16:creationId xmlns:a16="http://schemas.microsoft.com/office/drawing/2014/main" id="{D0416FCA-63E8-0776-1540-D8DD552AA940}"/>
-                </a:ext>
-              </a:extLst>
-            </p:cNvPr>
-            <p:cNvSpPr txBox="1"/>
-            <p:nvPr/>
-          </p:nvSpPr>
-          <p:spPr>
-            <a:xfrm>
-              <a:off x="5392730" y="1568086"/>
-              <a:ext cx="1007999" cy="169277"/>
-            </a:xfrm>
-            <a:prstGeom prst="rect">
-              <a:avLst/>
-            </a:prstGeom>
-            <a:solidFill>
-              <a:srgbClr val="867DCE">
-                <a:alpha val="50196"/>
-              </a:srgbClr>
-            </a:solidFill>
-          </p:spPr>
-          <p:txBody>
-            <a:bodyPr wrap="square" lIns="36000" rIns="36000" rtlCol="0">
-              <a:spAutoFit/>
-            </a:bodyPr>
-            <a:lstStyle/>
-            <a:p>
-              <a:pPr algn="ctr"/>
-              <a:r>
-                <a:rPr lang="en-US" sz="500" dirty="0">
-                  <a:latin typeface="Arial" panose="020B0604020202020204" pitchFamily="34" charset="0"/>
-                  <a:cs typeface="Arial" panose="020B0604020202020204" pitchFamily="34" charset="0"/>
-                </a:rPr>
-                <a:t>Response to Erlotinib*</a:t>
-              </a:r>
-            </a:p>
-          </p:txBody>
-        </p:sp>
-        <p:sp>
-          <p:nvSpPr>
-            <p:cNvPr id="13" name="TextBox 12">
-              <a:extLst>
-                <a:ext uri="{FF2B5EF4-FFF2-40B4-BE49-F238E27FC236}">
-                  <a16:creationId xmlns:a16="http://schemas.microsoft.com/office/drawing/2014/main" id="{DAAF8117-CD47-8768-DC7C-A7CDFB7B4C28}"/>
-                </a:ext>
-              </a:extLst>
-            </p:cNvPr>
-            <p:cNvSpPr txBox="1"/>
-            <p:nvPr/>
-          </p:nvSpPr>
-          <p:spPr>
-            <a:xfrm>
-              <a:off x="5392730" y="1905552"/>
-              <a:ext cx="1007999" cy="169277"/>
-            </a:xfrm>
-            <a:prstGeom prst="rect">
-              <a:avLst/>
-            </a:prstGeom>
-            <a:solidFill>
-              <a:srgbClr val="867DCE">
-                <a:alpha val="50196"/>
-              </a:srgbClr>
-            </a:solidFill>
-          </p:spPr>
-          <p:txBody>
-            <a:bodyPr wrap="square" rtlCol="0">
-              <a:spAutoFit/>
-            </a:bodyPr>
-            <a:lstStyle/>
-            <a:p>
-              <a:pPr algn="ctr"/>
-              <a:r>
-                <a:rPr lang="en-US" sz="500" dirty="0">
-                  <a:latin typeface="Arial" panose="020B0604020202020204" pitchFamily="34" charset="0"/>
-                  <a:cs typeface="Arial" panose="020B0604020202020204" pitchFamily="34" charset="0"/>
-                </a:rPr>
-                <a:t>Response to Osimertinib*</a:t>
-              </a:r>
-            </a:p>
-          </p:txBody>
-        </p:sp>
-        <p:sp>
-          <p:nvSpPr>
-            <p:cNvPr id="14" name="TextBox 13">
-              <a:extLst>
-                <a:ext uri="{FF2B5EF4-FFF2-40B4-BE49-F238E27FC236}">
-                  <a16:creationId xmlns:a16="http://schemas.microsoft.com/office/drawing/2014/main" id="{BB9B28AA-0297-BEF1-74E5-5E89CDAFBAF2}"/>
-                </a:ext>
-              </a:extLst>
-            </p:cNvPr>
-            <p:cNvSpPr txBox="1"/>
-            <p:nvPr/>
-          </p:nvSpPr>
-          <p:spPr>
-            <a:xfrm>
-              <a:off x="62470" y="1905552"/>
-              <a:ext cx="1007999" cy="169277"/>
-            </a:xfrm>
-            <a:prstGeom prst="rect">
-              <a:avLst/>
-            </a:prstGeom>
-            <a:solidFill>
-              <a:srgbClr val="F4B9BE">
-                <a:alpha val="50000"/>
-              </a:srgbClr>
-            </a:solidFill>
-            <a:ln w="6350">
-              <a:noFill/>
-              <a:prstDash val="dash"/>
-            </a:ln>
-          </p:spPr>
-          <p:txBody>
-            <a:bodyPr wrap="square" lIns="36000" rIns="36000" rtlCol="0">
-              <a:spAutoFit/>
-            </a:bodyPr>
-            <a:lstStyle/>
-            <a:p>
-              <a:pPr algn="ctr"/>
-              <a:r>
-                <a:rPr lang="en-US" sz="500" dirty="0">
-                  <a:latin typeface="Arial" panose="020B0604020202020204" pitchFamily="34" charset="0"/>
-                  <a:cs typeface="Arial" panose="020B0604020202020204" pitchFamily="34" charset="0"/>
-                </a:rPr>
-                <a:t>chr7:g.55174775_55174789del </a:t>
-              </a:r>
-            </a:p>
-          </p:txBody>
-        </p:sp>
-        <p:cxnSp>
-          <p:nvCxnSpPr>
-            <p:cNvPr id="18" name="Straight Arrow Connector 17">
-              <a:extLst>
-                <a:ext uri="{FF2B5EF4-FFF2-40B4-BE49-F238E27FC236}">
-                  <a16:creationId xmlns:a16="http://schemas.microsoft.com/office/drawing/2014/main" id="{50031A52-D40A-5D7D-D75A-658F64957F17}"/>
-                </a:ext>
-              </a:extLst>
-            </p:cNvPr>
-            <p:cNvCxnSpPr>
-              <a:cxnSpLocks/>
-              <a:stCxn id="2" idx="3"/>
-              <a:endCxn id="6" idx="1"/>
-            </p:cNvCxnSpPr>
-            <p:nvPr/>
-          </p:nvCxnSpPr>
-          <p:spPr>
-            <a:xfrm>
-              <a:off x="1070468" y="1315257"/>
-              <a:ext cx="324566" cy="0"/>
-            </a:xfrm>
-            <a:prstGeom prst="straightConnector1">
-              <a:avLst/>
-            </a:prstGeom>
-            <a:ln>
-              <a:solidFill>
-                <a:srgbClr val="7D3C46">
-                  <a:alpha val="74902"/>
-                </a:srgbClr>
-              </a:solidFill>
-              <a:tailEnd type="triangle"/>
-            </a:ln>
-          </p:spPr>
-          <p:style>
-            <a:lnRef idx="1">
-              <a:schemeClr val="dk1"/>
-            </a:lnRef>
-            <a:fillRef idx="0">
-              <a:schemeClr val="dk1"/>
-            </a:fillRef>
-            <a:effectRef idx="0">
-              <a:schemeClr val="dk1"/>
-            </a:effectRef>
-            <a:fontRef idx="minor">
-              <a:schemeClr val="tx1"/>
-            </a:fontRef>
-          </p:style>
-        </p:cxnSp>
-        <p:cxnSp>
-          <p:nvCxnSpPr>
-            <p:cNvPr id="20" name="Straight Arrow Connector 19">
-              <a:extLst>
-                <a:ext uri="{FF2B5EF4-FFF2-40B4-BE49-F238E27FC236}">
-                  <a16:creationId xmlns:a16="http://schemas.microsoft.com/office/drawing/2014/main" id="{6B276836-0882-5A4A-D8BB-AE1B8169256C}"/>
-                </a:ext>
-              </a:extLst>
-            </p:cNvPr>
-            <p:cNvCxnSpPr>
-              <a:cxnSpLocks/>
-              <a:stCxn id="5" idx="3"/>
-              <a:endCxn id="7" idx="1"/>
-            </p:cNvCxnSpPr>
-            <p:nvPr/>
-          </p:nvCxnSpPr>
-          <p:spPr>
-            <a:xfrm>
-              <a:off x="1070470" y="1652723"/>
-              <a:ext cx="324567" cy="0"/>
-            </a:xfrm>
-            <a:prstGeom prst="straightConnector1">
-              <a:avLst/>
-            </a:prstGeom>
-            <a:ln>
-              <a:solidFill>
-                <a:srgbClr val="7D3C46">
-                  <a:alpha val="74902"/>
-                </a:srgbClr>
-              </a:solidFill>
-              <a:tailEnd type="triangle"/>
-            </a:ln>
-          </p:spPr>
-          <p:style>
-            <a:lnRef idx="1">
-              <a:schemeClr val="dk1"/>
-            </a:lnRef>
-            <a:fillRef idx="0">
-              <a:schemeClr val="dk1"/>
-            </a:fillRef>
-            <a:effectRef idx="0">
-              <a:schemeClr val="dk1"/>
-            </a:effectRef>
-            <a:fontRef idx="minor">
-              <a:schemeClr val="tx1"/>
-            </a:fontRef>
-          </p:style>
-        </p:cxnSp>
-        <p:cxnSp>
-          <p:nvCxnSpPr>
-            <p:cNvPr id="22" name="Straight Arrow Connector 21">
-              <a:extLst>
-                <a:ext uri="{FF2B5EF4-FFF2-40B4-BE49-F238E27FC236}">
-                  <a16:creationId xmlns:a16="http://schemas.microsoft.com/office/drawing/2014/main" id="{6574F2FB-7BB7-FE24-6B06-90C80B07D74A}"/>
-                </a:ext>
-              </a:extLst>
-            </p:cNvPr>
-            <p:cNvCxnSpPr>
-              <a:stCxn id="6" idx="3"/>
-              <a:endCxn id="8" idx="1"/>
-            </p:cNvCxnSpPr>
-            <p:nvPr/>
-          </p:nvCxnSpPr>
-          <p:spPr>
-            <a:xfrm>
-              <a:off x="2403033" y="1315257"/>
-              <a:ext cx="324566" cy="0"/>
-            </a:xfrm>
-            <a:prstGeom prst="straightConnector1">
-              <a:avLst/>
-            </a:prstGeom>
-            <a:ln>
-              <a:solidFill>
-                <a:srgbClr val="7D3C46">
-                  <a:alpha val="74902"/>
-                </a:srgbClr>
-              </a:solidFill>
-              <a:tailEnd type="triangle"/>
-            </a:ln>
-          </p:spPr>
-          <p:style>
-            <a:lnRef idx="1">
-              <a:schemeClr val="dk1"/>
-            </a:lnRef>
-            <a:fillRef idx="0">
-              <a:schemeClr val="dk1"/>
-            </a:fillRef>
-            <a:effectRef idx="0">
-              <a:schemeClr val="dk1"/>
-            </a:effectRef>
-            <a:fontRef idx="minor">
-              <a:schemeClr val="tx1"/>
-            </a:fontRef>
-          </p:style>
-        </p:cxnSp>
-        <p:cxnSp>
-          <p:nvCxnSpPr>
-            <p:cNvPr id="24" name="Straight Arrow Connector 23">
-              <a:extLst>
-                <a:ext uri="{FF2B5EF4-FFF2-40B4-BE49-F238E27FC236}">
-                  <a16:creationId xmlns:a16="http://schemas.microsoft.com/office/drawing/2014/main" id="{DB132889-9CA6-6E55-D684-3A2D6336C838}"/>
-                </a:ext>
-              </a:extLst>
-            </p:cNvPr>
-            <p:cNvCxnSpPr>
-              <a:stCxn id="8" idx="3"/>
-              <a:endCxn id="10" idx="1"/>
-            </p:cNvCxnSpPr>
-            <p:nvPr/>
-          </p:nvCxnSpPr>
-          <p:spPr>
-            <a:xfrm>
-              <a:off x="3735598" y="1315257"/>
-              <a:ext cx="324566" cy="0"/>
-            </a:xfrm>
-            <a:prstGeom prst="straightConnector1">
-              <a:avLst/>
-            </a:prstGeom>
-            <a:ln>
-              <a:solidFill>
-                <a:srgbClr val="7D3C46">
-                  <a:alpha val="74902"/>
-                </a:srgbClr>
-              </a:solidFill>
-              <a:tailEnd type="triangle"/>
-            </a:ln>
-          </p:spPr>
-          <p:style>
-            <a:lnRef idx="1">
-              <a:schemeClr val="dk1"/>
-            </a:lnRef>
-            <a:fillRef idx="0">
-              <a:schemeClr val="dk1"/>
-            </a:fillRef>
-            <a:effectRef idx="0">
-              <a:schemeClr val="dk1"/>
-            </a:effectRef>
-            <a:fontRef idx="minor">
-              <a:schemeClr val="tx1"/>
-            </a:fontRef>
-          </p:style>
-        </p:cxnSp>
-        <p:cxnSp>
-          <p:nvCxnSpPr>
-            <p:cNvPr id="26" name="Straight Arrow Connector 25">
-              <a:extLst>
-                <a:ext uri="{FF2B5EF4-FFF2-40B4-BE49-F238E27FC236}">
-                  <a16:creationId xmlns:a16="http://schemas.microsoft.com/office/drawing/2014/main" id="{5905B411-71EA-E5F5-12F2-88491E2B361B}"/>
-                </a:ext>
-              </a:extLst>
-            </p:cNvPr>
-            <p:cNvCxnSpPr>
-              <a:cxnSpLocks/>
-              <a:stCxn id="10" idx="3"/>
-              <a:endCxn id="11" idx="1"/>
-            </p:cNvCxnSpPr>
-            <p:nvPr/>
-          </p:nvCxnSpPr>
-          <p:spPr>
-            <a:xfrm>
-              <a:off x="5068163" y="1315257"/>
-              <a:ext cx="324566" cy="0"/>
-            </a:xfrm>
-            <a:prstGeom prst="straightConnector1">
-              <a:avLst/>
-            </a:prstGeom>
-            <a:ln>
-              <a:solidFill>
-                <a:srgbClr val="7D3C46">
-                  <a:alpha val="74902"/>
-                </a:srgbClr>
-              </a:solidFill>
-              <a:tailEnd type="triangle"/>
-            </a:ln>
-          </p:spPr>
-          <p:style>
-            <a:lnRef idx="1">
-              <a:schemeClr val="dk1"/>
-            </a:lnRef>
-            <a:fillRef idx="0">
-              <a:schemeClr val="dk1"/>
-            </a:fillRef>
-            <a:effectRef idx="0">
-              <a:schemeClr val="dk1"/>
-            </a:effectRef>
-            <a:fontRef idx="minor">
-              <a:schemeClr val="tx1"/>
-            </a:fontRef>
-          </p:style>
-        </p:cxnSp>
-        <p:cxnSp>
-          <p:nvCxnSpPr>
-            <p:cNvPr id="36" name="Curved Connector 35">
-              <a:extLst>
-                <a:ext uri="{FF2B5EF4-FFF2-40B4-BE49-F238E27FC236}">
-                  <a16:creationId xmlns:a16="http://schemas.microsoft.com/office/drawing/2014/main" id="{56CB475F-6E25-7A89-EC46-AD322B78064E}"/>
-                </a:ext>
-              </a:extLst>
-            </p:cNvPr>
-            <p:cNvCxnSpPr>
-              <a:cxnSpLocks/>
-              <a:stCxn id="10" idx="3"/>
-              <a:endCxn id="12" idx="1"/>
-            </p:cNvCxnSpPr>
-            <p:nvPr/>
-          </p:nvCxnSpPr>
-          <p:spPr>
-            <a:xfrm>
-              <a:off x="5068165" y="1315257"/>
-              <a:ext cx="324565" cy="337466"/>
-            </a:xfrm>
-            <a:prstGeom prst="curvedConnector3">
-              <a:avLst/>
-            </a:prstGeom>
-            <a:ln>
-              <a:solidFill>
-                <a:srgbClr val="7D3C46">
-                  <a:alpha val="74902"/>
-                </a:srgbClr>
-              </a:solidFill>
-              <a:tailEnd type="triangle"/>
-            </a:ln>
-          </p:spPr>
-          <p:style>
-            <a:lnRef idx="1">
-              <a:schemeClr val="dk1"/>
-            </a:lnRef>
-            <a:fillRef idx="0">
-              <a:schemeClr val="dk1"/>
-            </a:fillRef>
-            <a:effectRef idx="0">
-              <a:schemeClr val="dk1"/>
-            </a:effectRef>
-            <a:fontRef idx="minor">
-              <a:schemeClr val="tx1"/>
-            </a:fontRef>
-          </p:style>
-        </p:cxnSp>
-        <p:cxnSp>
-          <p:nvCxnSpPr>
-            <p:cNvPr id="38" name="Curved Connector 37">
-              <a:extLst>
-                <a:ext uri="{FF2B5EF4-FFF2-40B4-BE49-F238E27FC236}">
-                  <a16:creationId xmlns:a16="http://schemas.microsoft.com/office/drawing/2014/main" id="{8C4BD1FA-0EB2-F894-B650-D6B6887977F1}"/>
-                </a:ext>
-              </a:extLst>
-            </p:cNvPr>
-            <p:cNvCxnSpPr>
-              <a:cxnSpLocks/>
-              <a:stCxn id="10" idx="3"/>
-              <a:endCxn id="13" idx="1"/>
-            </p:cNvCxnSpPr>
-            <p:nvPr/>
-          </p:nvCxnSpPr>
-          <p:spPr>
-            <a:xfrm>
-              <a:off x="5068165" y="1315257"/>
-              <a:ext cx="324565" cy="674932"/>
-            </a:xfrm>
-            <a:prstGeom prst="curvedConnector3">
-              <a:avLst/>
-            </a:prstGeom>
-            <a:ln>
-              <a:solidFill>
-                <a:srgbClr val="7D3C46">
-                  <a:alpha val="74902"/>
-                </a:srgbClr>
-              </a:solidFill>
-              <a:tailEnd type="triangle"/>
-            </a:ln>
-          </p:spPr>
-          <p:style>
-            <a:lnRef idx="1">
-              <a:schemeClr val="dk1"/>
-            </a:lnRef>
-            <a:fillRef idx="0">
-              <a:schemeClr val="dk1"/>
-            </a:fillRef>
-            <a:effectRef idx="0">
-              <a:schemeClr val="dk1"/>
-            </a:effectRef>
-            <a:fontRef idx="minor">
-              <a:schemeClr val="tx1"/>
-            </a:fontRef>
-          </p:style>
-        </p:cxnSp>
-        <p:sp>
-          <p:nvSpPr>
-            <p:cNvPr id="39" name="TextBox 38">
-              <a:extLst>
-                <a:ext uri="{FF2B5EF4-FFF2-40B4-BE49-F238E27FC236}">
-                  <a16:creationId xmlns:a16="http://schemas.microsoft.com/office/drawing/2014/main" id="{41457D82-6642-A0B5-2232-313792B23C04}"/>
-                </a:ext>
-              </a:extLst>
-            </p:cNvPr>
-            <p:cNvSpPr txBox="1"/>
-            <p:nvPr/>
-          </p:nvSpPr>
-          <p:spPr>
-            <a:xfrm>
-              <a:off x="1395035" y="1905551"/>
-              <a:ext cx="1007999" cy="169277"/>
-            </a:xfrm>
-            <a:prstGeom prst="rect">
-              <a:avLst/>
-            </a:prstGeom>
-            <a:solidFill>
-              <a:srgbClr val="F4B9BE">
-                <a:alpha val="50000"/>
-              </a:srgbClr>
-            </a:solidFill>
-            <a:ln w="6350">
-              <a:noFill/>
-              <a:prstDash val="dash"/>
-            </a:ln>
-          </p:spPr>
-          <p:txBody>
-            <a:bodyPr wrap="square" lIns="36000" rIns="36000" rtlCol="0">
-              <a:spAutoFit/>
-            </a:bodyPr>
-            <a:lstStyle/>
-            <a:p>
-              <a:pPr algn="ctr"/>
-              <a:r>
-                <a:rPr lang="en-US" sz="500" dirty="0">
-                  <a:latin typeface="Arial" panose="020B0604020202020204" pitchFamily="34" charset="0"/>
-                  <a:cs typeface="Arial" panose="020B0604020202020204" pitchFamily="34" charset="0"/>
-                </a:rPr>
-                <a:t>NM_005228.5:c.2240_2254del</a:t>
-              </a:r>
-            </a:p>
-          </p:txBody>
-        </p:sp>
-        <p:cxnSp>
-          <p:nvCxnSpPr>
-            <p:cNvPr id="44" name="Straight Arrow Connector 43">
-              <a:extLst>
-                <a:ext uri="{FF2B5EF4-FFF2-40B4-BE49-F238E27FC236}">
-                  <a16:creationId xmlns:a16="http://schemas.microsoft.com/office/drawing/2014/main" id="{DE514F6A-3928-0558-CC02-4D606C790DD0}"/>
-                </a:ext>
-              </a:extLst>
-            </p:cNvPr>
-            <p:cNvCxnSpPr>
-              <a:cxnSpLocks/>
-              <a:stCxn id="14" idx="3"/>
-              <a:endCxn id="39" idx="1"/>
-            </p:cNvCxnSpPr>
-            <p:nvPr/>
-          </p:nvCxnSpPr>
-          <p:spPr>
-            <a:xfrm flipV="1">
-              <a:off x="1070467" y="1990190"/>
-              <a:ext cx="324566" cy="1"/>
-            </a:xfrm>
-            <a:prstGeom prst="straightConnector1">
-              <a:avLst/>
-            </a:prstGeom>
-            <a:ln>
-              <a:solidFill>
-                <a:srgbClr val="7D3C46">
-                  <a:alpha val="75000"/>
-                </a:srgbClr>
-              </a:solidFill>
-              <a:tailEnd type="triangle"/>
-            </a:ln>
-          </p:spPr>
-          <p:style>
-            <a:lnRef idx="1">
-              <a:schemeClr val="dk1"/>
-            </a:lnRef>
-            <a:fillRef idx="0">
-              <a:schemeClr val="dk1"/>
-            </a:fillRef>
-            <a:effectRef idx="0">
-              <a:schemeClr val="dk1"/>
-            </a:effectRef>
-            <a:fontRef idx="minor">
-              <a:schemeClr val="tx1"/>
-            </a:fontRef>
-          </p:style>
-        </p:cxnSp>
-        <p:sp>
-          <p:nvSpPr>
-            <p:cNvPr id="54" name="TextBox 53">
-              <a:extLst>
-                <a:ext uri="{FF2B5EF4-FFF2-40B4-BE49-F238E27FC236}">
-                  <a16:creationId xmlns:a16="http://schemas.microsoft.com/office/drawing/2014/main" id="{9C84E535-D658-5A31-612E-EE68B09A4513}"/>
-                </a:ext>
-              </a:extLst>
-            </p:cNvPr>
-            <p:cNvSpPr txBox="1"/>
-            <p:nvPr/>
-          </p:nvSpPr>
-          <p:spPr>
-            <a:xfrm>
-              <a:off x="62470" y="2474216"/>
-              <a:ext cx="5005693" cy="184120"/>
-            </a:xfrm>
-            <a:prstGeom prst="rect">
-              <a:avLst/>
-            </a:prstGeom>
-            <a:noFill/>
-            <a:ln>
-              <a:noFill/>
-            </a:ln>
-          </p:spPr>
-          <p:txBody>
-            <a:bodyPr wrap="square" rtlCol="0">
-              <a:spAutoFit/>
-            </a:bodyPr>
-            <a:lstStyle/>
-            <a:p>
-              <a:pPr algn="ctr"/>
-              <a:r>
-                <a:rPr lang="en-US" sz="600" dirty="0">
-                  <a:latin typeface="Arial" panose="020B0604020202020204" pitchFamily="34" charset="0"/>
-                  <a:cs typeface="Arial" panose="020B0604020202020204" pitchFamily="34" charset="0"/>
-                </a:rPr>
-                <a:t>Categorical due to:</a:t>
-              </a:r>
-            </a:p>
-          </p:txBody>
-        </p:sp>
-        <p:sp>
-          <p:nvSpPr>
-            <p:cNvPr id="55" name="TextBox 54">
-              <a:extLst>
-                <a:ext uri="{FF2B5EF4-FFF2-40B4-BE49-F238E27FC236}">
-                  <a16:creationId xmlns:a16="http://schemas.microsoft.com/office/drawing/2014/main" id="{411A0F2A-AC68-719D-2D75-5A31795C7B80}"/>
-                </a:ext>
-              </a:extLst>
-            </p:cNvPr>
-            <p:cNvSpPr txBox="1"/>
-            <p:nvPr/>
-          </p:nvSpPr>
-          <p:spPr>
-            <a:xfrm>
-              <a:off x="62470" y="2675508"/>
-              <a:ext cx="1007999" cy="369332"/>
-            </a:xfrm>
-            <a:prstGeom prst="rect">
-              <a:avLst/>
-            </a:prstGeom>
-            <a:solidFill>
-              <a:srgbClr val="B78A12">
-                <a:alpha val="25098"/>
-              </a:srgbClr>
-            </a:solidFill>
-          </p:spPr>
-          <p:txBody>
-            <a:bodyPr wrap="square" rtlCol="0">
-              <a:spAutoFit/>
-            </a:bodyPr>
-            <a:lstStyle/>
-            <a:p>
-              <a:pPr algn="ctr"/>
-              <a:r>
-                <a:rPr lang="en-US" sz="600" dirty="0">
-                  <a:latin typeface="Arial" panose="020B0604020202020204" pitchFamily="34" charset="0"/>
-                  <a:cs typeface="Arial" panose="020B0604020202020204" pitchFamily="34" charset="0"/>
-                </a:rPr>
-                <a:t>Reference assemblies, insertion and deletion normalization</a:t>
-              </a:r>
-            </a:p>
-          </p:txBody>
-        </p:sp>
-        <p:sp>
-          <p:nvSpPr>
-            <p:cNvPr id="56" name="TextBox 55">
-              <a:extLst>
-                <a:ext uri="{FF2B5EF4-FFF2-40B4-BE49-F238E27FC236}">
-                  <a16:creationId xmlns:a16="http://schemas.microsoft.com/office/drawing/2014/main" id="{808F9A0D-A939-6255-584C-60857390E4C5}"/>
-                </a:ext>
-              </a:extLst>
-            </p:cNvPr>
-            <p:cNvSpPr txBox="1"/>
-            <p:nvPr/>
-          </p:nvSpPr>
-          <p:spPr>
-            <a:xfrm>
-              <a:off x="1395034" y="2675508"/>
-              <a:ext cx="1007999" cy="184666"/>
-            </a:xfrm>
-            <a:prstGeom prst="rect">
-              <a:avLst/>
-            </a:prstGeom>
-            <a:solidFill>
-              <a:srgbClr val="B78A12">
-                <a:alpha val="25098"/>
-              </a:srgbClr>
-            </a:solidFill>
-          </p:spPr>
-          <p:txBody>
-            <a:bodyPr wrap="square" rtlCol="0">
-              <a:spAutoFit/>
-            </a:bodyPr>
-            <a:lstStyle/>
-            <a:p>
-              <a:pPr algn="ctr"/>
-              <a:r>
-                <a:rPr lang="en-US" sz="600" dirty="0">
-                  <a:latin typeface="Arial" panose="020B0604020202020204" pitchFamily="34" charset="0"/>
-                  <a:cs typeface="Arial" panose="020B0604020202020204" pitchFamily="34" charset="0"/>
-                </a:rPr>
-                <a:t>Transcript choice</a:t>
-              </a:r>
-            </a:p>
-          </p:txBody>
-        </p:sp>
-        <p:sp>
-          <p:nvSpPr>
-            <p:cNvPr id="57" name="TextBox 56">
-              <a:extLst>
-                <a:ext uri="{FF2B5EF4-FFF2-40B4-BE49-F238E27FC236}">
-                  <a16:creationId xmlns:a16="http://schemas.microsoft.com/office/drawing/2014/main" id="{CCCEE550-E9A4-2A61-F397-42257BCD24BF}"/>
-                </a:ext>
-              </a:extLst>
-            </p:cNvPr>
-            <p:cNvSpPr txBox="1"/>
-            <p:nvPr/>
-          </p:nvSpPr>
-          <p:spPr>
-            <a:xfrm>
-              <a:off x="2727598" y="2675507"/>
-              <a:ext cx="1007999" cy="369332"/>
-            </a:xfrm>
-            <a:prstGeom prst="rect">
-              <a:avLst/>
-            </a:prstGeom>
-            <a:solidFill>
-              <a:srgbClr val="B78A12">
-                <a:alpha val="25098"/>
-              </a:srgbClr>
-            </a:solidFill>
-          </p:spPr>
-          <p:txBody>
-            <a:bodyPr wrap="square" rtlCol="0">
-              <a:spAutoFit/>
-            </a:bodyPr>
-            <a:lstStyle/>
-            <a:p>
-              <a:pPr algn="ctr"/>
-              <a:r>
-                <a:rPr lang="en-US" sz="600" dirty="0">
-                  <a:latin typeface="Arial" panose="020B0604020202020204" pitchFamily="34" charset="0"/>
-                  <a:cs typeface="Arial" panose="020B0604020202020204" pitchFamily="34" charset="0"/>
-                </a:rPr>
-                <a:t>Codon degeneracy, protein isoforms, frameshift normalization</a:t>
-              </a:r>
-            </a:p>
-          </p:txBody>
-        </p:sp>
-        <p:sp>
-          <p:nvSpPr>
-            <p:cNvPr id="58" name="TextBox 57">
-              <a:extLst>
-                <a:ext uri="{FF2B5EF4-FFF2-40B4-BE49-F238E27FC236}">
-                  <a16:creationId xmlns:a16="http://schemas.microsoft.com/office/drawing/2014/main" id="{F6C6F662-FAAE-8DA4-727E-1A67CE46FAE0}"/>
-                </a:ext>
-              </a:extLst>
-            </p:cNvPr>
-            <p:cNvSpPr txBox="1"/>
-            <p:nvPr/>
-          </p:nvSpPr>
-          <p:spPr>
-            <a:xfrm>
-              <a:off x="4060165" y="1857752"/>
-              <a:ext cx="1007999" cy="553998"/>
-            </a:xfrm>
-            <a:prstGeom prst="rect">
-              <a:avLst/>
-            </a:prstGeom>
-            <a:solidFill>
-              <a:srgbClr val="B78A12">
-                <a:alpha val="25098"/>
-              </a:srgbClr>
-            </a:solidFill>
-          </p:spPr>
-          <p:txBody>
-            <a:bodyPr wrap="square" rtlCol="0">
-              <a:spAutoFit/>
-            </a:bodyPr>
-            <a:lstStyle/>
-            <a:p>
-              <a:pPr algn="ctr"/>
-              <a:r>
-                <a:rPr lang="en-US" sz="600" dirty="0">
-                  <a:latin typeface="Arial" panose="020B0604020202020204" pitchFamily="34" charset="0"/>
-                  <a:cs typeface="Arial" panose="020B0604020202020204" pitchFamily="34" charset="0"/>
-                </a:rPr>
-                <a:t>Describes a discrete class of possible variation in the abstract, often representing sets of assayable alterations</a:t>
-              </a:r>
-            </a:p>
-          </p:txBody>
-        </p:sp>
-        <p:sp>
-          <p:nvSpPr>
-            <p:cNvPr id="59" name="TextBox 58">
-              <a:extLst>
-                <a:ext uri="{FF2B5EF4-FFF2-40B4-BE49-F238E27FC236}">
-                  <a16:creationId xmlns:a16="http://schemas.microsoft.com/office/drawing/2014/main" id="{73E8C355-2A34-9C9D-E382-E75BE2185170}"/>
-                </a:ext>
-              </a:extLst>
-            </p:cNvPr>
-            <p:cNvSpPr txBox="1"/>
-            <p:nvPr/>
-          </p:nvSpPr>
-          <p:spPr>
-            <a:xfrm>
-              <a:off x="5392730" y="1053647"/>
-              <a:ext cx="1007999" cy="184666"/>
+              <a:off x="3198695" y="986430"/>
+              <a:ext cx="202299" cy="212687"/>
             </a:xfrm>
             <a:prstGeom prst="rect">
               <a:avLst/>
@@ -4611,23 +5416,55 @@
             </a:bodyPr>
             <a:lstStyle/>
             <a:p>
-              <a:pPr algn="ctr"/>
+              <a:pPr>
+                <a:lnSpc>
+                  <a:spcPts val="300"/>
+                </a:lnSpc>
+              </a:pPr>
               <a:r>
-                <a:rPr lang="en-US" sz="600" dirty="0">
+                <a:rPr lang="en-US" sz="500" dirty="0">
                   <a:latin typeface="Arial" panose="020B0604020202020204" pitchFamily="34" charset="0"/>
                   <a:cs typeface="Arial" panose="020B0604020202020204" pitchFamily="34" charset="0"/>
                 </a:rPr>
-                <a:t>Genomic knowledge</a:t>
+                <a:t>.</a:t>
+              </a:r>
+            </a:p>
+            <a:p>
+              <a:pPr>
+                <a:lnSpc>
+                  <a:spcPts val="300"/>
+                </a:lnSpc>
+              </a:pPr>
+              <a:r>
+                <a:rPr lang="en-US" sz="500" dirty="0">
+                  <a:latin typeface="Arial" panose="020B0604020202020204" pitchFamily="34" charset="0"/>
+                  <a:cs typeface="Arial" panose="020B0604020202020204" pitchFamily="34" charset="0"/>
+                </a:rPr>
+                <a:t>.</a:t>
+              </a:r>
+            </a:p>
+            <a:p>
+              <a:pPr>
+                <a:lnSpc>
+                  <a:spcPts val="300"/>
+                </a:lnSpc>
+              </a:pPr>
+              <a:r>
+                <a:rPr lang="en-US" sz="500" dirty="0">
+                  <a:latin typeface="Arial" panose="020B0604020202020204" pitchFamily="34" charset="0"/>
+                  <a:cs typeface="Arial" panose="020B0604020202020204" pitchFamily="34" charset="0"/>
+                </a:rPr>
+                <a:t>.</a:t>
               </a:r>
             </a:p>
           </p:txBody>
         </p:sp>
         <p:sp>
           <p:nvSpPr>
-            <p:cNvPr id="61" name="TextBox 60">
+            <p:cNvPr id="17" name="TextBox 16">
               <a:extLst>
                 <a:ext uri="{FF2B5EF4-FFF2-40B4-BE49-F238E27FC236}">
-                  <a16:creationId xmlns:a16="http://schemas.microsoft.com/office/drawing/2014/main" id="{00EDC3DA-C94E-6EBD-8EF1-AC6EF4D0F982}"/>
+                  <a16:creationId xmlns:a16="http://schemas.microsoft.com/office/drawing/2014/main" id="{CCC2B168-B774-C84A-0EC4-03870DA17137}"/>
                 </a:ext>
               </a:extLst>
             </p:cNvPr>
@@ -4636,8 +5473,8 @@
           </p:nvSpPr>
           <p:spPr>
             <a:xfrm>
-              <a:off x="2727597" y="1049071"/>
-              <a:ext cx="1007999" cy="184666"/>
+              <a:off x="4525479" y="654169"/>
+              <a:ext cx="202299" cy="212687"/>
             </a:xfrm>
             <a:prstGeom prst="rect">
               <a:avLst/>
@@ -4650,23 +5487,55 @@
             </a:bodyPr>
             <a:lstStyle/>
             <a:p>
-              <a:pPr algn="ctr"/>
+              <a:pPr>
+                <a:lnSpc>
+                  <a:spcPts val="300"/>
+                </a:lnSpc>
+              </a:pPr>
               <a:r>
-                <a:rPr lang="en-US" sz="600" dirty="0">
+                <a:rPr lang="en-US" sz="500" dirty="0">
                   <a:latin typeface="Arial" panose="020B0604020202020204" pitchFamily="34" charset="0"/>
                   <a:cs typeface="Arial" panose="020B0604020202020204" pitchFamily="34" charset="0"/>
                 </a:rPr>
-                <a:t>HGVS Protein (p.)</a:t>
+                <a:t>.</a:t>
+              </a:r>
+            </a:p>
+            <a:p>
+              <a:pPr>
+                <a:lnSpc>
+                  <a:spcPts val="300"/>
+                </a:lnSpc>
+              </a:pPr>
+              <a:r>
+                <a:rPr lang="en-US" sz="500" dirty="0">
+                  <a:latin typeface="Arial" panose="020B0604020202020204" pitchFamily="34" charset="0"/>
+                  <a:cs typeface="Arial" panose="020B0604020202020204" pitchFamily="34" charset="0"/>
+                </a:rPr>
+                <a:t>.</a:t>
+              </a:r>
+            </a:p>
+            <a:p>
+              <a:pPr>
+                <a:lnSpc>
+                  <a:spcPts val="300"/>
+                </a:lnSpc>
+              </a:pPr>
+              <a:r>
+                <a:rPr lang="en-US" sz="500" dirty="0">
+                  <a:latin typeface="Arial" panose="020B0604020202020204" pitchFamily="34" charset="0"/>
+                  <a:cs typeface="Arial" panose="020B0604020202020204" pitchFamily="34" charset="0"/>
+                </a:rPr>
+                <a:t>.</a:t>
               </a:r>
             </a:p>
           </p:txBody>
         </p:sp>
         <p:sp>
           <p:nvSpPr>
-            <p:cNvPr id="62" name="TextBox 61">
+            <p:cNvPr id="23" name="TextBox 22">
               <a:extLst>
                 <a:ext uri="{FF2B5EF4-FFF2-40B4-BE49-F238E27FC236}">
-                  <a16:creationId xmlns:a16="http://schemas.microsoft.com/office/drawing/2014/main" id="{E8610847-0CDF-17F6-4E61-829170FB622C}"/>
+                  <a16:creationId xmlns:a16="http://schemas.microsoft.com/office/drawing/2014/main" id="{991B1F7A-8380-D70F-6186-22DBDFDF268C}"/>
                 </a:ext>
               </a:extLst>
             </p:cNvPr>
@@ -4675,8 +5544,8 @@
           </p:nvSpPr>
           <p:spPr>
             <a:xfrm>
-              <a:off x="1395031" y="1053103"/>
-              <a:ext cx="1007999" cy="184666"/>
+              <a:off x="1856693" y="1304472"/>
+              <a:ext cx="202299" cy="212687"/>
             </a:xfrm>
             <a:prstGeom prst="rect">
               <a:avLst/>
@@ -4689,23 +5558,55 @@
             </a:bodyPr>
             <a:lstStyle/>
             <a:p>
-              <a:pPr algn="ctr"/>
+              <a:pPr>
+                <a:lnSpc>
+                  <a:spcPts val="300"/>
+                </a:lnSpc>
+              </a:pPr>
               <a:r>
-                <a:rPr lang="en-US" sz="600" dirty="0">
+                <a:rPr lang="en-US" sz="500" dirty="0">
                   <a:latin typeface="Arial" panose="020B0604020202020204" pitchFamily="34" charset="0"/>
                   <a:cs typeface="Arial" panose="020B0604020202020204" pitchFamily="34" charset="0"/>
                 </a:rPr>
-                <a:t>HGVS Coding DNA (c.)</a:t>
+                <a:t>.</a:t>
+              </a:r>
+            </a:p>
+            <a:p>
+              <a:pPr>
+                <a:lnSpc>
+                  <a:spcPts val="300"/>
+                </a:lnSpc>
+              </a:pPr>
+              <a:r>
+                <a:rPr lang="en-US" sz="500" dirty="0">
+                  <a:latin typeface="Arial" panose="020B0604020202020204" pitchFamily="34" charset="0"/>
+                  <a:cs typeface="Arial" panose="020B0604020202020204" pitchFamily="34" charset="0"/>
+                </a:rPr>
+                <a:t>.</a:t>
+              </a:r>
+            </a:p>
+            <a:p>
+              <a:pPr>
+                <a:lnSpc>
+                  <a:spcPts val="300"/>
+                </a:lnSpc>
+              </a:pPr>
+              <a:r>
+                <a:rPr lang="en-US" sz="500" dirty="0">
+                  <a:latin typeface="Arial" panose="020B0604020202020204" pitchFamily="34" charset="0"/>
+                  <a:cs typeface="Arial" panose="020B0604020202020204" pitchFamily="34" charset="0"/>
+                </a:rPr>
+                <a:t>.</a:t>
               </a:r>
             </a:p>
           </p:txBody>
         </p:sp>
         <p:sp>
           <p:nvSpPr>
-            <p:cNvPr id="63" name="TextBox 62">
+            <p:cNvPr id="25" name="TextBox 24">
               <a:extLst>
                 <a:ext uri="{FF2B5EF4-FFF2-40B4-BE49-F238E27FC236}">
-                  <a16:creationId xmlns:a16="http://schemas.microsoft.com/office/drawing/2014/main" id="{F5D67200-6ECC-83F4-0B3F-27ABC48B7C79}"/>
+                  <a16:creationId xmlns:a16="http://schemas.microsoft.com/office/drawing/2014/main" id="{1CB0B600-3911-A07D-9F11-BA7493E161D2}"/>
                 </a:ext>
               </a:extLst>
             </p:cNvPr>
@@ -4714,8 +5615,8 @@
           </p:nvSpPr>
           <p:spPr>
             <a:xfrm>
-              <a:off x="62464" y="1049071"/>
-              <a:ext cx="1007999" cy="184666"/>
+              <a:off x="527782" y="1660490"/>
+              <a:ext cx="202299" cy="212687"/>
             </a:xfrm>
             <a:prstGeom prst="rect">
               <a:avLst/>
@@ -4728,23 +5629,55 @@
             </a:bodyPr>
             <a:lstStyle/>
             <a:p>
-              <a:pPr algn="ctr"/>
+              <a:pPr>
+                <a:lnSpc>
+                  <a:spcPts val="300"/>
+                </a:lnSpc>
+              </a:pPr>
               <a:r>
-                <a:rPr lang="en-US" sz="600" dirty="0">
+                <a:rPr lang="en-US" sz="500" dirty="0">
                   <a:latin typeface="Arial" panose="020B0604020202020204" pitchFamily="34" charset="0"/>
                   <a:cs typeface="Arial" panose="020B0604020202020204" pitchFamily="34" charset="0"/>
                 </a:rPr>
-                <a:t>HGVS Genomic (g.)</a:t>
+                <a:t>.</a:t>
+              </a:r>
+            </a:p>
+            <a:p>
+              <a:pPr>
+                <a:lnSpc>
+                  <a:spcPts val="300"/>
+                </a:lnSpc>
+              </a:pPr>
+              <a:r>
+                <a:rPr lang="en-US" sz="500" dirty="0">
+                  <a:latin typeface="Arial" panose="020B0604020202020204" pitchFamily="34" charset="0"/>
+                  <a:cs typeface="Arial" panose="020B0604020202020204" pitchFamily="34" charset="0"/>
+                </a:rPr>
+                <a:t>.</a:t>
+              </a:r>
+            </a:p>
+            <a:p>
+              <a:pPr>
+                <a:lnSpc>
+                  <a:spcPts val="300"/>
+                </a:lnSpc>
+              </a:pPr>
+              <a:r>
+                <a:rPr lang="en-US" sz="500" dirty="0">
+                  <a:latin typeface="Arial" panose="020B0604020202020204" pitchFamily="34" charset="0"/>
+                  <a:cs typeface="Arial" panose="020B0604020202020204" pitchFamily="34" charset="0"/>
+                </a:rPr>
+                <a:t>.</a:t>
               </a:r>
             </a:p>
           </p:txBody>
         </p:sp>
         <p:sp>
           <p:nvSpPr>
-            <p:cNvPr id="65" name="TextBox 64">
+            <p:cNvPr id="27" name="TextBox 26">
               <a:extLst>
                 <a:ext uri="{FF2B5EF4-FFF2-40B4-BE49-F238E27FC236}">
-                  <a16:creationId xmlns:a16="http://schemas.microsoft.com/office/drawing/2014/main" id="{1414C298-01A0-C2CB-D4A2-2E033913A840}"/>
+                  <a16:creationId xmlns:a16="http://schemas.microsoft.com/office/drawing/2014/main" id="{78395556-08A7-2E3C-CD92-69C07A950366}"/>
                 </a:ext>
               </a:extLst>
             </p:cNvPr>
@@ -4753,8 +5686,8 @@
           </p:nvSpPr>
           <p:spPr>
             <a:xfrm>
-              <a:off x="1417639" y="828129"/>
-              <a:ext cx="3627917" cy="200055"/>
+              <a:off x="5852264" y="1660490"/>
+              <a:ext cx="202299" cy="212687"/>
             </a:xfrm>
             <a:prstGeom prst="rect">
               <a:avLst/>
@@ -4762,607 +5695,50 @@
             <a:noFill/>
           </p:spPr>
           <p:txBody>
-            <a:bodyPr wrap="none" rtlCol="0">
-              <a:spAutoFit/>
-            </a:bodyPr>
-            <a:lstStyle/>
-            <a:p>
-              <a:pPr algn="ctr"/>
-              <a:r>
-                <a:rPr lang="en-US" sz="700" dirty="0">
-                  <a:latin typeface="Arial" panose="020B0604020202020204" pitchFamily="34" charset="0"/>
-                  <a:cs typeface="Arial" panose="020B0604020202020204" pitchFamily="34" charset="0"/>
-                </a:rPr>
-                <a:t>Both specific and broadly defined sets of genomic alterations are inherently categorical</a:t>
-              </a:r>
-            </a:p>
-          </p:txBody>
-        </p:sp>
-        <p:sp>
-          <p:nvSpPr>
-            <p:cNvPr id="3" name="TextBox 2">
-              <a:extLst>
-                <a:ext uri="{FF2B5EF4-FFF2-40B4-BE49-F238E27FC236}">
-                  <a16:creationId xmlns:a16="http://schemas.microsoft.com/office/drawing/2014/main" id="{14C7CB68-3295-22A7-72AC-ACB390377782}"/>
-                </a:ext>
-              </a:extLst>
-            </p:cNvPr>
-            <p:cNvSpPr txBox="1"/>
-            <p:nvPr/>
-          </p:nvSpPr>
-          <p:spPr>
-            <a:xfrm>
-              <a:off x="5392730" y="2242475"/>
-              <a:ext cx="1007999" cy="169277"/>
-            </a:xfrm>
-            <a:prstGeom prst="rect">
-              <a:avLst/>
-            </a:prstGeom>
-            <a:solidFill>
-              <a:srgbClr val="867DCE">
-                <a:alpha val="50196"/>
-              </a:srgbClr>
-            </a:solidFill>
-          </p:spPr>
-          <p:txBody>
             <a:bodyPr wrap="square" rtlCol="0">
               <a:spAutoFit/>
             </a:bodyPr>
             <a:lstStyle/>
             <a:p>
-              <a:pPr algn="ctr"/>
+              <a:pPr>
+                <a:lnSpc>
+                  <a:spcPts val="300"/>
+                </a:lnSpc>
+              </a:pPr>
               <a:r>
                 <a:rPr lang="en-US" sz="500" dirty="0">
                   <a:latin typeface="Arial" panose="020B0604020202020204" pitchFamily="34" charset="0"/>
                   <a:cs typeface="Arial" panose="020B0604020202020204" pitchFamily="34" charset="0"/>
                 </a:rPr>
-                <a:t>Response to Osimertinib*</a:t>
+                <a:t>.</a:t>
               </a:r>
             </a:p>
-          </p:txBody>
-        </p:sp>
-        <p:sp>
-          <p:nvSpPr>
-            <p:cNvPr id="4" name="TextBox 3">
-              <a:extLst>
-                <a:ext uri="{FF2B5EF4-FFF2-40B4-BE49-F238E27FC236}">
-                  <a16:creationId xmlns:a16="http://schemas.microsoft.com/office/drawing/2014/main" id="{D4814D26-B3CB-51D3-70BD-24A1322EEBC9}"/>
-                </a:ext>
-              </a:extLst>
-            </p:cNvPr>
-            <p:cNvSpPr txBox="1"/>
-            <p:nvPr/>
-          </p:nvSpPr>
-          <p:spPr>
-            <a:xfrm>
-              <a:off x="62470" y="2242475"/>
-              <a:ext cx="1007999" cy="169277"/>
-            </a:xfrm>
-            <a:prstGeom prst="rect">
-              <a:avLst/>
-            </a:prstGeom>
-            <a:solidFill>
-              <a:srgbClr val="F4B9BE">
-                <a:alpha val="50000"/>
-              </a:srgbClr>
-            </a:solidFill>
-            <a:ln w="6350">
-              <a:noFill/>
-              <a:prstDash val="dash"/>
-            </a:ln>
-          </p:spPr>
-          <p:txBody>
-            <a:bodyPr wrap="square" lIns="36000" rIns="36000" rtlCol="0">
-              <a:spAutoFit/>
-            </a:bodyPr>
-            <a:lstStyle/>
             <a:p>
-              <a:pPr algn="ctr"/>
+              <a:pPr>
+                <a:lnSpc>
+                  <a:spcPts val="300"/>
+                </a:lnSpc>
+              </a:pPr>
               <a:r>
                 <a:rPr lang="en-US" sz="500" dirty="0">
                   <a:latin typeface="Arial" panose="020B0604020202020204" pitchFamily="34" charset="0"/>
                   <a:cs typeface="Arial" panose="020B0604020202020204" pitchFamily="34" charset="0"/>
                 </a:rPr>
-                <a:t>chr7:g.55174777_55174791del </a:t>
+                <a:t>.</a:t>
               </a:r>
             </a:p>
-          </p:txBody>
-        </p:sp>
-        <p:sp>
-          <p:nvSpPr>
-            <p:cNvPr id="15" name="TextBox 14">
-              <a:extLst>
-                <a:ext uri="{FF2B5EF4-FFF2-40B4-BE49-F238E27FC236}">
-                  <a16:creationId xmlns:a16="http://schemas.microsoft.com/office/drawing/2014/main" id="{03B5E9D5-D1FD-95E7-CEA3-E2D6134AED2F}"/>
-                </a:ext>
-              </a:extLst>
-            </p:cNvPr>
-            <p:cNvSpPr txBox="1"/>
-            <p:nvPr/>
-          </p:nvSpPr>
-          <p:spPr>
-            <a:xfrm rot="18936829">
-              <a:off x="1059556" y="2161356"/>
-              <a:ext cx="491393" cy="169277"/>
-            </a:xfrm>
-            <a:prstGeom prst="rect">
-              <a:avLst/>
-            </a:prstGeom>
-            <a:noFill/>
-            <a:ln w="6350">
-              <a:noFill/>
-              <a:prstDash val="dash"/>
-            </a:ln>
-          </p:spPr>
-          <p:txBody>
-            <a:bodyPr wrap="square" lIns="36000" rIns="36000" rtlCol="0">
-              <a:spAutoFit/>
-            </a:bodyPr>
-            <a:lstStyle/>
             <a:p>
-              <a:pPr algn="ctr"/>
+              <a:pPr>
+                <a:lnSpc>
+                  <a:spcPts val="300"/>
+                </a:lnSpc>
+              </a:pPr>
               <a:r>
                 <a:rPr lang="en-US" sz="500" dirty="0">
                   <a:latin typeface="Arial" panose="020B0604020202020204" pitchFamily="34" charset="0"/>
                   <a:cs typeface="Arial" panose="020B0604020202020204" pitchFamily="34" charset="0"/>
                 </a:rPr>
-                <a:t>Transcribes to</a:t>
-              </a:r>
-            </a:p>
-          </p:txBody>
-        </p:sp>
-        <p:sp>
-          <p:nvSpPr>
-            <p:cNvPr id="60" name="Rectangle 59">
-              <a:extLst>
-                <a:ext uri="{FF2B5EF4-FFF2-40B4-BE49-F238E27FC236}">
-                  <a16:creationId xmlns:a16="http://schemas.microsoft.com/office/drawing/2014/main" id="{4C280B47-F110-A16B-FBF1-A6849F249061}"/>
-                </a:ext>
-              </a:extLst>
-            </p:cNvPr>
-            <p:cNvSpPr/>
-            <p:nvPr/>
-          </p:nvSpPr>
-          <p:spPr>
-            <a:xfrm>
-              <a:off x="3982732" y="1230618"/>
-              <a:ext cx="77426" cy="169200"/>
-            </a:xfrm>
-            <a:prstGeom prst="rect">
-              <a:avLst/>
-            </a:prstGeom>
-            <a:noFill/>
-            <a:ln>
-              <a:noFill/>
-            </a:ln>
-          </p:spPr>
-          <p:style>
-            <a:lnRef idx="2">
-              <a:schemeClr val="accent6"/>
-            </a:lnRef>
-            <a:fillRef idx="1">
-              <a:schemeClr val="lt1"/>
-            </a:fillRef>
-            <a:effectRef idx="0">
-              <a:schemeClr val="accent6"/>
-            </a:effectRef>
-            <a:fontRef idx="minor">
-              <a:schemeClr val="dk1"/>
-            </a:fontRef>
-          </p:style>
-          <p:txBody>
-            <a:bodyPr rtlCol="0" anchor="ctr"/>
-            <a:lstStyle/>
-            <a:p>
-              <a:pPr algn="ctr"/>
-              <a:endParaRPr lang="en-US"/>
-            </a:p>
-          </p:txBody>
-        </p:sp>
-        <p:sp>
-          <p:nvSpPr>
-            <p:cNvPr id="64" name="Rectangle 63">
-              <a:extLst>
-                <a:ext uri="{FF2B5EF4-FFF2-40B4-BE49-F238E27FC236}">
-                  <a16:creationId xmlns:a16="http://schemas.microsoft.com/office/drawing/2014/main" id="{8B92D35A-E36C-A999-6FEB-8A78245AAFE0}"/>
-                </a:ext>
-              </a:extLst>
-            </p:cNvPr>
-            <p:cNvSpPr/>
-            <p:nvPr/>
-          </p:nvSpPr>
-          <p:spPr>
-            <a:xfrm>
-              <a:off x="2645613" y="1568084"/>
-              <a:ext cx="77426" cy="169200"/>
-            </a:xfrm>
-            <a:prstGeom prst="rect">
-              <a:avLst/>
-            </a:prstGeom>
-            <a:noFill/>
-            <a:ln>
-              <a:noFill/>
-            </a:ln>
-          </p:spPr>
-          <p:style>
-            <a:lnRef idx="2">
-              <a:schemeClr val="accent6"/>
-            </a:lnRef>
-            <a:fillRef idx="1">
-              <a:schemeClr val="lt1"/>
-            </a:fillRef>
-            <a:effectRef idx="0">
-              <a:schemeClr val="accent6"/>
-            </a:effectRef>
-            <a:fontRef idx="minor">
-              <a:schemeClr val="dk1"/>
-            </a:fontRef>
-          </p:style>
-          <p:txBody>
-            <a:bodyPr rtlCol="0" anchor="ctr"/>
-            <a:lstStyle/>
-            <a:p>
-              <a:pPr algn="ctr"/>
-              <a:endParaRPr lang="en-US"/>
-            </a:p>
-          </p:txBody>
-        </p:sp>
-        <p:cxnSp>
-          <p:nvCxnSpPr>
-            <p:cNvPr id="68" name="Curved Connector 67">
-              <a:extLst>
-                <a:ext uri="{FF2B5EF4-FFF2-40B4-BE49-F238E27FC236}">
-                  <a16:creationId xmlns:a16="http://schemas.microsoft.com/office/drawing/2014/main" id="{AF92620E-DAAE-043A-4F03-43F19F6DB9C6}"/>
-                </a:ext>
-              </a:extLst>
-            </p:cNvPr>
-            <p:cNvCxnSpPr>
-              <a:cxnSpLocks/>
-              <a:stCxn id="4" idx="3"/>
-            </p:cNvCxnSpPr>
-            <p:nvPr/>
-          </p:nvCxnSpPr>
-          <p:spPr>
-            <a:xfrm flipV="1">
-              <a:off x="1070467" y="1990151"/>
-              <a:ext cx="247136" cy="336963"/>
-            </a:xfrm>
-            <a:prstGeom prst="curvedConnector3">
-              <a:avLst/>
-            </a:prstGeom>
-            <a:ln>
-              <a:solidFill>
-                <a:srgbClr val="7D3C46">
-                  <a:alpha val="75000"/>
-                </a:srgbClr>
-              </a:solidFill>
-            </a:ln>
-          </p:spPr>
-          <p:style>
-            <a:lnRef idx="1">
-              <a:schemeClr val="dk1"/>
-            </a:lnRef>
-            <a:fillRef idx="0">
-              <a:schemeClr val="dk1"/>
-            </a:fillRef>
-            <a:effectRef idx="0">
-              <a:schemeClr val="dk1"/>
-            </a:effectRef>
-            <a:fontRef idx="minor">
-              <a:schemeClr val="tx1"/>
-            </a:fontRef>
-          </p:style>
-        </p:cxnSp>
-        <p:cxnSp>
-          <p:nvCxnSpPr>
-            <p:cNvPr id="70" name="Curved Connector 69">
-              <a:extLst>
-                <a:ext uri="{FF2B5EF4-FFF2-40B4-BE49-F238E27FC236}">
-                  <a16:creationId xmlns:a16="http://schemas.microsoft.com/office/drawing/2014/main" id="{1AC2272F-1211-94E7-8220-B83078CC09A8}"/>
-                </a:ext>
-              </a:extLst>
-            </p:cNvPr>
-            <p:cNvCxnSpPr>
-              <a:cxnSpLocks/>
-              <a:stCxn id="7" idx="3"/>
-            </p:cNvCxnSpPr>
-            <p:nvPr/>
-          </p:nvCxnSpPr>
-          <p:spPr>
-            <a:xfrm flipV="1">
-              <a:off x="2403034" y="1315220"/>
-              <a:ext cx="247134" cy="337505"/>
-            </a:xfrm>
-            <a:prstGeom prst="curvedConnector3">
-              <a:avLst/>
-            </a:prstGeom>
-            <a:ln>
-              <a:solidFill>
-                <a:srgbClr val="7D3C46">
-                  <a:alpha val="75000"/>
-                </a:srgbClr>
-              </a:solidFill>
-            </a:ln>
-          </p:spPr>
-          <p:style>
-            <a:lnRef idx="1">
-              <a:schemeClr val="dk1"/>
-            </a:lnRef>
-            <a:fillRef idx="0">
-              <a:schemeClr val="dk1"/>
-            </a:fillRef>
-            <a:effectRef idx="0">
-              <a:schemeClr val="dk1"/>
-            </a:effectRef>
-            <a:fontRef idx="minor">
-              <a:schemeClr val="tx1"/>
-            </a:fontRef>
-          </p:style>
-        </p:cxnSp>
-        <p:cxnSp>
-          <p:nvCxnSpPr>
-            <p:cNvPr id="72" name="Curved Connector 71">
-              <a:extLst>
-                <a:ext uri="{FF2B5EF4-FFF2-40B4-BE49-F238E27FC236}">
-                  <a16:creationId xmlns:a16="http://schemas.microsoft.com/office/drawing/2014/main" id="{9D6C1DD4-5F03-5B59-0C67-BE4CA4B1F950}"/>
-                </a:ext>
-              </a:extLst>
-            </p:cNvPr>
-            <p:cNvCxnSpPr>
-              <a:cxnSpLocks/>
-              <a:stCxn id="39" idx="3"/>
-              <a:endCxn id="64" idx="1"/>
-            </p:cNvCxnSpPr>
-            <p:nvPr/>
-          </p:nvCxnSpPr>
-          <p:spPr>
-            <a:xfrm flipV="1">
-              <a:off x="2403034" y="1652684"/>
-              <a:ext cx="242581" cy="337504"/>
-            </a:xfrm>
-            <a:prstGeom prst="curvedConnector3">
-              <a:avLst/>
-            </a:prstGeom>
-            <a:ln>
-              <a:solidFill>
-                <a:srgbClr val="7D3C46">
-                  <a:alpha val="75000"/>
-                </a:srgbClr>
-              </a:solidFill>
-            </a:ln>
-          </p:spPr>
-          <p:style>
-            <a:lnRef idx="1">
-              <a:schemeClr val="dk1"/>
-            </a:lnRef>
-            <a:fillRef idx="0">
-              <a:schemeClr val="dk1"/>
-            </a:fillRef>
-            <a:effectRef idx="0">
-              <a:schemeClr val="dk1"/>
-            </a:effectRef>
-            <a:fontRef idx="minor">
-              <a:schemeClr val="tx1"/>
-            </a:fontRef>
-          </p:style>
-        </p:cxnSp>
-        <p:cxnSp>
-          <p:nvCxnSpPr>
-            <p:cNvPr id="76" name="Curved Connector 75">
-              <a:extLst>
-                <a:ext uri="{FF2B5EF4-FFF2-40B4-BE49-F238E27FC236}">
-                  <a16:creationId xmlns:a16="http://schemas.microsoft.com/office/drawing/2014/main" id="{039CD442-36D9-E8F4-1240-6D20CB596C61}"/>
-                </a:ext>
-              </a:extLst>
-            </p:cNvPr>
-            <p:cNvCxnSpPr>
-              <a:stCxn id="9" idx="3"/>
-              <a:endCxn id="60" idx="1"/>
-            </p:cNvCxnSpPr>
-            <p:nvPr/>
-          </p:nvCxnSpPr>
-          <p:spPr>
-            <a:xfrm flipV="1">
-              <a:off x="3735596" y="1315220"/>
-              <a:ext cx="247136" cy="337505"/>
-            </a:xfrm>
-            <a:prstGeom prst="curvedConnector3">
-              <a:avLst/>
-            </a:prstGeom>
-            <a:ln>
-              <a:solidFill>
-                <a:srgbClr val="7D3C46">
-                  <a:alpha val="75000"/>
-                </a:srgbClr>
-              </a:solidFill>
-            </a:ln>
-          </p:spPr>
-          <p:style>
-            <a:lnRef idx="1">
-              <a:schemeClr val="accent1"/>
-            </a:lnRef>
-            <a:fillRef idx="0">
-              <a:schemeClr val="accent1"/>
-            </a:fillRef>
-            <a:effectRef idx="0">
-              <a:schemeClr val="accent1"/>
-            </a:effectRef>
-            <a:fontRef idx="minor">
-              <a:schemeClr val="tx1"/>
-            </a:fontRef>
-          </p:style>
-        </p:cxnSp>
-        <p:cxnSp>
-          <p:nvCxnSpPr>
-            <p:cNvPr id="78" name="Straight Arrow Connector 77">
-              <a:extLst>
-                <a:ext uri="{FF2B5EF4-FFF2-40B4-BE49-F238E27FC236}">
-                  <a16:creationId xmlns:a16="http://schemas.microsoft.com/office/drawing/2014/main" id="{40568288-5F55-E9B8-2FAC-B22BB88C4CED}"/>
-                </a:ext>
-              </a:extLst>
-            </p:cNvPr>
-            <p:cNvCxnSpPr>
-              <a:stCxn id="64" idx="1"/>
-              <a:endCxn id="9" idx="1"/>
-            </p:cNvCxnSpPr>
-            <p:nvPr/>
-          </p:nvCxnSpPr>
-          <p:spPr>
-            <a:xfrm>
-              <a:off x="2645613" y="1652686"/>
-              <a:ext cx="81984" cy="39"/>
-            </a:xfrm>
-            <a:prstGeom prst="straightConnector1">
-              <a:avLst/>
-            </a:prstGeom>
-            <a:ln>
-              <a:solidFill>
-                <a:srgbClr val="7D3C46">
-                  <a:alpha val="75000"/>
-                </a:srgbClr>
-              </a:solidFill>
-              <a:tailEnd type="triangle"/>
-            </a:ln>
-          </p:spPr>
-          <p:style>
-            <a:lnRef idx="1">
-              <a:schemeClr val="accent1"/>
-            </a:lnRef>
-            <a:fillRef idx="0">
-              <a:schemeClr val="accent1"/>
-            </a:fillRef>
-            <a:effectRef idx="0">
-              <a:schemeClr val="accent1"/>
-            </a:effectRef>
-            <a:fontRef idx="minor">
-              <a:schemeClr val="tx1"/>
-            </a:fontRef>
-          </p:style>
-        </p:cxnSp>
-        <p:sp>
-          <p:nvSpPr>
-            <p:cNvPr id="81" name="TextBox 80">
-              <a:extLst>
-                <a:ext uri="{FF2B5EF4-FFF2-40B4-BE49-F238E27FC236}">
-                  <a16:creationId xmlns:a16="http://schemas.microsoft.com/office/drawing/2014/main" id="{9FAEC6C5-E0D7-6E3A-CCF2-97FC7F3154D5}"/>
-                </a:ext>
-              </a:extLst>
-            </p:cNvPr>
-            <p:cNvSpPr txBox="1"/>
-            <p:nvPr/>
-          </p:nvSpPr>
-          <p:spPr>
-            <a:xfrm>
-              <a:off x="5096347" y="2875562"/>
-              <a:ext cx="1304382" cy="169277"/>
-            </a:xfrm>
-            <a:prstGeom prst="rect">
-              <a:avLst/>
-            </a:prstGeom>
-            <a:noFill/>
-            <a:ln>
-              <a:noFill/>
-            </a:ln>
-          </p:spPr>
-          <p:txBody>
-            <a:bodyPr wrap="square" lIns="36000" rIns="36000" rtlCol="0">
-              <a:spAutoFit/>
-            </a:bodyPr>
-            <a:lstStyle/>
-            <a:p>
-              <a:pPr algn="ctr"/>
-              <a:r>
-                <a:rPr lang="en-US" sz="500" dirty="0">
-                  <a:latin typeface="Arial" panose="020B0604020202020204" pitchFamily="34" charset="0"/>
-                  <a:cs typeface="Arial" panose="020B0604020202020204" pitchFamily="34" charset="0"/>
-                </a:rPr>
-                <a:t>* for patients with non-small cell lung cancer</a:t>
-              </a:r>
-            </a:p>
-          </p:txBody>
-        </p:sp>
-        <p:sp>
-          <p:nvSpPr>
-            <p:cNvPr id="19" name="TextBox 18">
-              <a:extLst>
-                <a:ext uri="{FF2B5EF4-FFF2-40B4-BE49-F238E27FC236}">
-                  <a16:creationId xmlns:a16="http://schemas.microsoft.com/office/drawing/2014/main" id="{24C331C0-BF52-9D4F-FFF6-235B7B269563}"/>
-                </a:ext>
-              </a:extLst>
-            </p:cNvPr>
-            <p:cNvSpPr txBox="1"/>
-            <p:nvPr/>
-          </p:nvSpPr>
-          <p:spPr>
-            <a:xfrm rot="18936829">
-              <a:off x="2354044" y="1844348"/>
-              <a:ext cx="491393" cy="169277"/>
-            </a:xfrm>
-            <a:prstGeom prst="rect">
-              <a:avLst/>
-            </a:prstGeom>
-            <a:noFill/>
-            <a:ln w="6350">
-              <a:noFill/>
-              <a:prstDash val="dash"/>
-            </a:ln>
-          </p:spPr>
-          <p:txBody>
-            <a:bodyPr wrap="square" lIns="36000" rIns="36000" rtlCol="0">
-              <a:spAutoFit/>
-            </a:bodyPr>
-            <a:lstStyle/>
-            <a:p>
-              <a:pPr algn="ctr"/>
-              <a:r>
-                <a:rPr lang="en-US" sz="500" dirty="0">
-                  <a:latin typeface="Arial" panose="020B0604020202020204" pitchFamily="34" charset="0"/>
-                  <a:cs typeface="Arial" panose="020B0604020202020204" pitchFamily="34" charset="0"/>
-                </a:rPr>
-                <a:t>Translates to</a:t>
-              </a:r>
-            </a:p>
-          </p:txBody>
-        </p:sp>
-        <p:sp>
-          <p:nvSpPr>
-            <p:cNvPr id="21" name="TextBox 20">
-              <a:extLst>
-                <a:ext uri="{FF2B5EF4-FFF2-40B4-BE49-F238E27FC236}">
-                  <a16:creationId xmlns:a16="http://schemas.microsoft.com/office/drawing/2014/main" id="{530DDF64-7A5F-CD22-D4E0-E6D58921ECD7}"/>
-                </a:ext>
-              </a:extLst>
-            </p:cNvPr>
-            <p:cNvSpPr txBox="1"/>
-            <p:nvPr/>
-          </p:nvSpPr>
-          <p:spPr>
-            <a:xfrm rot="18936829">
-              <a:off x="3698933" y="1504470"/>
-              <a:ext cx="491393" cy="169277"/>
-            </a:xfrm>
-            <a:prstGeom prst="rect">
-              <a:avLst/>
-            </a:prstGeom>
-            <a:noFill/>
-            <a:ln w="6350">
-              <a:noFill/>
-              <a:prstDash val="dash"/>
-            </a:ln>
-          </p:spPr>
-          <p:txBody>
-            <a:bodyPr wrap="square" lIns="36000" rIns="36000" rtlCol="0">
-              <a:spAutoFit/>
-            </a:bodyPr>
-            <a:lstStyle/>
-            <a:p>
-              <a:pPr algn="ctr"/>
-              <a:r>
-                <a:rPr lang="en-US" sz="500" dirty="0">
-                  <a:latin typeface="Arial" panose="020B0604020202020204" pitchFamily="34" charset="0"/>
-                  <a:cs typeface="Arial" panose="020B0604020202020204" pitchFamily="34" charset="0"/>
-                </a:rPr>
-                <a:t>Member of</a:t>
+                <a:t>.</a:t>
               </a:r>
             </a:p>
           </p:txBody>
